--- a/PPT/消息中间件.pptx
+++ b/PPT/消息中间件.pptx
@@ -14,6 +14,10 @@
     <p:sldId id="262" r:id="rId8"/>
     <p:sldId id="263" r:id="rId9"/>
     <p:sldId id="264" r:id="rId10"/>
+    <p:sldId id="265" r:id="rId11"/>
+    <p:sldId id="266" r:id="rId12"/>
+    <p:sldId id="267" r:id="rId13"/>
+    <p:sldId id="268" r:id="rId14"/>
   </p:sldIdLst>
   <p:sldSz cx="12192000" cy="6858000"/>
   <p:notesSz cx="6858000" cy="9144000"/>
@@ -3320,6 +3324,7003 @@
 </p:sld>
 </file>
 
+<file path=ppt/slides/slide10.xml><?xml version="1.0" encoding="utf-8"?>
+<p:sld xmlns:a="http://schemas.openxmlformats.org/drawingml/2006/main" xmlns:r="http://schemas.openxmlformats.org/officeDocument/2006/relationships" xmlns:p="http://schemas.openxmlformats.org/presentationml/2006/main">
+  <p:cSld>
+    <p:spTree>
+      <p:nvGrpSpPr>
+        <p:cNvPr id="1" name=""/>
+        <p:cNvGrpSpPr/>
+        <p:nvPr/>
+      </p:nvGrpSpPr>
+      <p:grpSpPr>
+        <a:xfrm>
+          <a:off x="0" y="0"/>
+          <a:ext cx="0" cy="0"/>
+          <a:chOff x="0" y="0"/>
+          <a:chExt cx="0" cy="0"/>
+        </a:xfrm>
+      </p:grpSpPr>
+      <p:sp>
+        <p:nvSpPr>
+          <p:cNvPr id="2" name="矩形 1"/>
+          <p:cNvSpPr/>
+          <p:nvPr/>
+        </p:nvSpPr>
+        <p:spPr>
+          <a:xfrm>
+            <a:off x="1050878" y="300251"/>
+            <a:ext cx="9962865" cy="1214650"/>
+          </a:xfrm>
+          <a:prstGeom prst="rect">
+            <a:avLst/>
+          </a:prstGeom>
+        </p:spPr>
+        <p:style>
+          <a:lnRef idx="2">
+            <a:schemeClr val="dk1"/>
+          </a:lnRef>
+          <a:fillRef idx="1">
+            <a:schemeClr val="lt1"/>
+          </a:fillRef>
+          <a:effectRef idx="0">
+            <a:schemeClr val="dk1"/>
+          </a:effectRef>
+          <a:fontRef idx="minor">
+            <a:schemeClr val="dk1"/>
+          </a:fontRef>
+        </p:style>
+        <p:txBody>
+          <a:bodyPr rtlCol="0" anchor="ctr"/>
+          <a:lstStyle/>
+          <a:p>
+            <a:pPr algn="ctr"/>
+            <a:endParaRPr lang="zh-CN" altLang="en-US"/>
+          </a:p>
+        </p:txBody>
+      </p:sp>
+      <p:sp>
+        <p:nvSpPr>
+          <p:cNvPr id="3" name="文本框 2"/>
+          <p:cNvSpPr txBox="1"/>
+          <p:nvPr/>
+        </p:nvSpPr>
+        <p:spPr>
+          <a:xfrm>
+            <a:off x="1160060" y="436728"/>
+            <a:ext cx="1528550" cy="369332"/>
+          </a:xfrm>
+          <a:prstGeom prst="rect">
+            <a:avLst/>
+          </a:prstGeom>
+          <a:noFill/>
+        </p:spPr>
+        <p:txBody>
+          <a:bodyPr wrap="square" rtlCol="0">
+            <a:spAutoFit/>
+          </a:bodyPr>
+          <a:lstStyle/>
+          <a:p>
+            <a:r>
+              <a:rPr lang="zh-CN" altLang="en-US" dirty="0" smtClean="0"/>
+              <a:t>消息服务器</a:t>
+            </a:r>
+            <a:endParaRPr lang="zh-CN" altLang="en-US" dirty="0"/>
+          </a:p>
+        </p:txBody>
+      </p:sp>
+      <p:sp>
+        <p:nvSpPr>
+          <p:cNvPr id="4" name="矩形 3"/>
+          <p:cNvSpPr/>
+          <p:nvPr/>
+        </p:nvSpPr>
+        <p:spPr>
+          <a:xfrm>
+            <a:off x="2688610" y="635884"/>
+            <a:ext cx="627796" cy="538666"/>
+          </a:xfrm>
+          <a:prstGeom prst="rect">
+            <a:avLst/>
+          </a:prstGeom>
+        </p:spPr>
+        <p:style>
+          <a:lnRef idx="2">
+            <a:schemeClr val="dk1"/>
+          </a:lnRef>
+          <a:fillRef idx="1">
+            <a:schemeClr val="lt1"/>
+          </a:fillRef>
+          <a:effectRef idx="0">
+            <a:schemeClr val="dk1"/>
+          </a:effectRef>
+          <a:fontRef idx="minor">
+            <a:schemeClr val="dk1"/>
+          </a:fontRef>
+        </p:style>
+        <p:txBody>
+          <a:bodyPr rtlCol="0" anchor="ctr"/>
+          <a:lstStyle/>
+          <a:p>
+            <a:pPr algn="ctr"/>
+            <a:r>
+              <a:rPr lang="en-US" altLang="zh-CN" dirty="0" smtClean="0"/>
+              <a:t>M8</a:t>
+            </a:r>
+            <a:endParaRPr lang="zh-CN" altLang="en-US" dirty="0"/>
+          </a:p>
+        </p:txBody>
+      </p:sp>
+      <p:sp>
+        <p:nvSpPr>
+          <p:cNvPr id="5" name="矩形 4"/>
+          <p:cNvSpPr/>
+          <p:nvPr/>
+        </p:nvSpPr>
+        <p:spPr>
+          <a:xfrm>
+            <a:off x="3616660" y="635884"/>
+            <a:ext cx="627796" cy="538666"/>
+          </a:xfrm>
+          <a:prstGeom prst="rect">
+            <a:avLst/>
+          </a:prstGeom>
+        </p:spPr>
+        <p:style>
+          <a:lnRef idx="2">
+            <a:schemeClr val="dk1"/>
+          </a:lnRef>
+          <a:fillRef idx="1">
+            <a:schemeClr val="lt1"/>
+          </a:fillRef>
+          <a:effectRef idx="0">
+            <a:schemeClr val="dk1"/>
+          </a:effectRef>
+          <a:fontRef idx="minor">
+            <a:schemeClr val="dk1"/>
+          </a:fontRef>
+        </p:style>
+        <p:txBody>
+          <a:bodyPr rtlCol="0" anchor="ctr"/>
+          <a:lstStyle/>
+          <a:p>
+            <a:pPr algn="ctr"/>
+            <a:r>
+              <a:rPr lang="en-US" altLang="zh-CN" dirty="0" smtClean="0"/>
+              <a:t>M7</a:t>
+            </a:r>
+            <a:endParaRPr lang="zh-CN" altLang="en-US" dirty="0"/>
+          </a:p>
+        </p:txBody>
+      </p:sp>
+      <p:sp>
+        <p:nvSpPr>
+          <p:cNvPr id="6" name="矩形 5"/>
+          <p:cNvSpPr/>
+          <p:nvPr/>
+        </p:nvSpPr>
+        <p:spPr>
+          <a:xfrm>
+            <a:off x="4544710" y="636726"/>
+            <a:ext cx="627796" cy="538666"/>
+          </a:xfrm>
+          <a:prstGeom prst="rect">
+            <a:avLst/>
+          </a:prstGeom>
+        </p:spPr>
+        <p:style>
+          <a:lnRef idx="2">
+            <a:schemeClr val="dk1"/>
+          </a:lnRef>
+          <a:fillRef idx="1">
+            <a:schemeClr val="lt1"/>
+          </a:fillRef>
+          <a:effectRef idx="0">
+            <a:schemeClr val="dk1"/>
+          </a:effectRef>
+          <a:fontRef idx="minor">
+            <a:schemeClr val="dk1"/>
+          </a:fontRef>
+        </p:style>
+        <p:txBody>
+          <a:bodyPr rtlCol="0" anchor="ctr"/>
+          <a:lstStyle/>
+          <a:p>
+            <a:pPr algn="ctr"/>
+            <a:r>
+              <a:rPr lang="en-US" altLang="zh-CN" dirty="0" smtClean="0"/>
+              <a:t>M6</a:t>
+            </a:r>
+            <a:endParaRPr lang="zh-CN" altLang="en-US" dirty="0"/>
+          </a:p>
+        </p:txBody>
+      </p:sp>
+      <p:sp>
+        <p:nvSpPr>
+          <p:cNvPr id="7" name="矩形 6"/>
+          <p:cNvSpPr/>
+          <p:nvPr/>
+        </p:nvSpPr>
+        <p:spPr>
+          <a:xfrm>
+            <a:off x="5472760" y="653660"/>
+            <a:ext cx="627796" cy="520890"/>
+          </a:xfrm>
+          <a:prstGeom prst="rect">
+            <a:avLst/>
+          </a:prstGeom>
+        </p:spPr>
+        <p:style>
+          <a:lnRef idx="2">
+            <a:schemeClr val="dk1"/>
+          </a:lnRef>
+          <a:fillRef idx="1">
+            <a:schemeClr val="lt1"/>
+          </a:fillRef>
+          <a:effectRef idx="0">
+            <a:schemeClr val="dk1"/>
+          </a:effectRef>
+          <a:fontRef idx="minor">
+            <a:schemeClr val="dk1"/>
+          </a:fontRef>
+        </p:style>
+        <p:txBody>
+          <a:bodyPr rtlCol="0" anchor="ctr"/>
+          <a:lstStyle/>
+          <a:p>
+            <a:pPr algn="ctr"/>
+            <a:r>
+              <a:rPr lang="en-US" altLang="zh-CN" dirty="0" smtClean="0"/>
+              <a:t>M5</a:t>
+            </a:r>
+            <a:endParaRPr lang="zh-CN" altLang="en-US" dirty="0"/>
+          </a:p>
+        </p:txBody>
+      </p:sp>
+      <p:sp>
+        <p:nvSpPr>
+          <p:cNvPr id="8" name="矩形 7"/>
+          <p:cNvSpPr/>
+          <p:nvPr/>
+        </p:nvSpPr>
+        <p:spPr>
+          <a:xfrm>
+            <a:off x="6400810" y="644772"/>
+            <a:ext cx="627796" cy="538666"/>
+          </a:xfrm>
+          <a:prstGeom prst="rect">
+            <a:avLst/>
+          </a:prstGeom>
+        </p:spPr>
+        <p:style>
+          <a:lnRef idx="2">
+            <a:schemeClr val="dk1"/>
+          </a:lnRef>
+          <a:fillRef idx="1">
+            <a:schemeClr val="lt1"/>
+          </a:fillRef>
+          <a:effectRef idx="0">
+            <a:schemeClr val="dk1"/>
+          </a:effectRef>
+          <a:fontRef idx="minor">
+            <a:schemeClr val="dk1"/>
+          </a:fontRef>
+        </p:style>
+        <p:txBody>
+          <a:bodyPr rtlCol="0" anchor="ctr"/>
+          <a:lstStyle/>
+          <a:p>
+            <a:pPr algn="ctr"/>
+            <a:r>
+              <a:rPr lang="en-US" altLang="zh-CN" dirty="0" smtClean="0"/>
+              <a:t>M4</a:t>
+            </a:r>
+            <a:endParaRPr lang="zh-CN" altLang="en-US" dirty="0"/>
+          </a:p>
+        </p:txBody>
+      </p:sp>
+      <p:sp>
+        <p:nvSpPr>
+          <p:cNvPr id="9" name="矩形 8"/>
+          <p:cNvSpPr/>
+          <p:nvPr/>
+        </p:nvSpPr>
+        <p:spPr>
+          <a:xfrm>
+            <a:off x="7328867" y="635884"/>
+            <a:ext cx="627796" cy="538666"/>
+          </a:xfrm>
+          <a:prstGeom prst="rect">
+            <a:avLst/>
+          </a:prstGeom>
+        </p:spPr>
+        <p:style>
+          <a:lnRef idx="2">
+            <a:schemeClr val="dk1"/>
+          </a:lnRef>
+          <a:fillRef idx="1">
+            <a:schemeClr val="lt1"/>
+          </a:fillRef>
+          <a:effectRef idx="0">
+            <a:schemeClr val="dk1"/>
+          </a:effectRef>
+          <a:fontRef idx="minor">
+            <a:schemeClr val="dk1"/>
+          </a:fontRef>
+        </p:style>
+        <p:txBody>
+          <a:bodyPr rtlCol="0" anchor="ctr"/>
+          <a:lstStyle/>
+          <a:p>
+            <a:pPr algn="ctr"/>
+            <a:r>
+              <a:rPr lang="en-US" altLang="zh-CN" dirty="0" smtClean="0"/>
+              <a:t>M3</a:t>
+            </a:r>
+            <a:endParaRPr lang="zh-CN" altLang="en-US" dirty="0"/>
+          </a:p>
+        </p:txBody>
+      </p:sp>
+      <p:sp>
+        <p:nvSpPr>
+          <p:cNvPr id="10" name="矩形 9"/>
+          <p:cNvSpPr/>
+          <p:nvPr/>
+        </p:nvSpPr>
+        <p:spPr>
+          <a:xfrm>
+            <a:off x="8256910" y="653660"/>
+            <a:ext cx="627796" cy="538666"/>
+          </a:xfrm>
+          <a:prstGeom prst="rect">
+            <a:avLst/>
+          </a:prstGeom>
+        </p:spPr>
+        <p:style>
+          <a:lnRef idx="2">
+            <a:schemeClr val="dk1"/>
+          </a:lnRef>
+          <a:fillRef idx="1">
+            <a:schemeClr val="lt1"/>
+          </a:fillRef>
+          <a:effectRef idx="0">
+            <a:schemeClr val="dk1"/>
+          </a:effectRef>
+          <a:fontRef idx="minor">
+            <a:schemeClr val="dk1"/>
+          </a:fontRef>
+        </p:style>
+        <p:txBody>
+          <a:bodyPr rtlCol="0" anchor="ctr"/>
+          <a:lstStyle/>
+          <a:p>
+            <a:pPr algn="ctr"/>
+            <a:r>
+              <a:rPr lang="en-US" altLang="zh-CN" dirty="0" smtClean="0"/>
+              <a:t>M2</a:t>
+            </a:r>
+            <a:endParaRPr lang="zh-CN" altLang="en-US" dirty="0"/>
+          </a:p>
+        </p:txBody>
+      </p:sp>
+      <p:sp>
+        <p:nvSpPr>
+          <p:cNvPr id="11" name="矩形 10"/>
+          <p:cNvSpPr/>
+          <p:nvPr/>
+        </p:nvSpPr>
+        <p:spPr>
+          <a:xfrm>
+            <a:off x="9184954" y="635884"/>
+            <a:ext cx="627796" cy="538666"/>
+          </a:xfrm>
+          <a:prstGeom prst="rect">
+            <a:avLst/>
+          </a:prstGeom>
+        </p:spPr>
+        <p:style>
+          <a:lnRef idx="2">
+            <a:schemeClr val="dk1"/>
+          </a:lnRef>
+          <a:fillRef idx="1">
+            <a:schemeClr val="lt1"/>
+          </a:fillRef>
+          <a:effectRef idx="0">
+            <a:schemeClr val="dk1"/>
+          </a:effectRef>
+          <a:fontRef idx="minor">
+            <a:schemeClr val="dk1"/>
+          </a:fontRef>
+        </p:style>
+        <p:txBody>
+          <a:bodyPr rtlCol="0" anchor="ctr"/>
+          <a:lstStyle/>
+          <a:p>
+            <a:pPr algn="ctr"/>
+            <a:r>
+              <a:rPr lang="en-US" altLang="zh-CN" dirty="0" smtClean="0"/>
+              <a:t>M1</a:t>
+            </a:r>
+            <a:endParaRPr lang="zh-CN" altLang="en-US" dirty="0"/>
+          </a:p>
+        </p:txBody>
+      </p:sp>
+      <p:sp>
+        <p:nvSpPr>
+          <p:cNvPr id="12" name="矩形 11"/>
+          <p:cNvSpPr/>
+          <p:nvPr/>
+        </p:nvSpPr>
+        <p:spPr>
+          <a:xfrm>
+            <a:off x="1050878" y="3944203"/>
+            <a:ext cx="3220871" cy="2784143"/>
+          </a:xfrm>
+          <a:prstGeom prst="rect">
+            <a:avLst/>
+          </a:prstGeom>
+        </p:spPr>
+        <p:style>
+          <a:lnRef idx="2">
+            <a:schemeClr val="dk1"/>
+          </a:lnRef>
+          <a:fillRef idx="1">
+            <a:schemeClr val="lt1"/>
+          </a:fillRef>
+          <a:effectRef idx="0">
+            <a:schemeClr val="dk1"/>
+          </a:effectRef>
+          <a:fontRef idx="minor">
+            <a:schemeClr val="dk1"/>
+          </a:fontRef>
+        </p:style>
+        <p:txBody>
+          <a:bodyPr rtlCol="0" anchor="ctr"/>
+          <a:lstStyle/>
+          <a:p>
+            <a:pPr algn="ctr"/>
+            <a:endParaRPr lang="zh-CN" altLang="en-US"/>
+          </a:p>
+        </p:txBody>
+      </p:sp>
+      <p:sp>
+        <p:nvSpPr>
+          <p:cNvPr id="13" name="文本框 12"/>
+          <p:cNvSpPr txBox="1"/>
+          <p:nvPr/>
+        </p:nvSpPr>
+        <p:spPr>
+          <a:xfrm>
+            <a:off x="1160060" y="4039737"/>
+            <a:ext cx="1009934" cy="369332"/>
+          </a:xfrm>
+          <a:prstGeom prst="rect">
+            <a:avLst/>
+          </a:prstGeom>
+          <a:noFill/>
+        </p:spPr>
+        <p:txBody>
+          <a:bodyPr wrap="square" rtlCol="0">
+            <a:spAutoFit/>
+          </a:bodyPr>
+          <a:lstStyle/>
+          <a:p>
+            <a:r>
+              <a:rPr lang="zh-CN" altLang="en-US" dirty="0" smtClean="0"/>
+              <a:t>集群</a:t>
+            </a:r>
+            <a:r>
+              <a:rPr lang="en-US" altLang="zh-CN" dirty="0" smtClean="0"/>
+              <a:t>A</a:t>
+            </a:r>
+            <a:endParaRPr lang="zh-CN" altLang="en-US" dirty="0"/>
+          </a:p>
+        </p:txBody>
+      </p:sp>
+      <p:sp>
+        <p:nvSpPr>
+          <p:cNvPr id="14" name="矩形 13"/>
+          <p:cNvSpPr/>
+          <p:nvPr/>
+        </p:nvSpPr>
+        <p:spPr>
+          <a:xfrm>
+            <a:off x="1160060" y="4409069"/>
+            <a:ext cx="2988859" cy="1050035"/>
+          </a:xfrm>
+          <a:prstGeom prst="rect">
+            <a:avLst/>
+          </a:prstGeom>
+        </p:spPr>
+        <p:style>
+          <a:lnRef idx="2">
+            <a:schemeClr val="dk1"/>
+          </a:lnRef>
+          <a:fillRef idx="1">
+            <a:schemeClr val="lt1"/>
+          </a:fillRef>
+          <a:effectRef idx="0">
+            <a:schemeClr val="dk1"/>
+          </a:effectRef>
+          <a:fontRef idx="minor">
+            <a:schemeClr val="dk1"/>
+          </a:fontRef>
+        </p:style>
+        <p:txBody>
+          <a:bodyPr rtlCol="0" anchor="ctr"/>
+          <a:lstStyle/>
+          <a:p>
+            <a:pPr algn="ctr"/>
+            <a:endParaRPr lang="zh-CN" altLang="en-US"/>
+          </a:p>
+        </p:txBody>
+      </p:sp>
+      <p:sp>
+        <p:nvSpPr>
+          <p:cNvPr id="16" name="矩形 15"/>
+          <p:cNvSpPr/>
+          <p:nvPr/>
+        </p:nvSpPr>
+        <p:spPr>
+          <a:xfrm>
+            <a:off x="1166883" y="5568707"/>
+            <a:ext cx="2988859" cy="1050035"/>
+          </a:xfrm>
+          <a:prstGeom prst="rect">
+            <a:avLst/>
+          </a:prstGeom>
+        </p:spPr>
+        <p:style>
+          <a:lnRef idx="2">
+            <a:schemeClr val="dk1"/>
+          </a:lnRef>
+          <a:fillRef idx="1">
+            <a:schemeClr val="lt1"/>
+          </a:fillRef>
+          <a:effectRef idx="0">
+            <a:schemeClr val="dk1"/>
+          </a:effectRef>
+          <a:fontRef idx="minor">
+            <a:schemeClr val="dk1"/>
+          </a:fontRef>
+        </p:style>
+        <p:txBody>
+          <a:bodyPr rtlCol="0" anchor="ctr"/>
+          <a:lstStyle/>
+          <a:p>
+            <a:pPr algn="ctr"/>
+            <a:endParaRPr lang="zh-CN" altLang="en-US"/>
+          </a:p>
+        </p:txBody>
+      </p:sp>
+      <p:sp>
+        <p:nvSpPr>
+          <p:cNvPr id="17" name="文本框 16"/>
+          <p:cNvSpPr txBox="1"/>
+          <p:nvPr/>
+        </p:nvSpPr>
+        <p:spPr>
+          <a:xfrm>
+            <a:off x="1160060" y="4409069"/>
+            <a:ext cx="1009934" cy="369332"/>
+          </a:xfrm>
+          <a:prstGeom prst="rect">
+            <a:avLst/>
+          </a:prstGeom>
+          <a:noFill/>
+        </p:spPr>
+        <p:txBody>
+          <a:bodyPr wrap="square" rtlCol="0">
+            <a:spAutoFit/>
+          </a:bodyPr>
+          <a:lstStyle/>
+          <a:p>
+            <a:r>
+              <a:rPr lang="en-US" altLang="zh-CN" dirty="0" smtClean="0"/>
+              <a:t>A1</a:t>
+            </a:r>
+            <a:endParaRPr lang="zh-CN" altLang="en-US" dirty="0"/>
+          </a:p>
+        </p:txBody>
+      </p:sp>
+      <p:sp>
+        <p:nvSpPr>
+          <p:cNvPr id="18" name="矩形 17"/>
+          <p:cNvSpPr/>
+          <p:nvPr/>
+        </p:nvSpPr>
+        <p:spPr>
+          <a:xfrm>
+            <a:off x="1235122" y="4704601"/>
+            <a:ext cx="627796" cy="538666"/>
+          </a:xfrm>
+          <a:prstGeom prst="rect">
+            <a:avLst/>
+          </a:prstGeom>
+        </p:spPr>
+        <p:style>
+          <a:lnRef idx="2">
+            <a:schemeClr val="dk1"/>
+          </a:lnRef>
+          <a:fillRef idx="1">
+            <a:schemeClr val="lt1"/>
+          </a:fillRef>
+          <a:effectRef idx="0">
+            <a:schemeClr val="dk1"/>
+          </a:effectRef>
+          <a:fontRef idx="minor">
+            <a:schemeClr val="dk1"/>
+          </a:fontRef>
+        </p:style>
+        <p:txBody>
+          <a:bodyPr rtlCol="0" anchor="ctr"/>
+          <a:lstStyle/>
+          <a:p>
+            <a:pPr algn="ctr"/>
+            <a:r>
+              <a:rPr lang="en-US" altLang="zh-CN" dirty="0" smtClean="0"/>
+              <a:t>M7</a:t>
+            </a:r>
+            <a:endParaRPr lang="zh-CN" altLang="en-US" dirty="0"/>
+          </a:p>
+        </p:txBody>
+      </p:sp>
+      <p:sp>
+        <p:nvSpPr>
+          <p:cNvPr id="19" name="矩形 18"/>
+          <p:cNvSpPr/>
+          <p:nvPr/>
+        </p:nvSpPr>
+        <p:spPr>
+          <a:xfrm>
+            <a:off x="1972100" y="4704601"/>
+            <a:ext cx="627796" cy="538666"/>
+          </a:xfrm>
+          <a:prstGeom prst="rect">
+            <a:avLst/>
+          </a:prstGeom>
+        </p:spPr>
+        <p:style>
+          <a:lnRef idx="2">
+            <a:schemeClr val="dk1"/>
+          </a:lnRef>
+          <a:fillRef idx="1">
+            <a:schemeClr val="lt1"/>
+          </a:fillRef>
+          <a:effectRef idx="0">
+            <a:schemeClr val="dk1"/>
+          </a:effectRef>
+          <a:fontRef idx="minor">
+            <a:schemeClr val="dk1"/>
+          </a:fontRef>
+        </p:style>
+        <p:txBody>
+          <a:bodyPr rtlCol="0" anchor="ctr"/>
+          <a:lstStyle/>
+          <a:p>
+            <a:pPr algn="ctr"/>
+            <a:r>
+              <a:rPr lang="en-US" altLang="zh-CN" dirty="0" smtClean="0"/>
+              <a:t>M5</a:t>
+            </a:r>
+            <a:endParaRPr lang="zh-CN" altLang="en-US" dirty="0"/>
+          </a:p>
+        </p:txBody>
+      </p:sp>
+      <p:sp>
+        <p:nvSpPr>
+          <p:cNvPr id="20" name="矩形 19"/>
+          <p:cNvSpPr/>
+          <p:nvPr/>
+        </p:nvSpPr>
+        <p:spPr>
+          <a:xfrm>
+            <a:off x="2709078" y="4704601"/>
+            <a:ext cx="627796" cy="538666"/>
+          </a:xfrm>
+          <a:prstGeom prst="rect">
+            <a:avLst/>
+          </a:prstGeom>
+        </p:spPr>
+        <p:style>
+          <a:lnRef idx="2">
+            <a:schemeClr val="dk1"/>
+          </a:lnRef>
+          <a:fillRef idx="1">
+            <a:schemeClr val="lt1"/>
+          </a:fillRef>
+          <a:effectRef idx="0">
+            <a:schemeClr val="dk1"/>
+          </a:effectRef>
+          <a:fontRef idx="minor">
+            <a:schemeClr val="dk1"/>
+          </a:fontRef>
+        </p:style>
+        <p:txBody>
+          <a:bodyPr rtlCol="0" anchor="ctr"/>
+          <a:lstStyle/>
+          <a:p>
+            <a:pPr algn="ctr"/>
+            <a:r>
+              <a:rPr lang="en-US" altLang="zh-CN" dirty="0" smtClean="0"/>
+              <a:t>M3</a:t>
+            </a:r>
+            <a:endParaRPr lang="zh-CN" altLang="en-US" dirty="0"/>
+          </a:p>
+        </p:txBody>
+      </p:sp>
+      <p:sp>
+        <p:nvSpPr>
+          <p:cNvPr id="21" name="矩形 20"/>
+          <p:cNvSpPr/>
+          <p:nvPr/>
+        </p:nvSpPr>
+        <p:spPr>
+          <a:xfrm>
+            <a:off x="3446056" y="4704601"/>
+            <a:ext cx="627796" cy="520890"/>
+          </a:xfrm>
+          <a:prstGeom prst="rect">
+            <a:avLst/>
+          </a:prstGeom>
+        </p:spPr>
+        <p:style>
+          <a:lnRef idx="2">
+            <a:schemeClr val="dk1"/>
+          </a:lnRef>
+          <a:fillRef idx="1">
+            <a:schemeClr val="lt1"/>
+          </a:fillRef>
+          <a:effectRef idx="0">
+            <a:schemeClr val="dk1"/>
+          </a:effectRef>
+          <a:fontRef idx="minor">
+            <a:schemeClr val="dk1"/>
+          </a:fontRef>
+        </p:style>
+        <p:txBody>
+          <a:bodyPr rtlCol="0" anchor="ctr"/>
+          <a:lstStyle/>
+          <a:p>
+            <a:pPr algn="ctr"/>
+            <a:r>
+              <a:rPr lang="en-US" altLang="zh-CN" dirty="0" smtClean="0"/>
+              <a:t>M1</a:t>
+            </a:r>
+            <a:endParaRPr lang="zh-CN" altLang="en-US" dirty="0"/>
+          </a:p>
+        </p:txBody>
+      </p:sp>
+      <p:sp>
+        <p:nvSpPr>
+          <p:cNvPr id="22" name="矩形 21"/>
+          <p:cNvSpPr/>
+          <p:nvPr/>
+        </p:nvSpPr>
+        <p:spPr>
+          <a:xfrm>
+            <a:off x="1235125" y="5864239"/>
+            <a:ext cx="627796" cy="538666"/>
+          </a:xfrm>
+          <a:prstGeom prst="rect">
+            <a:avLst/>
+          </a:prstGeom>
+        </p:spPr>
+        <p:style>
+          <a:lnRef idx="2">
+            <a:schemeClr val="dk1"/>
+          </a:lnRef>
+          <a:fillRef idx="1">
+            <a:schemeClr val="lt1"/>
+          </a:fillRef>
+          <a:effectRef idx="0">
+            <a:schemeClr val="dk1"/>
+          </a:effectRef>
+          <a:fontRef idx="minor">
+            <a:schemeClr val="dk1"/>
+          </a:fontRef>
+        </p:style>
+        <p:txBody>
+          <a:bodyPr rtlCol="0" anchor="ctr"/>
+          <a:lstStyle/>
+          <a:p>
+            <a:pPr algn="ctr"/>
+            <a:r>
+              <a:rPr lang="en-US" altLang="zh-CN" dirty="0" smtClean="0"/>
+              <a:t>M8</a:t>
+            </a:r>
+            <a:endParaRPr lang="zh-CN" altLang="en-US" dirty="0"/>
+          </a:p>
+        </p:txBody>
+      </p:sp>
+      <p:sp>
+        <p:nvSpPr>
+          <p:cNvPr id="23" name="矩形 22"/>
+          <p:cNvSpPr/>
+          <p:nvPr/>
+        </p:nvSpPr>
+        <p:spPr>
+          <a:xfrm>
+            <a:off x="1972103" y="5864239"/>
+            <a:ext cx="627796" cy="538666"/>
+          </a:xfrm>
+          <a:prstGeom prst="rect">
+            <a:avLst/>
+          </a:prstGeom>
+        </p:spPr>
+        <p:style>
+          <a:lnRef idx="2">
+            <a:schemeClr val="dk1"/>
+          </a:lnRef>
+          <a:fillRef idx="1">
+            <a:schemeClr val="lt1"/>
+          </a:fillRef>
+          <a:effectRef idx="0">
+            <a:schemeClr val="dk1"/>
+          </a:effectRef>
+          <a:fontRef idx="minor">
+            <a:schemeClr val="dk1"/>
+          </a:fontRef>
+        </p:style>
+        <p:txBody>
+          <a:bodyPr rtlCol="0" anchor="ctr"/>
+          <a:lstStyle/>
+          <a:p>
+            <a:pPr algn="ctr"/>
+            <a:r>
+              <a:rPr lang="en-US" altLang="zh-CN" dirty="0" smtClean="0"/>
+              <a:t>M6</a:t>
+            </a:r>
+            <a:endParaRPr lang="zh-CN" altLang="en-US" dirty="0"/>
+          </a:p>
+        </p:txBody>
+      </p:sp>
+      <p:sp>
+        <p:nvSpPr>
+          <p:cNvPr id="24" name="矩形 23"/>
+          <p:cNvSpPr/>
+          <p:nvPr/>
+        </p:nvSpPr>
+        <p:spPr>
+          <a:xfrm>
+            <a:off x="2709081" y="5864239"/>
+            <a:ext cx="627796" cy="538666"/>
+          </a:xfrm>
+          <a:prstGeom prst="rect">
+            <a:avLst/>
+          </a:prstGeom>
+        </p:spPr>
+        <p:style>
+          <a:lnRef idx="2">
+            <a:schemeClr val="dk1"/>
+          </a:lnRef>
+          <a:fillRef idx="1">
+            <a:schemeClr val="lt1"/>
+          </a:fillRef>
+          <a:effectRef idx="0">
+            <a:schemeClr val="dk1"/>
+          </a:effectRef>
+          <a:fontRef idx="minor">
+            <a:schemeClr val="dk1"/>
+          </a:fontRef>
+        </p:style>
+        <p:txBody>
+          <a:bodyPr rtlCol="0" anchor="ctr"/>
+          <a:lstStyle/>
+          <a:p>
+            <a:pPr algn="ctr"/>
+            <a:r>
+              <a:rPr lang="en-US" altLang="zh-CN" dirty="0" smtClean="0"/>
+              <a:t>M4</a:t>
+            </a:r>
+            <a:endParaRPr lang="zh-CN" altLang="en-US" dirty="0"/>
+          </a:p>
+        </p:txBody>
+      </p:sp>
+      <p:sp>
+        <p:nvSpPr>
+          <p:cNvPr id="25" name="矩形 24"/>
+          <p:cNvSpPr/>
+          <p:nvPr/>
+        </p:nvSpPr>
+        <p:spPr>
+          <a:xfrm>
+            <a:off x="3446059" y="5864239"/>
+            <a:ext cx="627796" cy="520890"/>
+          </a:xfrm>
+          <a:prstGeom prst="rect">
+            <a:avLst/>
+          </a:prstGeom>
+        </p:spPr>
+        <p:style>
+          <a:lnRef idx="2">
+            <a:schemeClr val="dk1"/>
+          </a:lnRef>
+          <a:fillRef idx="1">
+            <a:schemeClr val="lt1"/>
+          </a:fillRef>
+          <a:effectRef idx="0">
+            <a:schemeClr val="dk1"/>
+          </a:effectRef>
+          <a:fontRef idx="minor">
+            <a:schemeClr val="dk1"/>
+          </a:fontRef>
+        </p:style>
+        <p:txBody>
+          <a:bodyPr rtlCol="0" anchor="ctr"/>
+          <a:lstStyle/>
+          <a:p>
+            <a:pPr algn="ctr"/>
+            <a:r>
+              <a:rPr lang="en-US" altLang="zh-CN" dirty="0" smtClean="0"/>
+              <a:t>M2</a:t>
+            </a:r>
+            <a:endParaRPr lang="zh-CN" altLang="en-US" dirty="0"/>
+          </a:p>
+        </p:txBody>
+      </p:sp>
+      <p:sp>
+        <p:nvSpPr>
+          <p:cNvPr id="26" name="文本框 25"/>
+          <p:cNvSpPr txBox="1"/>
+          <p:nvPr/>
+        </p:nvSpPr>
+        <p:spPr>
+          <a:xfrm>
+            <a:off x="1160060" y="5519422"/>
+            <a:ext cx="1009934" cy="369332"/>
+          </a:xfrm>
+          <a:prstGeom prst="rect">
+            <a:avLst/>
+          </a:prstGeom>
+          <a:noFill/>
+        </p:spPr>
+        <p:txBody>
+          <a:bodyPr wrap="square" rtlCol="0">
+            <a:spAutoFit/>
+          </a:bodyPr>
+          <a:lstStyle/>
+          <a:p>
+            <a:r>
+              <a:rPr lang="en-US" altLang="zh-CN" dirty="0" smtClean="0"/>
+              <a:t>A2</a:t>
+            </a:r>
+            <a:endParaRPr lang="zh-CN" altLang="en-US" dirty="0"/>
+          </a:p>
+        </p:txBody>
+      </p:sp>
+      <p:sp>
+        <p:nvSpPr>
+          <p:cNvPr id="27" name="矩形 26"/>
+          <p:cNvSpPr/>
+          <p:nvPr/>
+        </p:nvSpPr>
+        <p:spPr>
+          <a:xfrm>
+            <a:off x="7792872" y="3944203"/>
+            <a:ext cx="3220871" cy="2784143"/>
+          </a:xfrm>
+          <a:prstGeom prst="rect">
+            <a:avLst/>
+          </a:prstGeom>
+        </p:spPr>
+        <p:style>
+          <a:lnRef idx="2">
+            <a:schemeClr val="dk1"/>
+          </a:lnRef>
+          <a:fillRef idx="1">
+            <a:schemeClr val="lt1"/>
+          </a:fillRef>
+          <a:effectRef idx="0">
+            <a:schemeClr val="dk1"/>
+          </a:effectRef>
+          <a:fontRef idx="minor">
+            <a:schemeClr val="dk1"/>
+          </a:fontRef>
+        </p:style>
+        <p:txBody>
+          <a:bodyPr rtlCol="0" anchor="ctr"/>
+          <a:lstStyle/>
+          <a:p>
+            <a:pPr algn="ctr"/>
+            <a:endParaRPr lang="zh-CN" altLang="en-US"/>
+          </a:p>
+        </p:txBody>
+      </p:sp>
+      <p:sp>
+        <p:nvSpPr>
+          <p:cNvPr id="28" name="文本框 27"/>
+          <p:cNvSpPr txBox="1"/>
+          <p:nvPr/>
+        </p:nvSpPr>
+        <p:spPr>
+          <a:xfrm>
+            <a:off x="7902054" y="4039737"/>
+            <a:ext cx="1009934" cy="369332"/>
+          </a:xfrm>
+          <a:prstGeom prst="rect">
+            <a:avLst/>
+          </a:prstGeom>
+          <a:noFill/>
+        </p:spPr>
+        <p:txBody>
+          <a:bodyPr wrap="square" rtlCol="0">
+            <a:spAutoFit/>
+          </a:bodyPr>
+          <a:lstStyle/>
+          <a:p>
+            <a:r>
+              <a:rPr lang="zh-CN" altLang="en-US" dirty="0" smtClean="0"/>
+              <a:t>集群</a:t>
+            </a:r>
+            <a:r>
+              <a:rPr lang="en-US" altLang="zh-CN" dirty="0" smtClean="0"/>
+              <a:t>B</a:t>
+            </a:r>
+            <a:endParaRPr lang="zh-CN" altLang="en-US" dirty="0"/>
+          </a:p>
+        </p:txBody>
+      </p:sp>
+      <p:sp>
+        <p:nvSpPr>
+          <p:cNvPr id="29" name="矩形 28"/>
+          <p:cNvSpPr/>
+          <p:nvPr/>
+        </p:nvSpPr>
+        <p:spPr>
+          <a:xfrm>
+            <a:off x="7902054" y="4409069"/>
+            <a:ext cx="2988859" cy="1050035"/>
+          </a:xfrm>
+          <a:prstGeom prst="rect">
+            <a:avLst/>
+          </a:prstGeom>
+        </p:spPr>
+        <p:style>
+          <a:lnRef idx="2">
+            <a:schemeClr val="dk1"/>
+          </a:lnRef>
+          <a:fillRef idx="1">
+            <a:schemeClr val="lt1"/>
+          </a:fillRef>
+          <a:effectRef idx="0">
+            <a:schemeClr val="dk1"/>
+          </a:effectRef>
+          <a:fontRef idx="minor">
+            <a:schemeClr val="dk1"/>
+          </a:fontRef>
+        </p:style>
+        <p:txBody>
+          <a:bodyPr rtlCol="0" anchor="ctr"/>
+          <a:lstStyle/>
+          <a:p>
+            <a:pPr algn="ctr"/>
+            <a:endParaRPr lang="zh-CN" altLang="en-US"/>
+          </a:p>
+        </p:txBody>
+      </p:sp>
+      <p:sp>
+        <p:nvSpPr>
+          <p:cNvPr id="30" name="矩形 29"/>
+          <p:cNvSpPr/>
+          <p:nvPr/>
+        </p:nvSpPr>
+        <p:spPr>
+          <a:xfrm>
+            <a:off x="7908877" y="5568707"/>
+            <a:ext cx="2988859" cy="1050035"/>
+          </a:xfrm>
+          <a:prstGeom prst="rect">
+            <a:avLst/>
+          </a:prstGeom>
+        </p:spPr>
+        <p:style>
+          <a:lnRef idx="2">
+            <a:schemeClr val="dk1"/>
+          </a:lnRef>
+          <a:fillRef idx="1">
+            <a:schemeClr val="lt1"/>
+          </a:fillRef>
+          <a:effectRef idx="0">
+            <a:schemeClr val="dk1"/>
+          </a:effectRef>
+          <a:fontRef idx="minor">
+            <a:schemeClr val="dk1"/>
+          </a:fontRef>
+        </p:style>
+        <p:txBody>
+          <a:bodyPr rtlCol="0" anchor="ctr"/>
+          <a:lstStyle/>
+          <a:p>
+            <a:pPr algn="ctr"/>
+            <a:endParaRPr lang="zh-CN" altLang="en-US"/>
+          </a:p>
+        </p:txBody>
+      </p:sp>
+      <p:sp>
+        <p:nvSpPr>
+          <p:cNvPr id="31" name="文本框 30"/>
+          <p:cNvSpPr txBox="1"/>
+          <p:nvPr/>
+        </p:nvSpPr>
+        <p:spPr>
+          <a:xfrm>
+            <a:off x="7902054" y="4409069"/>
+            <a:ext cx="1009934" cy="369332"/>
+          </a:xfrm>
+          <a:prstGeom prst="rect">
+            <a:avLst/>
+          </a:prstGeom>
+          <a:noFill/>
+        </p:spPr>
+        <p:txBody>
+          <a:bodyPr wrap="square" rtlCol="0">
+            <a:spAutoFit/>
+          </a:bodyPr>
+          <a:lstStyle/>
+          <a:p>
+            <a:r>
+              <a:rPr lang="en-US" altLang="zh-CN" dirty="0" smtClean="0"/>
+              <a:t>B1</a:t>
+            </a:r>
+            <a:endParaRPr lang="zh-CN" altLang="en-US" dirty="0"/>
+          </a:p>
+        </p:txBody>
+      </p:sp>
+      <p:sp>
+        <p:nvSpPr>
+          <p:cNvPr id="32" name="矩形 31"/>
+          <p:cNvSpPr/>
+          <p:nvPr/>
+        </p:nvSpPr>
+        <p:spPr>
+          <a:xfrm>
+            <a:off x="7977116" y="4704601"/>
+            <a:ext cx="627796" cy="538666"/>
+          </a:xfrm>
+          <a:prstGeom prst="rect">
+            <a:avLst/>
+          </a:prstGeom>
+        </p:spPr>
+        <p:style>
+          <a:lnRef idx="2">
+            <a:schemeClr val="dk1"/>
+          </a:lnRef>
+          <a:fillRef idx="1">
+            <a:schemeClr val="lt1"/>
+          </a:fillRef>
+          <a:effectRef idx="0">
+            <a:schemeClr val="dk1"/>
+          </a:effectRef>
+          <a:fontRef idx="minor">
+            <a:schemeClr val="dk1"/>
+          </a:fontRef>
+        </p:style>
+        <p:txBody>
+          <a:bodyPr rtlCol="0" anchor="ctr"/>
+          <a:lstStyle/>
+          <a:p>
+            <a:pPr algn="ctr"/>
+            <a:r>
+              <a:rPr lang="en-US" altLang="zh-CN" dirty="0" smtClean="0"/>
+              <a:t>M7</a:t>
+            </a:r>
+            <a:endParaRPr lang="zh-CN" altLang="en-US" dirty="0"/>
+          </a:p>
+        </p:txBody>
+      </p:sp>
+      <p:sp>
+        <p:nvSpPr>
+          <p:cNvPr id="33" name="矩形 32"/>
+          <p:cNvSpPr/>
+          <p:nvPr/>
+        </p:nvSpPr>
+        <p:spPr>
+          <a:xfrm>
+            <a:off x="8714094" y="4704601"/>
+            <a:ext cx="627796" cy="538666"/>
+          </a:xfrm>
+          <a:prstGeom prst="rect">
+            <a:avLst/>
+          </a:prstGeom>
+        </p:spPr>
+        <p:style>
+          <a:lnRef idx="2">
+            <a:schemeClr val="dk1"/>
+          </a:lnRef>
+          <a:fillRef idx="1">
+            <a:schemeClr val="lt1"/>
+          </a:fillRef>
+          <a:effectRef idx="0">
+            <a:schemeClr val="dk1"/>
+          </a:effectRef>
+          <a:fontRef idx="minor">
+            <a:schemeClr val="dk1"/>
+          </a:fontRef>
+        </p:style>
+        <p:txBody>
+          <a:bodyPr rtlCol="0" anchor="ctr"/>
+          <a:lstStyle/>
+          <a:p>
+            <a:pPr algn="ctr"/>
+            <a:r>
+              <a:rPr lang="en-US" altLang="zh-CN" dirty="0" smtClean="0"/>
+              <a:t>M5</a:t>
+            </a:r>
+            <a:endParaRPr lang="zh-CN" altLang="en-US" dirty="0"/>
+          </a:p>
+        </p:txBody>
+      </p:sp>
+      <p:sp>
+        <p:nvSpPr>
+          <p:cNvPr id="34" name="矩形 33"/>
+          <p:cNvSpPr/>
+          <p:nvPr/>
+        </p:nvSpPr>
+        <p:spPr>
+          <a:xfrm>
+            <a:off x="9451072" y="4704601"/>
+            <a:ext cx="627796" cy="538666"/>
+          </a:xfrm>
+          <a:prstGeom prst="rect">
+            <a:avLst/>
+          </a:prstGeom>
+        </p:spPr>
+        <p:style>
+          <a:lnRef idx="2">
+            <a:schemeClr val="dk1"/>
+          </a:lnRef>
+          <a:fillRef idx="1">
+            <a:schemeClr val="lt1"/>
+          </a:fillRef>
+          <a:effectRef idx="0">
+            <a:schemeClr val="dk1"/>
+          </a:effectRef>
+          <a:fontRef idx="minor">
+            <a:schemeClr val="dk1"/>
+          </a:fontRef>
+        </p:style>
+        <p:txBody>
+          <a:bodyPr rtlCol="0" anchor="ctr"/>
+          <a:lstStyle/>
+          <a:p>
+            <a:pPr algn="ctr"/>
+            <a:r>
+              <a:rPr lang="en-US" altLang="zh-CN" dirty="0" smtClean="0"/>
+              <a:t>M3</a:t>
+            </a:r>
+            <a:endParaRPr lang="zh-CN" altLang="en-US" dirty="0"/>
+          </a:p>
+        </p:txBody>
+      </p:sp>
+      <p:sp>
+        <p:nvSpPr>
+          <p:cNvPr id="35" name="矩形 34"/>
+          <p:cNvSpPr/>
+          <p:nvPr/>
+        </p:nvSpPr>
+        <p:spPr>
+          <a:xfrm>
+            <a:off x="10188050" y="4704601"/>
+            <a:ext cx="627796" cy="520890"/>
+          </a:xfrm>
+          <a:prstGeom prst="rect">
+            <a:avLst/>
+          </a:prstGeom>
+        </p:spPr>
+        <p:style>
+          <a:lnRef idx="2">
+            <a:schemeClr val="dk1"/>
+          </a:lnRef>
+          <a:fillRef idx="1">
+            <a:schemeClr val="lt1"/>
+          </a:fillRef>
+          <a:effectRef idx="0">
+            <a:schemeClr val="dk1"/>
+          </a:effectRef>
+          <a:fontRef idx="minor">
+            <a:schemeClr val="dk1"/>
+          </a:fontRef>
+        </p:style>
+        <p:txBody>
+          <a:bodyPr rtlCol="0" anchor="ctr"/>
+          <a:lstStyle/>
+          <a:p>
+            <a:pPr algn="ctr"/>
+            <a:r>
+              <a:rPr lang="en-US" altLang="zh-CN" dirty="0" smtClean="0"/>
+              <a:t>M1</a:t>
+            </a:r>
+            <a:endParaRPr lang="zh-CN" altLang="en-US" dirty="0"/>
+          </a:p>
+        </p:txBody>
+      </p:sp>
+      <p:sp>
+        <p:nvSpPr>
+          <p:cNvPr id="36" name="矩形 35"/>
+          <p:cNvSpPr/>
+          <p:nvPr/>
+        </p:nvSpPr>
+        <p:spPr>
+          <a:xfrm>
+            <a:off x="7977119" y="5864239"/>
+            <a:ext cx="627796" cy="538666"/>
+          </a:xfrm>
+          <a:prstGeom prst="rect">
+            <a:avLst/>
+          </a:prstGeom>
+        </p:spPr>
+        <p:style>
+          <a:lnRef idx="2">
+            <a:schemeClr val="dk1"/>
+          </a:lnRef>
+          <a:fillRef idx="1">
+            <a:schemeClr val="lt1"/>
+          </a:fillRef>
+          <a:effectRef idx="0">
+            <a:schemeClr val="dk1"/>
+          </a:effectRef>
+          <a:fontRef idx="minor">
+            <a:schemeClr val="dk1"/>
+          </a:fontRef>
+        </p:style>
+        <p:txBody>
+          <a:bodyPr rtlCol="0" anchor="ctr"/>
+          <a:lstStyle/>
+          <a:p>
+            <a:pPr algn="ctr"/>
+            <a:r>
+              <a:rPr lang="en-US" altLang="zh-CN" dirty="0" smtClean="0"/>
+              <a:t>M8</a:t>
+            </a:r>
+            <a:endParaRPr lang="zh-CN" altLang="en-US" dirty="0"/>
+          </a:p>
+        </p:txBody>
+      </p:sp>
+      <p:sp>
+        <p:nvSpPr>
+          <p:cNvPr id="37" name="矩形 36"/>
+          <p:cNvSpPr/>
+          <p:nvPr/>
+        </p:nvSpPr>
+        <p:spPr>
+          <a:xfrm>
+            <a:off x="8714097" y="5864239"/>
+            <a:ext cx="627796" cy="538666"/>
+          </a:xfrm>
+          <a:prstGeom prst="rect">
+            <a:avLst/>
+          </a:prstGeom>
+        </p:spPr>
+        <p:style>
+          <a:lnRef idx="2">
+            <a:schemeClr val="dk1"/>
+          </a:lnRef>
+          <a:fillRef idx="1">
+            <a:schemeClr val="lt1"/>
+          </a:fillRef>
+          <a:effectRef idx="0">
+            <a:schemeClr val="dk1"/>
+          </a:effectRef>
+          <a:fontRef idx="minor">
+            <a:schemeClr val="dk1"/>
+          </a:fontRef>
+        </p:style>
+        <p:txBody>
+          <a:bodyPr rtlCol="0" anchor="ctr"/>
+          <a:lstStyle/>
+          <a:p>
+            <a:pPr algn="ctr"/>
+            <a:r>
+              <a:rPr lang="en-US" altLang="zh-CN" dirty="0" smtClean="0"/>
+              <a:t>M6</a:t>
+            </a:r>
+            <a:endParaRPr lang="zh-CN" altLang="en-US" dirty="0"/>
+          </a:p>
+        </p:txBody>
+      </p:sp>
+      <p:sp>
+        <p:nvSpPr>
+          <p:cNvPr id="38" name="矩形 37"/>
+          <p:cNvSpPr/>
+          <p:nvPr/>
+        </p:nvSpPr>
+        <p:spPr>
+          <a:xfrm>
+            <a:off x="9451075" y="5864239"/>
+            <a:ext cx="627796" cy="538666"/>
+          </a:xfrm>
+          <a:prstGeom prst="rect">
+            <a:avLst/>
+          </a:prstGeom>
+        </p:spPr>
+        <p:style>
+          <a:lnRef idx="2">
+            <a:schemeClr val="dk1"/>
+          </a:lnRef>
+          <a:fillRef idx="1">
+            <a:schemeClr val="lt1"/>
+          </a:fillRef>
+          <a:effectRef idx="0">
+            <a:schemeClr val="dk1"/>
+          </a:effectRef>
+          <a:fontRef idx="minor">
+            <a:schemeClr val="dk1"/>
+          </a:fontRef>
+        </p:style>
+        <p:txBody>
+          <a:bodyPr rtlCol="0" anchor="ctr"/>
+          <a:lstStyle/>
+          <a:p>
+            <a:pPr algn="ctr"/>
+            <a:r>
+              <a:rPr lang="en-US" altLang="zh-CN" dirty="0" smtClean="0"/>
+              <a:t>M4</a:t>
+            </a:r>
+            <a:endParaRPr lang="zh-CN" altLang="en-US" dirty="0"/>
+          </a:p>
+        </p:txBody>
+      </p:sp>
+      <p:sp>
+        <p:nvSpPr>
+          <p:cNvPr id="39" name="矩形 38"/>
+          <p:cNvSpPr/>
+          <p:nvPr/>
+        </p:nvSpPr>
+        <p:spPr>
+          <a:xfrm>
+            <a:off x="10188053" y="5864239"/>
+            <a:ext cx="627796" cy="520890"/>
+          </a:xfrm>
+          <a:prstGeom prst="rect">
+            <a:avLst/>
+          </a:prstGeom>
+        </p:spPr>
+        <p:style>
+          <a:lnRef idx="2">
+            <a:schemeClr val="dk1"/>
+          </a:lnRef>
+          <a:fillRef idx="1">
+            <a:schemeClr val="lt1"/>
+          </a:fillRef>
+          <a:effectRef idx="0">
+            <a:schemeClr val="dk1"/>
+          </a:effectRef>
+          <a:fontRef idx="minor">
+            <a:schemeClr val="dk1"/>
+          </a:fontRef>
+        </p:style>
+        <p:txBody>
+          <a:bodyPr rtlCol="0" anchor="ctr"/>
+          <a:lstStyle/>
+          <a:p>
+            <a:pPr algn="ctr"/>
+            <a:r>
+              <a:rPr lang="en-US" altLang="zh-CN" dirty="0" smtClean="0"/>
+              <a:t>M2</a:t>
+            </a:r>
+            <a:endParaRPr lang="zh-CN" altLang="en-US" dirty="0"/>
+          </a:p>
+        </p:txBody>
+      </p:sp>
+      <p:sp>
+        <p:nvSpPr>
+          <p:cNvPr id="40" name="文本框 39"/>
+          <p:cNvSpPr txBox="1"/>
+          <p:nvPr/>
+        </p:nvSpPr>
+        <p:spPr>
+          <a:xfrm>
+            <a:off x="7902054" y="5519422"/>
+            <a:ext cx="1009934" cy="369332"/>
+          </a:xfrm>
+          <a:prstGeom prst="rect">
+            <a:avLst/>
+          </a:prstGeom>
+          <a:noFill/>
+        </p:spPr>
+        <p:txBody>
+          <a:bodyPr wrap="square" rtlCol="0">
+            <a:spAutoFit/>
+          </a:bodyPr>
+          <a:lstStyle/>
+          <a:p>
+            <a:r>
+              <a:rPr lang="en-US" altLang="zh-CN" dirty="0" smtClean="0"/>
+              <a:t>B2</a:t>
+            </a:r>
+            <a:endParaRPr lang="zh-CN" altLang="en-US" dirty="0"/>
+          </a:p>
+        </p:txBody>
+      </p:sp>
+      <p:cxnSp>
+        <p:nvCxnSpPr>
+          <p:cNvPr id="42" name="直接箭头连接符 41"/>
+          <p:cNvCxnSpPr>
+            <a:endCxn id="12" idx="0"/>
+          </p:cNvCxnSpPr>
+          <p:nvPr/>
+        </p:nvCxnSpPr>
+        <p:spPr>
+          <a:xfrm>
+            <a:off x="2661314" y="1514901"/>
+            <a:ext cx="0" cy="2429302"/>
+          </a:xfrm>
+          <a:prstGeom prst="straightConnector1">
+            <a:avLst/>
+          </a:prstGeom>
+          <a:ln>
+            <a:tailEnd type="triangle"/>
+          </a:ln>
+        </p:spPr>
+        <p:style>
+          <a:lnRef idx="1">
+            <a:schemeClr val="dk1"/>
+          </a:lnRef>
+          <a:fillRef idx="0">
+            <a:schemeClr val="dk1"/>
+          </a:fillRef>
+          <a:effectRef idx="0">
+            <a:schemeClr val="dk1"/>
+          </a:effectRef>
+          <a:fontRef idx="minor">
+            <a:schemeClr val="tx1"/>
+          </a:fontRef>
+        </p:style>
+      </p:cxnSp>
+      <p:cxnSp>
+        <p:nvCxnSpPr>
+          <p:cNvPr id="49" name="直接箭头连接符 48"/>
+          <p:cNvCxnSpPr>
+            <a:endCxn id="27" idx="0"/>
+          </p:cNvCxnSpPr>
+          <p:nvPr/>
+        </p:nvCxnSpPr>
+        <p:spPr>
+          <a:xfrm>
+            <a:off x="9403308" y="1514901"/>
+            <a:ext cx="0" cy="2429302"/>
+          </a:xfrm>
+          <a:prstGeom prst="straightConnector1">
+            <a:avLst/>
+          </a:prstGeom>
+          <a:ln>
+            <a:tailEnd type="triangle"/>
+          </a:ln>
+        </p:spPr>
+        <p:style>
+          <a:lnRef idx="1">
+            <a:schemeClr val="dk1"/>
+          </a:lnRef>
+          <a:fillRef idx="0">
+            <a:schemeClr val="dk1"/>
+          </a:fillRef>
+          <a:effectRef idx="0">
+            <a:schemeClr val="dk1"/>
+          </a:effectRef>
+          <a:fontRef idx="minor">
+            <a:schemeClr val="tx1"/>
+          </a:fontRef>
+        </p:style>
+      </p:cxnSp>
+      <p:sp>
+        <p:nvSpPr>
+          <p:cNvPr id="54" name="矩形 53"/>
+          <p:cNvSpPr/>
+          <p:nvPr/>
+        </p:nvSpPr>
+        <p:spPr>
+          <a:xfrm>
+            <a:off x="2661314" y="1850106"/>
+            <a:ext cx="627796" cy="210445"/>
+          </a:xfrm>
+          <a:prstGeom prst="rect">
+            <a:avLst/>
+          </a:prstGeom>
+        </p:spPr>
+        <p:style>
+          <a:lnRef idx="2">
+            <a:schemeClr val="dk1"/>
+          </a:lnRef>
+          <a:fillRef idx="1">
+            <a:schemeClr val="lt1"/>
+          </a:fillRef>
+          <a:effectRef idx="0">
+            <a:schemeClr val="dk1"/>
+          </a:effectRef>
+          <a:fontRef idx="minor">
+            <a:schemeClr val="dk1"/>
+          </a:fontRef>
+        </p:style>
+        <p:txBody>
+          <a:bodyPr rtlCol="0" anchor="ctr"/>
+          <a:lstStyle/>
+          <a:p>
+            <a:pPr algn="ctr"/>
+            <a:r>
+              <a:rPr lang="en-US" altLang="zh-CN" dirty="0" smtClean="0"/>
+              <a:t>M8</a:t>
+            </a:r>
+            <a:endParaRPr lang="zh-CN" altLang="en-US" dirty="0"/>
+          </a:p>
+        </p:txBody>
+      </p:sp>
+      <p:sp>
+        <p:nvSpPr>
+          <p:cNvPr id="56" name="矩形 55"/>
+          <p:cNvSpPr/>
+          <p:nvPr/>
+        </p:nvSpPr>
+        <p:spPr>
+          <a:xfrm>
+            <a:off x="2661314" y="2063673"/>
+            <a:ext cx="627796" cy="210445"/>
+          </a:xfrm>
+          <a:prstGeom prst="rect">
+            <a:avLst/>
+          </a:prstGeom>
+        </p:spPr>
+        <p:style>
+          <a:lnRef idx="2">
+            <a:schemeClr val="dk1"/>
+          </a:lnRef>
+          <a:fillRef idx="1">
+            <a:schemeClr val="lt1"/>
+          </a:fillRef>
+          <a:effectRef idx="0">
+            <a:schemeClr val="dk1"/>
+          </a:effectRef>
+          <a:fontRef idx="minor">
+            <a:schemeClr val="dk1"/>
+          </a:fontRef>
+        </p:style>
+        <p:txBody>
+          <a:bodyPr rtlCol="0" anchor="ctr"/>
+          <a:lstStyle/>
+          <a:p>
+            <a:pPr algn="ctr"/>
+            <a:r>
+              <a:rPr lang="en-US" altLang="zh-CN" dirty="0" smtClean="0"/>
+              <a:t>M7</a:t>
+            </a:r>
+            <a:endParaRPr lang="zh-CN" altLang="en-US" dirty="0"/>
+          </a:p>
+        </p:txBody>
+      </p:sp>
+      <p:sp>
+        <p:nvSpPr>
+          <p:cNvPr id="57" name="矩形 56"/>
+          <p:cNvSpPr/>
+          <p:nvPr/>
+        </p:nvSpPr>
+        <p:spPr>
+          <a:xfrm>
+            <a:off x="2661314" y="2276429"/>
+            <a:ext cx="627796" cy="210445"/>
+          </a:xfrm>
+          <a:prstGeom prst="rect">
+            <a:avLst/>
+          </a:prstGeom>
+        </p:spPr>
+        <p:style>
+          <a:lnRef idx="2">
+            <a:schemeClr val="dk1"/>
+          </a:lnRef>
+          <a:fillRef idx="1">
+            <a:schemeClr val="lt1"/>
+          </a:fillRef>
+          <a:effectRef idx="0">
+            <a:schemeClr val="dk1"/>
+          </a:effectRef>
+          <a:fontRef idx="minor">
+            <a:schemeClr val="dk1"/>
+          </a:fontRef>
+        </p:style>
+        <p:txBody>
+          <a:bodyPr rtlCol="0" anchor="ctr"/>
+          <a:lstStyle/>
+          <a:p>
+            <a:pPr algn="ctr"/>
+            <a:r>
+              <a:rPr lang="en-US" altLang="zh-CN" dirty="0" smtClean="0"/>
+              <a:t>M6</a:t>
+            </a:r>
+            <a:endParaRPr lang="zh-CN" altLang="en-US" dirty="0"/>
+          </a:p>
+        </p:txBody>
+      </p:sp>
+      <p:sp>
+        <p:nvSpPr>
+          <p:cNvPr id="58" name="矩形 57"/>
+          <p:cNvSpPr/>
+          <p:nvPr/>
+        </p:nvSpPr>
+        <p:spPr>
+          <a:xfrm>
+            <a:off x="2661314" y="2489996"/>
+            <a:ext cx="627796" cy="210445"/>
+          </a:xfrm>
+          <a:prstGeom prst="rect">
+            <a:avLst/>
+          </a:prstGeom>
+        </p:spPr>
+        <p:style>
+          <a:lnRef idx="2">
+            <a:schemeClr val="dk1"/>
+          </a:lnRef>
+          <a:fillRef idx="1">
+            <a:schemeClr val="lt1"/>
+          </a:fillRef>
+          <a:effectRef idx="0">
+            <a:schemeClr val="dk1"/>
+          </a:effectRef>
+          <a:fontRef idx="minor">
+            <a:schemeClr val="dk1"/>
+          </a:fontRef>
+        </p:style>
+        <p:txBody>
+          <a:bodyPr rtlCol="0" anchor="ctr"/>
+          <a:lstStyle/>
+          <a:p>
+            <a:pPr algn="ctr"/>
+            <a:r>
+              <a:rPr lang="en-US" altLang="zh-CN" dirty="0" smtClean="0"/>
+              <a:t>M5</a:t>
+            </a:r>
+            <a:endParaRPr lang="zh-CN" altLang="en-US" dirty="0"/>
+          </a:p>
+        </p:txBody>
+      </p:sp>
+      <p:sp>
+        <p:nvSpPr>
+          <p:cNvPr id="59" name="矩形 58"/>
+          <p:cNvSpPr/>
+          <p:nvPr/>
+        </p:nvSpPr>
+        <p:spPr>
+          <a:xfrm>
+            <a:off x="2661314" y="2700441"/>
+            <a:ext cx="627796" cy="210445"/>
+          </a:xfrm>
+          <a:prstGeom prst="rect">
+            <a:avLst/>
+          </a:prstGeom>
+        </p:spPr>
+        <p:style>
+          <a:lnRef idx="2">
+            <a:schemeClr val="dk1"/>
+          </a:lnRef>
+          <a:fillRef idx="1">
+            <a:schemeClr val="lt1"/>
+          </a:fillRef>
+          <a:effectRef idx="0">
+            <a:schemeClr val="dk1"/>
+          </a:effectRef>
+          <a:fontRef idx="minor">
+            <a:schemeClr val="dk1"/>
+          </a:fontRef>
+        </p:style>
+        <p:txBody>
+          <a:bodyPr rtlCol="0" anchor="ctr"/>
+          <a:lstStyle/>
+          <a:p>
+            <a:pPr algn="ctr"/>
+            <a:r>
+              <a:rPr lang="en-US" altLang="zh-CN" dirty="0" smtClean="0"/>
+              <a:t>M4</a:t>
+            </a:r>
+            <a:endParaRPr lang="zh-CN" altLang="en-US" dirty="0"/>
+          </a:p>
+        </p:txBody>
+      </p:sp>
+      <p:sp>
+        <p:nvSpPr>
+          <p:cNvPr id="60" name="矩形 59"/>
+          <p:cNvSpPr/>
+          <p:nvPr/>
+        </p:nvSpPr>
+        <p:spPr>
+          <a:xfrm>
+            <a:off x="2661314" y="2898715"/>
+            <a:ext cx="627796" cy="210445"/>
+          </a:xfrm>
+          <a:prstGeom prst="rect">
+            <a:avLst/>
+          </a:prstGeom>
+        </p:spPr>
+        <p:style>
+          <a:lnRef idx="2">
+            <a:schemeClr val="dk1"/>
+          </a:lnRef>
+          <a:fillRef idx="1">
+            <a:schemeClr val="lt1"/>
+          </a:fillRef>
+          <a:effectRef idx="0">
+            <a:schemeClr val="dk1"/>
+          </a:effectRef>
+          <a:fontRef idx="minor">
+            <a:schemeClr val="dk1"/>
+          </a:fontRef>
+        </p:style>
+        <p:txBody>
+          <a:bodyPr rtlCol="0" anchor="ctr"/>
+          <a:lstStyle/>
+          <a:p>
+            <a:pPr algn="ctr"/>
+            <a:r>
+              <a:rPr lang="en-US" altLang="zh-CN" dirty="0" smtClean="0"/>
+              <a:t>M3</a:t>
+            </a:r>
+            <a:endParaRPr lang="zh-CN" altLang="en-US" dirty="0"/>
+          </a:p>
+        </p:txBody>
+      </p:sp>
+      <p:sp>
+        <p:nvSpPr>
+          <p:cNvPr id="61" name="矩形 60"/>
+          <p:cNvSpPr/>
+          <p:nvPr/>
+        </p:nvSpPr>
+        <p:spPr>
+          <a:xfrm>
+            <a:off x="2661314" y="3111471"/>
+            <a:ext cx="627796" cy="210445"/>
+          </a:xfrm>
+          <a:prstGeom prst="rect">
+            <a:avLst/>
+          </a:prstGeom>
+        </p:spPr>
+        <p:style>
+          <a:lnRef idx="2">
+            <a:schemeClr val="dk1"/>
+          </a:lnRef>
+          <a:fillRef idx="1">
+            <a:schemeClr val="lt1"/>
+          </a:fillRef>
+          <a:effectRef idx="0">
+            <a:schemeClr val="dk1"/>
+          </a:effectRef>
+          <a:fontRef idx="minor">
+            <a:schemeClr val="dk1"/>
+          </a:fontRef>
+        </p:style>
+        <p:txBody>
+          <a:bodyPr rtlCol="0" anchor="ctr"/>
+          <a:lstStyle/>
+          <a:p>
+            <a:pPr algn="ctr"/>
+            <a:r>
+              <a:rPr lang="en-US" altLang="zh-CN" dirty="0" smtClean="0"/>
+              <a:t>M2</a:t>
+            </a:r>
+            <a:endParaRPr lang="zh-CN" altLang="en-US" dirty="0"/>
+          </a:p>
+        </p:txBody>
+      </p:sp>
+      <p:sp>
+        <p:nvSpPr>
+          <p:cNvPr id="62" name="矩形 61"/>
+          <p:cNvSpPr/>
+          <p:nvPr/>
+        </p:nvSpPr>
+        <p:spPr>
+          <a:xfrm>
+            <a:off x="2661314" y="3321916"/>
+            <a:ext cx="627796" cy="210445"/>
+          </a:xfrm>
+          <a:prstGeom prst="rect">
+            <a:avLst/>
+          </a:prstGeom>
+        </p:spPr>
+        <p:style>
+          <a:lnRef idx="2">
+            <a:schemeClr val="dk1"/>
+          </a:lnRef>
+          <a:fillRef idx="1">
+            <a:schemeClr val="lt1"/>
+          </a:fillRef>
+          <a:effectRef idx="0">
+            <a:schemeClr val="dk1"/>
+          </a:effectRef>
+          <a:fontRef idx="minor">
+            <a:schemeClr val="dk1"/>
+          </a:fontRef>
+        </p:style>
+        <p:txBody>
+          <a:bodyPr rtlCol="0" anchor="ctr"/>
+          <a:lstStyle/>
+          <a:p>
+            <a:pPr algn="ctr"/>
+            <a:r>
+              <a:rPr lang="en-US" altLang="zh-CN" dirty="0" smtClean="0"/>
+              <a:t>M1</a:t>
+            </a:r>
+            <a:endParaRPr lang="zh-CN" altLang="en-US" dirty="0"/>
+          </a:p>
+        </p:txBody>
+      </p:sp>
+      <p:sp>
+        <p:nvSpPr>
+          <p:cNvPr id="63" name="矩形 62"/>
+          <p:cNvSpPr/>
+          <p:nvPr/>
+        </p:nvSpPr>
+        <p:spPr>
+          <a:xfrm>
+            <a:off x="9403308" y="1907768"/>
+            <a:ext cx="627796" cy="210445"/>
+          </a:xfrm>
+          <a:prstGeom prst="rect">
+            <a:avLst/>
+          </a:prstGeom>
+        </p:spPr>
+        <p:style>
+          <a:lnRef idx="2">
+            <a:schemeClr val="dk1"/>
+          </a:lnRef>
+          <a:fillRef idx="1">
+            <a:schemeClr val="lt1"/>
+          </a:fillRef>
+          <a:effectRef idx="0">
+            <a:schemeClr val="dk1"/>
+          </a:effectRef>
+          <a:fontRef idx="minor">
+            <a:schemeClr val="dk1"/>
+          </a:fontRef>
+        </p:style>
+        <p:txBody>
+          <a:bodyPr rtlCol="0" anchor="ctr"/>
+          <a:lstStyle/>
+          <a:p>
+            <a:pPr algn="ctr"/>
+            <a:r>
+              <a:rPr lang="en-US" altLang="zh-CN" dirty="0" smtClean="0"/>
+              <a:t>M8</a:t>
+            </a:r>
+            <a:endParaRPr lang="zh-CN" altLang="en-US" dirty="0"/>
+          </a:p>
+        </p:txBody>
+      </p:sp>
+      <p:sp>
+        <p:nvSpPr>
+          <p:cNvPr id="64" name="矩形 63"/>
+          <p:cNvSpPr/>
+          <p:nvPr/>
+        </p:nvSpPr>
+        <p:spPr>
+          <a:xfrm>
+            <a:off x="9403308" y="2121335"/>
+            <a:ext cx="627796" cy="210445"/>
+          </a:xfrm>
+          <a:prstGeom prst="rect">
+            <a:avLst/>
+          </a:prstGeom>
+        </p:spPr>
+        <p:style>
+          <a:lnRef idx="2">
+            <a:schemeClr val="dk1"/>
+          </a:lnRef>
+          <a:fillRef idx="1">
+            <a:schemeClr val="lt1"/>
+          </a:fillRef>
+          <a:effectRef idx="0">
+            <a:schemeClr val="dk1"/>
+          </a:effectRef>
+          <a:fontRef idx="minor">
+            <a:schemeClr val="dk1"/>
+          </a:fontRef>
+        </p:style>
+        <p:txBody>
+          <a:bodyPr rtlCol="0" anchor="ctr"/>
+          <a:lstStyle/>
+          <a:p>
+            <a:pPr algn="ctr"/>
+            <a:r>
+              <a:rPr lang="en-US" altLang="zh-CN" dirty="0" smtClean="0"/>
+              <a:t>M7</a:t>
+            </a:r>
+            <a:endParaRPr lang="zh-CN" altLang="en-US" dirty="0"/>
+          </a:p>
+        </p:txBody>
+      </p:sp>
+      <p:sp>
+        <p:nvSpPr>
+          <p:cNvPr id="65" name="矩形 64"/>
+          <p:cNvSpPr/>
+          <p:nvPr/>
+        </p:nvSpPr>
+        <p:spPr>
+          <a:xfrm>
+            <a:off x="9403308" y="2334091"/>
+            <a:ext cx="627796" cy="210445"/>
+          </a:xfrm>
+          <a:prstGeom prst="rect">
+            <a:avLst/>
+          </a:prstGeom>
+        </p:spPr>
+        <p:style>
+          <a:lnRef idx="2">
+            <a:schemeClr val="dk1"/>
+          </a:lnRef>
+          <a:fillRef idx="1">
+            <a:schemeClr val="lt1"/>
+          </a:fillRef>
+          <a:effectRef idx="0">
+            <a:schemeClr val="dk1"/>
+          </a:effectRef>
+          <a:fontRef idx="minor">
+            <a:schemeClr val="dk1"/>
+          </a:fontRef>
+        </p:style>
+        <p:txBody>
+          <a:bodyPr rtlCol="0" anchor="ctr"/>
+          <a:lstStyle/>
+          <a:p>
+            <a:pPr algn="ctr"/>
+            <a:r>
+              <a:rPr lang="en-US" altLang="zh-CN" dirty="0" smtClean="0"/>
+              <a:t>M6</a:t>
+            </a:r>
+            <a:endParaRPr lang="zh-CN" altLang="en-US" dirty="0"/>
+          </a:p>
+        </p:txBody>
+      </p:sp>
+      <p:sp>
+        <p:nvSpPr>
+          <p:cNvPr id="66" name="矩形 65"/>
+          <p:cNvSpPr/>
+          <p:nvPr/>
+        </p:nvSpPr>
+        <p:spPr>
+          <a:xfrm>
+            <a:off x="9403308" y="2535557"/>
+            <a:ext cx="627796" cy="210445"/>
+          </a:xfrm>
+          <a:prstGeom prst="rect">
+            <a:avLst/>
+          </a:prstGeom>
+        </p:spPr>
+        <p:style>
+          <a:lnRef idx="2">
+            <a:schemeClr val="dk1"/>
+          </a:lnRef>
+          <a:fillRef idx="1">
+            <a:schemeClr val="lt1"/>
+          </a:fillRef>
+          <a:effectRef idx="0">
+            <a:schemeClr val="dk1"/>
+          </a:effectRef>
+          <a:fontRef idx="minor">
+            <a:schemeClr val="dk1"/>
+          </a:fontRef>
+        </p:style>
+        <p:txBody>
+          <a:bodyPr rtlCol="0" anchor="ctr"/>
+          <a:lstStyle/>
+          <a:p>
+            <a:pPr algn="ctr"/>
+            <a:r>
+              <a:rPr lang="en-US" altLang="zh-CN" dirty="0" smtClean="0"/>
+              <a:t>M5</a:t>
+            </a:r>
+            <a:endParaRPr lang="zh-CN" altLang="en-US" dirty="0"/>
+          </a:p>
+        </p:txBody>
+      </p:sp>
+      <p:sp>
+        <p:nvSpPr>
+          <p:cNvPr id="67" name="矩形 66"/>
+          <p:cNvSpPr/>
+          <p:nvPr/>
+        </p:nvSpPr>
+        <p:spPr>
+          <a:xfrm>
+            <a:off x="9403307" y="2746002"/>
+            <a:ext cx="627796" cy="210445"/>
+          </a:xfrm>
+          <a:prstGeom prst="rect">
+            <a:avLst/>
+          </a:prstGeom>
+        </p:spPr>
+        <p:style>
+          <a:lnRef idx="2">
+            <a:schemeClr val="dk1"/>
+          </a:lnRef>
+          <a:fillRef idx="1">
+            <a:schemeClr val="lt1"/>
+          </a:fillRef>
+          <a:effectRef idx="0">
+            <a:schemeClr val="dk1"/>
+          </a:effectRef>
+          <a:fontRef idx="minor">
+            <a:schemeClr val="dk1"/>
+          </a:fontRef>
+        </p:style>
+        <p:txBody>
+          <a:bodyPr rtlCol="0" anchor="ctr"/>
+          <a:lstStyle/>
+          <a:p>
+            <a:pPr algn="ctr"/>
+            <a:r>
+              <a:rPr lang="en-US" altLang="zh-CN" dirty="0" smtClean="0"/>
+              <a:t>M4</a:t>
+            </a:r>
+            <a:endParaRPr lang="zh-CN" altLang="en-US" dirty="0"/>
+          </a:p>
+        </p:txBody>
+      </p:sp>
+      <p:sp>
+        <p:nvSpPr>
+          <p:cNvPr id="68" name="矩形 67"/>
+          <p:cNvSpPr/>
+          <p:nvPr/>
+        </p:nvSpPr>
+        <p:spPr>
+          <a:xfrm>
+            <a:off x="9403307" y="2959569"/>
+            <a:ext cx="627796" cy="210445"/>
+          </a:xfrm>
+          <a:prstGeom prst="rect">
+            <a:avLst/>
+          </a:prstGeom>
+        </p:spPr>
+        <p:style>
+          <a:lnRef idx="2">
+            <a:schemeClr val="dk1"/>
+          </a:lnRef>
+          <a:fillRef idx="1">
+            <a:schemeClr val="lt1"/>
+          </a:fillRef>
+          <a:effectRef idx="0">
+            <a:schemeClr val="dk1"/>
+          </a:effectRef>
+          <a:fontRef idx="minor">
+            <a:schemeClr val="dk1"/>
+          </a:fontRef>
+        </p:style>
+        <p:txBody>
+          <a:bodyPr rtlCol="0" anchor="ctr"/>
+          <a:lstStyle/>
+          <a:p>
+            <a:pPr algn="ctr"/>
+            <a:r>
+              <a:rPr lang="en-US" altLang="zh-CN" dirty="0" smtClean="0"/>
+              <a:t>M3</a:t>
+            </a:r>
+            <a:endParaRPr lang="zh-CN" altLang="en-US" dirty="0"/>
+          </a:p>
+        </p:txBody>
+      </p:sp>
+      <p:sp>
+        <p:nvSpPr>
+          <p:cNvPr id="69" name="矩形 68"/>
+          <p:cNvSpPr/>
+          <p:nvPr/>
+        </p:nvSpPr>
+        <p:spPr>
+          <a:xfrm>
+            <a:off x="9403307" y="3172325"/>
+            <a:ext cx="627796" cy="210445"/>
+          </a:xfrm>
+          <a:prstGeom prst="rect">
+            <a:avLst/>
+          </a:prstGeom>
+        </p:spPr>
+        <p:style>
+          <a:lnRef idx="2">
+            <a:schemeClr val="dk1"/>
+          </a:lnRef>
+          <a:fillRef idx="1">
+            <a:schemeClr val="lt1"/>
+          </a:fillRef>
+          <a:effectRef idx="0">
+            <a:schemeClr val="dk1"/>
+          </a:effectRef>
+          <a:fontRef idx="minor">
+            <a:schemeClr val="dk1"/>
+          </a:fontRef>
+        </p:style>
+        <p:txBody>
+          <a:bodyPr rtlCol="0" anchor="ctr"/>
+          <a:lstStyle/>
+          <a:p>
+            <a:pPr algn="ctr"/>
+            <a:r>
+              <a:rPr lang="en-US" altLang="zh-CN" dirty="0" smtClean="0"/>
+              <a:t>M2</a:t>
+            </a:r>
+            <a:endParaRPr lang="zh-CN" altLang="en-US" dirty="0"/>
+          </a:p>
+        </p:txBody>
+      </p:sp>
+      <p:sp>
+        <p:nvSpPr>
+          <p:cNvPr id="70" name="矩形 69"/>
+          <p:cNvSpPr/>
+          <p:nvPr/>
+        </p:nvSpPr>
+        <p:spPr>
+          <a:xfrm>
+            <a:off x="9403307" y="3372577"/>
+            <a:ext cx="627796" cy="210445"/>
+          </a:xfrm>
+          <a:prstGeom prst="rect">
+            <a:avLst/>
+          </a:prstGeom>
+        </p:spPr>
+        <p:style>
+          <a:lnRef idx="2">
+            <a:schemeClr val="dk1"/>
+          </a:lnRef>
+          <a:fillRef idx="1">
+            <a:schemeClr val="lt1"/>
+          </a:fillRef>
+          <a:effectRef idx="0">
+            <a:schemeClr val="dk1"/>
+          </a:effectRef>
+          <a:fontRef idx="minor">
+            <a:schemeClr val="dk1"/>
+          </a:fontRef>
+        </p:style>
+        <p:txBody>
+          <a:bodyPr rtlCol="0" anchor="ctr"/>
+          <a:lstStyle/>
+          <a:p>
+            <a:pPr algn="ctr"/>
+            <a:r>
+              <a:rPr lang="en-US" altLang="zh-CN" dirty="0" smtClean="0"/>
+              <a:t>M1</a:t>
+            </a:r>
+            <a:endParaRPr lang="zh-CN" altLang="en-US" dirty="0"/>
+          </a:p>
+        </p:txBody>
+      </p:sp>
+    </p:spTree>
+    <p:extLst>
+      <p:ext uri="{BB962C8B-B14F-4D97-AF65-F5344CB8AC3E}">
+        <p14:creationId xmlns:p14="http://schemas.microsoft.com/office/powerpoint/2010/main" val="4201119235"/>
+      </p:ext>
+    </p:extLst>
+  </p:cSld>
+  <p:clrMapOvr>
+    <a:masterClrMapping/>
+  </p:clrMapOvr>
+</p:sld>
+</file>
+
+<file path=ppt/slides/slide11.xml><?xml version="1.0" encoding="utf-8"?>
+<p:sld xmlns:a="http://schemas.openxmlformats.org/drawingml/2006/main" xmlns:r="http://schemas.openxmlformats.org/officeDocument/2006/relationships" xmlns:p="http://schemas.openxmlformats.org/presentationml/2006/main">
+  <p:cSld>
+    <p:spTree>
+      <p:nvGrpSpPr>
+        <p:cNvPr id="1" name=""/>
+        <p:cNvGrpSpPr/>
+        <p:nvPr/>
+      </p:nvGrpSpPr>
+      <p:grpSpPr>
+        <a:xfrm>
+          <a:off x="0" y="0"/>
+          <a:ext cx="0" cy="0"/>
+          <a:chOff x="0" y="0"/>
+          <a:chExt cx="0" cy="0"/>
+        </a:xfrm>
+      </p:grpSpPr>
+      <p:sp>
+        <p:nvSpPr>
+          <p:cNvPr id="2" name="矩形 1"/>
+          <p:cNvSpPr/>
+          <p:nvPr/>
+        </p:nvSpPr>
+        <p:spPr>
+          <a:xfrm>
+            <a:off x="1050878" y="300251"/>
+            <a:ext cx="9962865" cy="1214650"/>
+          </a:xfrm>
+          <a:prstGeom prst="rect">
+            <a:avLst/>
+          </a:prstGeom>
+        </p:spPr>
+        <p:style>
+          <a:lnRef idx="2">
+            <a:schemeClr val="dk1"/>
+          </a:lnRef>
+          <a:fillRef idx="1">
+            <a:schemeClr val="lt1"/>
+          </a:fillRef>
+          <a:effectRef idx="0">
+            <a:schemeClr val="dk1"/>
+          </a:effectRef>
+          <a:fontRef idx="minor">
+            <a:schemeClr val="dk1"/>
+          </a:fontRef>
+        </p:style>
+        <p:txBody>
+          <a:bodyPr rtlCol="0" anchor="ctr"/>
+          <a:lstStyle/>
+          <a:p>
+            <a:pPr algn="ctr"/>
+            <a:endParaRPr lang="zh-CN" altLang="en-US"/>
+          </a:p>
+        </p:txBody>
+      </p:sp>
+      <p:sp>
+        <p:nvSpPr>
+          <p:cNvPr id="3" name="文本框 2"/>
+          <p:cNvSpPr txBox="1"/>
+          <p:nvPr/>
+        </p:nvSpPr>
+        <p:spPr>
+          <a:xfrm>
+            <a:off x="1160060" y="436728"/>
+            <a:ext cx="1528550" cy="369332"/>
+          </a:xfrm>
+          <a:prstGeom prst="rect">
+            <a:avLst/>
+          </a:prstGeom>
+          <a:noFill/>
+        </p:spPr>
+        <p:txBody>
+          <a:bodyPr wrap="square" rtlCol="0">
+            <a:spAutoFit/>
+          </a:bodyPr>
+          <a:lstStyle/>
+          <a:p>
+            <a:r>
+              <a:rPr lang="en-US" altLang="zh-CN" dirty="0" smtClean="0"/>
+              <a:t>JMS Topic</a:t>
+            </a:r>
+            <a:endParaRPr lang="zh-CN" altLang="en-US" dirty="0"/>
+          </a:p>
+        </p:txBody>
+      </p:sp>
+      <p:sp>
+        <p:nvSpPr>
+          <p:cNvPr id="4" name="矩形 3"/>
+          <p:cNvSpPr/>
+          <p:nvPr/>
+        </p:nvSpPr>
+        <p:spPr>
+          <a:xfrm>
+            <a:off x="2688610" y="635884"/>
+            <a:ext cx="627796" cy="538666"/>
+          </a:xfrm>
+          <a:prstGeom prst="rect">
+            <a:avLst/>
+          </a:prstGeom>
+        </p:spPr>
+        <p:style>
+          <a:lnRef idx="2">
+            <a:schemeClr val="dk1"/>
+          </a:lnRef>
+          <a:fillRef idx="1">
+            <a:schemeClr val="lt1"/>
+          </a:fillRef>
+          <a:effectRef idx="0">
+            <a:schemeClr val="dk1"/>
+          </a:effectRef>
+          <a:fontRef idx="minor">
+            <a:schemeClr val="dk1"/>
+          </a:fontRef>
+        </p:style>
+        <p:txBody>
+          <a:bodyPr rtlCol="0" anchor="ctr"/>
+          <a:lstStyle/>
+          <a:p>
+            <a:pPr algn="ctr"/>
+            <a:r>
+              <a:rPr lang="en-US" altLang="zh-CN" dirty="0" smtClean="0"/>
+              <a:t>M8</a:t>
+            </a:r>
+            <a:endParaRPr lang="zh-CN" altLang="en-US" dirty="0"/>
+          </a:p>
+        </p:txBody>
+      </p:sp>
+      <p:sp>
+        <p:nvSpPr>
+          <p:cNvPr id="5" name="矩形 4"/>
+          <p:cNvSpPr/>
+          <p:nvPr/>
+        </p:nvSpPr>
+        <p:spPr>
+          <a:xfrm>
+            <a:off x="3616660" y="635884"/>
+            <a:ext cx="627796" cy="538666"/>
+          </a:xfrm>
+          <a:prstGeom prst="rect">
+            <a:avLst/>
+          </a:prstGeom>
+        </p:spPr>
+        <p:style>
+          <a:lnRef idx="2">
+            <a:schemeClr val="dk1"/>
+          </a:lnRef>
+          <a:fillRef idx="1">
+            <a:schemeClr val="lt1"/>
+          </a:fillRef>
+          <a:effectRef idx="0">
+            <a:schemeClr val="dk1"/>
+          </a:effectRef>
+          <a:fontRef idx="minor">
+            <a:schemeClr val="dk1"/>
+          </a:fontRef>
+        </p:style>
+        <p:txBody>
+          <a:bodyPr rtlCol="0" anchor="ctr"/>
+          <a:lstStyle/>
+          <a:p>
+            <a:pPr algn="ctr"/>
+            <a:r>
+              <a:rPr lang="en-US" altLang="zh-CN" dirty="0" smtClean="0"/>
+              <a:t>M7</a:t>
+            </a:r>
+            <a:endParaRPr lang="zh-CN" altLang="en-US" dirty="0"/>
+          </a:p>
+        </p:txBody>
+      </p:sp>
+      <p:sp>
+        <p:nvSpPr>
+          <p:cNvPr id="6" name="矩形 5"/>
+          <p:cNvSpPr/>
+          <p:nvPr/>
+        </p:nvSpPr>
+        <p:spPr>
+          <a:xfrm>
+            <a:off x="4544710" y="636726"/>
+            <a:ext cx="627796" cy="538666"/>
+          </a:xfrm>
+          <a:prstGeom prst="rect">
+            <a:avLst/>
+          </a:prstGeom>
+        </p:spPr>
+        <p:style>
+          <a:lnRef idx="2">
+            <a:schemeClr val="dk1"/>
+          </a:lnRef>
+          <a:fillRef idx="1">
+            <a:schemeClr val="lt1"/>
+          </a:fillRef>
+          <a:effectRef idx="0">
+            <a:schemeClr val="dk1"/>
+          </a:effectRef>
+          <a:fontRef idx="minor">
+            <a:schemeClr val="dk1"/>
+          </a:fontRef>
+        </p:style>
+        <p:txBody>
+          <a:bodyPr rtlCol="0" anchor="ctr"/>
+          <a:lstStyle/>
+          <a:p>
+            <a:pPr algn="ctr"/>
+            <a:r>
+              <a:rPr lang="en-US" altLang="zh-CN" dirty="0" smtClean="0"/>
+              <a:t>M6</a:t>
+            </a:r>
+            <a:endParaRPr lang="zh-CN" altLang="en-US" dirty="0"/>
+          </a:p>
+        </p:txBody>
+      </p:sp>
+      <p:sp>
+        <p:nvSpPr>
+          <p:cNvPr id="7" name="矩形 6"/>
+          <p:cNvSpPr/>
+          <p:nvPr/>
+        </p:nvSpPr>
+        <p:spPr>
+          <a:xfrm>
+            <a:off x="5472760" y="653660"/>
+            <a:ext cx="627796" cy="520890"/>
+          </a:xfrm>
+          <a:prstGeom prst="rect">
+            <a:avLst/>
+          </a:prstGeom>
+        </p:spPr>
+        <p:style>
+          <a:lnRef idx="2">
+            <a:schemeClr val="dk1"/>
+          </a:lnRef>
+          <a:fillRef idx="1">
+            <a:schemeClr val="lt1"/>
+          </a:fillRef>
+          <a:effectRef idx="0">
+            <a:schemeClr val="dk1"/>
+          </a:effectRef>
+          <a:fontRef idx="minor">
+            <a:schemeClr val="dk1"/>
+          </a:fontRef>
+        </p:style>
+        <p:txBody>
+          <a:bodyPr rtlCol="0" anchor="ctr"/>
+          <a:lstStyle/>
+          <a:p>
+            <a:pPr algn="ctr"/>
+            <a:r>
+              <a:rPr lang="en-US" altLang="zh-CN" dirty="0" smtClean="0"/>
+              <a:t>M5</a:t>
+            </a:r>
+            <a:endParaRPr lang="zh-CN" altLang="en-US" dirty="0"/>
+          </a:p>
+        </p:txBody>
+      </p:sp>
+      <p:sp>
+        <p:nvSpPr>
+          <p:cNvPr id="8" name="矩形 7"/>
+          <p:cNvSpPr/>
+          <p:nvPr/>
+        </p:nvSpPr>
+        <p:spPr>
+          <a:xfrm>
+            <a:off x="6400810" y="644772"/>
+            <a:ext cx="627796" cy="538666"/>
+          </a:xfrm>
+          <a:prstGeom prst="rect">
+            <a:avLst/>
+          </a:prstGeom>
+        </p:spPr>
+        <p:style>
+          <a:lnRef idx="2">
+            <a:schemeClr val="dk1"/>
+          </a:lnRef>
+          <a:fillRef idx="1">
+            <a:schemeClr val="lt1"/>
+          </a:fillRef>
+          <a:effectRef idx="0">
+            <a:schemeClr val="dk1"/>
+          </a:effectRef>
+          <a:fontRef idx="minor">
+            <a:schemeClr val="dk1"/>
+          </a:fontRef>
+        </p:style>
+        <p:txBody>
+          <a:bodyPr rtlCol="0" anchor="ctr"/>
+          <a:lstStyle/>
+          <a:p>
+            <a:pPr algn="ctr"/>
+            <a:r>
+              <a:rPr lang="en-US" altLang="zh-CN" dirty="0" smtClean="0"/>
+              <a:t>M4</a:t>
+            </a:r>
+            <a:endParaRPr lang="zh-CN" altLang="en-US" dirty="0"/>
+          </a:p>
+        </p:txBody>
+      </p:sp>
+      <p:sp>
+        <p:nvSpPr>
+          <p:cNvPr id="9" name="矩形 8"/>
+          <p:cNvSpPr/>
+          <p:nvPr/>
+        </p:nvSpPr>
+        <p:spPr>
+          <a:xfrm>
+            <a:off x="7328867" y="635884"/>
+            <a:ext cx="627796" cy="538666"/>
+          </a:xfrm>
+          <a:prstGeom prst="rect">
+            <a:avLst/>
+          </a:prstGeom>
+        </p:spPr>
+        <p:style>
+          <a:lnRef idx="2">
+            <a:schemeClr val="dk1"/>
+          </a:lnRef>
+          <a:fillRef idx="1">
+            <a:schemeClr val="lt1"/>
+          </a:fillRef>
+          <a:effectRef idx="0">
+            <a:schemeClr val="dk1"/>
+          </a:effectRef>
+          <a:fontRef idx="minor">
+            <a:schemeClr val="dk1"/>
+          </a:fontRef>
+        </p:style>
+        <p:txBody>
+          <a:bodyPr rtlCol="0" anchor="ctr"/>
+          <a:lstStyle/>
+          <a:p>
+            <a:pPr algn="ctr"/>
+            <a:r>
+              <a:rPr lang="en-US" altLang="zh-CN" dirty="0" smtClean="0"/>
+              <a:t>M3</a:t>
+            </a:r>
+            <a:endParaRPr lang="zh-CN" altLang="en-US" dirty="0"/>
+          </a:p>
+        </p:txBody>
+      </p:sp>
+      <p:sp>
+        <p:nvSpPr>
+          <p:cNvPr id="10" name="矩形 9"/>
+          <p:cNvSpPr/>
+          <p:nvPr/>
+        </p:nvSpPr>
+        <p:spPr>
+          <a:xfrm>
+            <a:off x="8256910" y="653660"/>
+            <a:ext cx="627796" cy="538666"/>
+          </a:xfrm>
+          <a:prstGeom prst="rect">
+            <a:avLst/>
+          </a:prstGeom>
+        </p:spPr>
+        <p:style>
+          <a:lnRef idx="2">
+            <a:schemeClr val="dk1"/>
+          </a:lnRef>
+          <a:fillRef idx="1">
+            <a:schemeClr val="lt1"/>
+          </a:fillRef>
+          <a:effectRef idx="0">
+            <a:schemeClr val="dk1"/>
+          </a:effectRef>
+          <a:fontRef idx="minor">
+            <a:schemeClr val="dk1"/>
+          </a:fontRef>
+        </p:style>
+        <p:txBody>
+          <a:bodyPr rtlCol="0" anchor="ctr"/>
+          <a:lstStyle/>
+          <a:p>
+            <a:pPr algn="ctr"/>
+            <a:r>
+              <a:rPr lang="en-US" altLang="zh-CN" dirty="0" smtClean="0"/>
+              <a:t>M2</a:t>
+            </a:r>
+            <a:endParaRPr lang="zh-CN" altLang="en-US" dirty="0"/>
+          </a:p>
+        </p:txBody>
+      </p:sp>
+      <p:sp>
+        <p:nvSpPr>
+          <p:cNvPr id="11" name="矩形 10"/>
+          <p:cNvSpPr/>
+          <p:nvPr/>
+        </p:nvSpPr>
+        <p:spPr>
+          <a:xfrm>
+            <a:off x="9184954" y="635884"/>
+            <a:ext cx="627796" cy="538666"/>
+          </a:xfrm>
+          <a:prstGeom prst="rect">
+            <a:avLst/>
+          </a:prstGeom>
+        </p:spPr>
+        <p:style>
+          <a:lnRef idx="2">
+            <a:schemeClr val="dk1"/>
+          </a:lnRef>
+          <a:fillRef idx="1">
+            <a:schemeClr val="lt1"/>
+          </a:fillRef>
+          <a:effectRef idx="0">
+            <a:schemeClr val="dk1"/>
+          </a:effectRef>
+          <a:fontRef idx="minor">
+            <a:schemeClr val="dk1"/>
+          </a:fontRef>
+        </p:style>
+        <p:txBody>
+          <a:bodyPr rtlCol="0" anchor="ctr"/>
+          <a:lstStyle/>
+          <a:p>
+            <a:pPr algn="ctr"/>
+            <a:r>
+              <a:rPr lang="en-US" altLang="zh-CN" dirty="0" smtClean="0"/>
+              <a:t>M1</a:t>
+            </a:r>
+            <a:endParaRPr lang="zh-CN" altLang="en-US" dirty="0"/>
+          </a:p>
+        </p:txBody>
+      </p:sp>
+      <p:sp>
+        <p:nvSpPr>
+          <p:cNvPr id="12" name="矩形 11"/>
+          <p:cNvSpPr/>
+          <p:nvPr/>
+        </p:nvSpPr>
+        <p:spPr>
+          <a:xfrm>
+            <a:off x="1023585" y="1927662"/>
+            <a:ext cx="3220871" cy="1811825"/>
+          </a:xfrm>
+          <a:prstGeom prst="rect">
+            <a:avLst/>
+          </a:prstGeom>
+        </p:spPr>
+        <p:style>
+          <a:lnRef idx="2">
+            <a:schemeClr val="dk1"/>
+          </a:lnRef>
+          <a:fillRef idx="1">
+            <a:schemeClr val="lt1"/>
+          </a:fillRef>
+          <a:effectRef idx="0">
+            <a:schemeClr val="dk1"/>
+          </a:effectRef>
+          <a:fontRef idx="minor">
+            <a:schemeClr val="dk1"/>
+          </a:fontRef>
+        </p:style>
+        <p:txBody>
+          <a:bodyPr rtlCol="0" anchor="ctr"/>
+          <a:lstStyle/>
+          <a:p>
+            <a:pPr algn="ctr"/>
+            <a:endParaRPr lang="zh-CN" altLang="en-US"/>
+          </a:p>
+        </p:txBody>
+      </p:sp>
+      <p:sp>
+        <p:nvSpPr>
+          <p:cNvPr id="13" name="文本框 12"/>
+          <p:cNvSpPr txBox="1"/>
+          <p:nvPr/>
+        </p:nvSpPr>
+        <p:spPr>
+          <a:xfrm>
+            <a:off x="1132766" y="1979999"/>
+            <a:ext cx="1555843" cy="369332"/>
+          </a:xfrm>
+          <a:prstGeom prst="rect">
+            <a:avLst/>
+          </a:prstGeom>
+          <a:noFill/>
+        </p:spPr>
+        <p:txBody>
+          <a:bodyPr wrap="square" rtlCol="0">
+            <a:spAutoFit/>
+          </a:bodyPr>
+          <a:lstStyle/>
+          <a:p>
+            <a:r>
+              <a:rPr lang="en-US" altLang="zh-CN" dirty="0" smtClean="0"/>
+              <a:t>JMS QueueA</a:t>
+            </a:r>
+            <a:endParaRPr lang="zh-CN" altLang="en-US" dirty="0"/>
+          </a:p>
+        </p:txBody>
+      </p:sp>
+      <p:sp>
+        <p:nvSpPr>
+          <p:cNvPr id="17" name="矩形 16"/>
+          <p:cNvSpPr/>
+          <p:nvPr/>
+        </p:nvSpPr>
+        <p:spPr>
+          <a:xfrm>
+            <a:off x="1201007" y="2340423"/>
+            <a:ext cx="627796" cy="538666"/>
+          </a:xfrm>
+          <a:prstGeom prst="rect">
+            <a:avLst/>
+          </a:prstGeom>
+        </p:spPr>
+        <p:style>
+          <a:lnRef idx="2">
+            <a:schemeClr val="dk1"/>
+          </a:lnRef>
+          <a:fillRef idx="1">
+            <a:schemeClr val="lt1"/>
+          </a:fillRef>
+          <a:effectRef idx="0">
+            <a:schemeClr val="dk1"/>
+          </a:effectRef>
+          <a:fontRef idx="minor">
+            <a:schemeClr val="dk1"/>
+          </a:fontRef>
+        </p:style>
+        <p:txBody>
+          <a:bodyPr rtlCol="0" anchor="ctr"/>
+          <a:lstStyle/>
+          <a:p>
+            <a:pPr algn="ctr"/>
+            <a:r>
+              <a:rPr lang="en-US" altLang="zh-CN" dirty="0" smtClean="0"/>
+              <a:t>M7</a:t>
+            </a:r>
+            <a:endParaRPr lang="zh-CN" altLang="en-US" dirty="0"/>
+          </a:p>
+        </p:txBody>
+      </p:sp>
+      <p:sp>
+        <p:nvSpPr>
+          <p:cNvPr id="18" name="矩形 17"/>
+          <p:cNvSpPr/>
+          <p:nvPr/>
+        </p:nvSpPr>
+        <p:spPr>
+          <a:xfrm>
+            <a:off x="1937985" y="2340423"/>
+            <a:ext cx="627796" cy="538666"/>
+          </a:xfrm>
+          <a:prstGeom prst="rect">
+            <a:avLst/>
+          </a:prstGeom>
+        </p:spPr>
+        <p:style>
+          <a:lnRef idx="2">
+            <a:schemeClr val="dk1"/>
+          </a:lnRef>
+          <a:fillRef idx="1">
+            <a:schemeClr val="lt1"/>
+          </a:fillRef>
+          <a:effectRef idx="0">
+            <a:schemeClr val="dk1"/>
+          </a:effectRef>
+          <a:fontRef idx="minor">
+            <a:schemeClr val="dk1"/>
+          </a:fontRef>
+        </p:style>
+        <p:txBody>
+          <a:bodyPr rtlCol="0" anchor="ctr"/>
+          <a:lstStyle/>
+          <a:p>
+            <a:pPr algn="ctr"/>
+            <a:r>
+              <a:rPr lang="en-US" altLang="zh-CN" dirty="0" smtClean="0"/>
+              <a:t>M5</a:t>
+            </a:r>
+            <a:endParaRPr lang="zh-CN" altLang="en-US" dirty="0"/>
+          </a:p>
+        </p:txBody>
+      </p:sp>
+      <p:sp>
+        <p:nvSpPr>
+          <p:cNvPr id="19" name="矩形 18"/>
+          <p:cNvSpPr/>
+          <p:nvPr/>
+        </p:nvSpPr>
+        <p:spPr>
+          <a:xfrm>
+            <a:off x="2674963" y="2340423"/>
+            <a:ext cx="627796" cy="538666"/>
+          </a:xfrm>
+          <a:prstGeom prst="rect">
+            <a:avLst/>
+          </a:prstGeom>
+        </p:spPr>
+        <p:style>
+          <a:lnRef idx="2">
+            <a:schemeClr val="dk1"/>
+          </a:lnRef>
+          <a:fillRef idx="1">
+            <a:schemeClr val="lt1"/>
+          </a:fillRef>
+          <a:effectRef idx="0">
+            <a:schemeClr val="dk1"/>
+          </a:effectRef>
+          <a:fontRef idx="minor">
+            <a:schemeClr val="dk1"/>
+          </a:fontRef>
+        </p:style>
+        <p:txBody>
+          <a:bodyPr rtlCol="0" anchor="ctr"/>
+          <a:lstStyle/>
+          <a:p>
+            <a:pPr algn="ctr"/>
+            <a:r>
+              <a:rPr lang="en-US" altLang="zh-CN" dirty="0" smtClean="0"/>
+              <a:t>M3</a:t>
+            </a:r>
+            <a:endParaRPr lang="zh-CN" altLang="en-US" dirty="0"/>
+          </a:p>
+        </p:txBody>
+      </p:sp>
+      <p:sp>
+        <p:nvSpPr>
+          <p:cNvPr id="20" name="矩形 19"/>
+          <p:cNvSpPr/>
+          <p:nvPr/>
+        </p:nvSpPr>
+        <p:spPr>
+          <a:xfrm>
+            <a:off x="3411941" y="2340423"/>
+            <a:ext cx="627796" cy="520890"/>
+          </a:xfrm>
+          <a:prstGeom prst="rect">
+            <a:avLst/>
+          </a:prstGeom>
+        </p:spPr>
+        <p:style>
+          <a:lnRef idx="2">
+            <a:schemeClr val="dk1"/>
+          </a:lnRef>
+          <a:fillRef idx="1">
+            <a:schemeClr val="lt1"/>
+          </a:fillRef>
+          <a:effectRef idx="0">
+            <a:schemeClr val="dk1"/>
+          </a:effectRef>
+          <a:fontRef idx="minor">
+            <a:schemeClr val="dk1"/>
+          </a:fontRef>
+        </p:style>
+        <p:txBody>
+          <a:bodyPr rtlCol="0" anchor="ctr"/>
+          <a:lstStyle/>
+          <a:p>
+            <a:pPr algn="ctr"/>
+            <a:r>
+              <a:rPr lang="en-US" altLang="zh-CN" dirty="0" smtClean="0"/>
+              <a:t>M1</a:t>
+            </a:r>
+            <a:endParaRPr lang="zh-CN" altLang="en-US" dirty="0"/>
+          </a:p>
+        </p:txBody>
+      </p:sp>
+      <p:sp>
+        <p:nvSpPr>
+          <p:cNvPr id="21" name="矩形 20"/>
+          <p:cNvSpPr/>
+          <p:nvPr/>
+        </p:nvSpPr>
+        <p:spPr>
+          <a:xfrm>
+            <a:off x="1201007" y="3022517"/>
+            <a:ext cx="627796" cy="538666"/>
+          </a:xfrm>
+          <a:prstGeom prst="rect">
+            <a:avLst/>
+          </a:prstGeom>
+        </p:spPr>
+        <p:style>
+          <a:lnRef idx="2">
+            <a:schemeClr val="dk1"/>
+          </a:lnRef>
+          <a:fillRef idx="1">
+            <a:schemeClr val="lt1"/>
+          </a:fillRef>
+          <a:effectRef idx="0">
+            <a:schemeClr val="dk1"/>
+          </a:effectRef>
+          <a:fontRef idx="minor">
+            <a:schemeClr val="dk1"/>
+          </a:fontRef>
+        </p:style>
+        <p:txBody>
+          <a:bodyPr rtlCol="0" anchor="ctr"/>
+          <a:lstStyle/>
+          <a:p>
+            <a:pPr algn="ctr"/>
+            <a:r>
+              <a:rPr lang="en-US" altLang="zh-CN" dirty="0" smtClean="0"/>
+              <a:t>M8</a:t>
+            </a:r>
+            <a:endParaRPr lang="zh-CN" altLang="en-US" dirty="0"/>
+          </a:p>
+        </p:txBody>
+      </p:sp>
+      <p:sp>
+        <p:nvSpPr>
+          <p:cNvPr id="22" name="矩形 21"/>
+          <p:cNvSpPr/>
+          <p:nvPr/>
+        </p:nvSpPr>
+        <p:spPr>
+          <a:xfrm>
+            <a:off x="1937985" y="3022517"/>
+            <a:ext cx="627796" cy="538666"/>
+          </a:xfrm>
+          <a:prstGeom prst="rect">
+            <a:avLst/>
+          </a:prstGeom>
+        </p:spPr>
+        <p:style>
+          <a:lnRef idx="2">
+            <a:schemeClr val="dk1"/>
+          </a:lnRef>
+          <a:fillRef idx="1">
+            <a:schemeClr val="lt1"/>
+          </a:fillRef>
+          <a:effectRef idx="0">
+            <a:schemeClr val="dk1"/>
+          </a:effectRef>
+          <a:fontRef idx="minor">
+            <a:schemeClr val="dk1"/>
+          </a:fontRef>
+        </p:style>
+        <p:txBody>
+          <a:bodyPr rtlCol="0" anchor="ctr"/>
+          <a:lstStyle/>
+          <a:p>
+            <a:pPr algn="ctr"/>
+            <a:r>
+              <a:rPr lang="en-US" altLang="zh-CN" dirty="0" smtClean="0"/>
+              <a:t>M6</a:t>
+            </a:r>
+            <a:endParaRPr lang="zh-CN" altLang="en-US" dirty="0"/>
+          </a:p>
+        </p:txBody>
+      </p:sp>
+      <p:sp>
+        <p:nvSpPr>
+          <p:cNvPr id="23" name="矩形 22"/>
+          <p:cNvSpPr/>
+          <p:nvPr/>
+        </p:nvSpPr>
+        <p:spPr>
+          <a:xfrm>
+            <a:off x="2674963" y="3022517"/>
+            <a:ext cx="627796" cy="538666"/>
+          </a:xfrm>
+          <a:prstGeom prst="rect">
+            <a:avLst/>
+          </a:prstGeom>
+        </p:spPr>
+        <p:style>
+          <a:lnRef idx="2">
+            <a:schemeClr val="dk1"/>
+          </a:lnRef>
+          <a:fillRef idx="1">
+            <a:schemeClr val="lt1"/>
+          </a:fillRef>
+          <a:effectRef idx="0">
+            <a:schemeClr val="dk1"/>
+          </a:effectRef>
+          <a:fontRef idx="minor">
+            <a:schemeClr val="dk1"/>
+          </a:fontRef>
+        </p:style>
+        <p:txBody>
+          <a:bodyPr rtlCol="0" anchor="ctr"/>
+          <a:lstStyle/>
+          <a:p>
+            <a:pPr algn="ctr"/>
+            <a:r>
+              <a:rPr lang="en-US" altLang="zh-CN" dirty="0" smtClean="0"/>
+              <a:t>M4</a:t>
+            </a:r>
+            <a:endParaRPr lang="zh-CN" altLang="en-US" dirty="0"/>
+          </a:p>
+        </p:txBody>
+      </p:sp>
+      <p:sp>
+        <p:nvSpPr>
+          <p:cNvPr id="24" name="矩形 23"/>
+          <p:cNvSpPr/>
+          <p:nvPr/>
+        </p:nvSpPr>
+        <p:spPr>
+          <a:xfrm>
+            <a:off x="3411941" y="3022517"/>
+            <a:ext cx="627796" cy="520890"/>
+          </a:xfrm>
+          <a:prstGeom prst="rect">
+            <a:avLst/>
+          </a:prstGeom>
+        </p:spPr>
+        <p:style>
+          <a:lnRef idx="2">
+            <a:schemeClr val="dk1"/>
+          </a:lnRef>
+          <a:fillRef idx="1">
+            <a:schemeClr val="lt1"/>
+          </a:fillRef>
+          <a:effectRef idx="0">
+            <a:schemeClr val="dk1"/>
+          </a:effectRef>
+          <a:fontRef idx="minor">
+            <a:schemeClr val="dk1"/>
+          </a:fontRef>
+        </p:style>
+        <p:txBody>
+          <a:bodyPr rtlCol="0" anchor="ctr"/>
+          <a:lstStyle/>
+          <a:p>
+            <a:pPr algn="ctr"/>
+            <a:r>
+              <a:rPr lang="en-US" altLang="zh-CN" dirty="0" smtClean="0"/>
+              <a:t>M2</a:t>
+            </a:r>
+            <a:endParaRPr lang="zh-CN" altLang="en-US" dirty="0"/>
+          </a:p>
+        </p:txBody>
+      </p:sp>
+      <p:cxnSp>
+        <p:nvCxnSpPr>
+          <p:cNvPr id="40" name="直接箭头连接符 39"/>
+          <p:cNvCxnSpPr>
+            <a:endCxn id="12" idx="0"/>
+          </p:cNvCxnSpPr>
+          <p:nvPr/>
+        </p:nvCxnSpPr>
+        <p:spPr>
+          <a:xfrm>
+            <a:off x="2631281" y="1514901"/>
+            <a:ext cx="2740" cy="412761"/>
+          </a:xfrm>
+          <a:prstGeom prst="straightConnector1">
+            <a:avLst/>
+          </a:prstGeom>
+          <a:ln>
+            <a:tailEnd type="triangle"/>
+          </a:ln>
+        </p:spPr>
+        <p:style>
+          <a:lnRef idx="1">
+            <a:schemeClr val="dk1"/>
+          </a:lnRef>
+          <a:fillRef idx="0">
+            <a:schemeClr val="dk1"/>
+          </a:fillRef>
+          <a:effectRef idx="0">
+            <a:schemeClr val="dk1"/>
+          </a:effectRef>
+          <a:fontRef idx="minor">
+            <a:schemeClr val="tx1"/>
+          </a:fontRef>
+        </p:style>
+      </p:cxnSp>
+      <p:sp>
+        <p:nvSpPr>
+          <p:cNvPr id="85" name="矩形 84"/>
+          <p:cNvSpPr/>
+          <p:nvPr/>
+        </p:nvSpPr>
+        <p:spPr>
+          <a:xfrm>
+            <a:off x="7792872" y="1927662"/>
+            <a:ext cx="3220871" cy="1811825"/>
+          </a:xfrm>
+          <a:prstGeom prst="rect">
+            <a:avLst/>
+          </a:prstGeom>
+        </p:spPr>
+        <p:style>
+          <a:lnRef idx="2">
+            <a:schemeClr val="dk1"/>
+          </a:lnRef>
+          <a:fillRef idx="1">
+            <a:schemeClr val="lt1"/>
+          </a:fillRef>
+          <a:effectRef idx="0">
+            <a:schemeClr val="dk1"/>
+          </a:effectRef>
+          <a:fontRef idx="minor">
+            <a:schemeClr val="dk1"/>
+          </a:fontRef>
+        </p:style>
+        <p:txBody>
+          <a:bodyPr rtlCol="0" anchor="ctr"/>
+          <a:lstStyle/>
+          <a:p>
+            <a:pPr algn="ctr"/>
+            <a:endParaRPr lang="zh-CN" altLang="en-US"/>
+          </a:p>
+        </p:txBody>
+      </p:sp>
+      <p:sp>
+        <p:nvSpPr>
+          <p:cNvPr id="87" name="矩形 86"/>
+          <p:cNvSpPr/>
+          <p:nvPr/>
+        </p:nvSpPr>
+        <p:spPr>
+          <a:xfrm>
+            <a:off x="7970294" y="2340423"/>
+            <a:ext cx="627796" cy="538666"/>
+          </a:xfrm>
+          <a:prstGeom prst="rect">
+            <a:avLst/>
+          </a:prstGeom>
+        </p:spPr>
+        <p:style>
+          <a:lnRef idx="2">
+            <a:schemeClr val="dk1"/>
+          </a:lnRef>
+          <a:fillRef idx="1">
+            <a:schemeClr val="lt1"/>
+          </a:fillRef>
+          <a:effectRef idx="0">
+            <a:schemeClr val="dk1"/>
+          </a:effectRef>
+          <a:fontRef idx="minor">
+            <a:schemeClr val="dk1"/>
+          </a:fontRef>
+        </p:style>
+        <p:txBody>
+          <a:bodyPr rtlCol="0" anchor="ctr"/>
+          <a:lstStyle/>
+          <a:p>
+            <a:pPr algn="ctr"/>
+            <a:r>
+              <a:rPr lang="en-US" altLang="zh-CN" dirty="0" smtClean="0"/>
+              <a:t>M7</a:t>
+            </a:r>
+            <a:endParaRPr lang="zh-CN" altLang="en-US" dirty="0"/>
+          </a:p>
+        </p:txBody>
+      </p:sp>
+      <p:sp>
+        <p:nvSpPr>
+          <p:cNvPr id="88" name="矩形 87"/>
+          <p:cNvSpPr/>
+          <p:nvPr/>
+        </p:nvSpPr>
+        <p:spPr>
+          <a:xfrm>
+            <a:off x="8707272" y="2340423"/>
+            <a:ext cx="627796" cy="538666"/>
+          </a:xfrm>
+          <a:prstGeom prst="rect">
+            <a:avLst/>
+          </a:prstGeom>
+        </p:spPr>
+        <p:style>
+          <a:lnRef idx="2">
+            <a:schemeClr val="dk1"/>
+          </a:lnRef>
+          <a:fillRef idx="1">
+            <a:schemeClr val="lt1"/>
+          </a:fillRef>
+          <a:effectRef idx="0">
+            <a:schemeClr val="dk1"/>
+          </a:effectRef>
+          <a:fontRef idx="minor">
+            <a:schemeClr val="dk1"/>
+          </a:fontRef>
+        </p:style>
+        <p:txBody>
+          <a:bodyPr rtlCol="0" anchor="ctr"/>
+          <a:lstStyle/>
+          <a:p>
+            <a:pPr algn="ctr"/>
+            <a:r>
+              <a:rPr lang="en-US" altLang="zh-CN" dirty="0" smtClean="0"/>
+              <a:t>M5</a:t>
+            </a:r>
+            <a:endParaRPr lang="zh-CN" altLang="en-US" dirty="0"/>
+          </a:p>
+        </p:txBody>
+      </p:sp>
+      <p:sp>
+        <p:nvSpPr>
+          <p:cNvPr id="89" name="矩形 88"/>
+          <p:cNvSpPr/>
+          <p:nvPr/>
+        </p:nvSpPr>
+        <p:spPr>
+          <a:xfrm>
+            <a:off x="9444250" y="2340423"/>
+            <a:ext cx="627796" cy="538666"/>
+          </a:xfrm>
+          <a:prstGeom prst="rect">
+            <a:avLst/>
+          </a:prstGeom>
+        </p:spPr>
+        <p:style>
+          <a:lnRef idx="2">
+            <a:schemeClr val="dk1"/>
+          </a:lnRef>
+          <a:fillRef idx="1">
+            <a:schemeClr val="lt1"/>
+          </a:fillRef>
+          <a:effectRef idx="0">
+            <a:schemeClr val="dk1"/>
+          </a:effectRef>
+          <a:fontRef idx="minor">
+            <a:schemeClr val="dk1"/>
+          </a:fontRef>
+        </p:style>
+        <p:txBody>
+          <a:bodyPr rtlCol="0" anchor="ctr"/>
+          <a:lstStyle/>
+          <a:p>
+            <a:pPr algn="ctr"/>
+            <a:r>
+              <a:rPr lang="en-US" altLang="zh-CN" dirty="0" smtClean="0"/>
+              <a:t>M3</a:t>
+            </a:r>
+            <a:endParaRPr lang="zh-CN" altLang="en-US" dirty="0"/>
+          </a:p>
+        </p:txBody>
+      </p:sp>
+      <p:sp>
+        <p:nvSpPr>
+          <p:cNvPr id="90" name="矩形 89"/>
+          <p:cNvSpPr/>
+          <p:nvPr/>
+        </p:nvSpPr>
+        <p:spPr>
+          <a:xfrm>
+            <a:off x="10181228" y="2340423"/>
+            <a:ext cx="627796" cy="520890"/>
+          </a:xfrm>
+          <a:prstGeom prst="rect">
+            <a:avLst/>
+          </a:prstGeom>
+        </p:spPr>
+        <p:style>
+          <a:lnRef idx="2">
+            <a:schemeClr val="dk1"/>
+          </a:lnRef>
+          <a:fillRef idx="1">
+            <a:schemeClr val="lt1"/>
+          </a:fillRef>
+          <a:effectRef idx="0">
+            <a:schemeClr val="dk1"/>
+          </a:effectRef>
+          <a:fontRef idx="minor">
+            <a:schemeClr val="dk1"/>
+          </a:fontRef>
+        </p:style>
+        <p:txBody>
+          <a:bodyPr rtlCol="0" anchor="ctr"/>
+          <a:lstStyle/>
+          <a:p>
+            <a:pPr algn="ctr"/>
+            <a:r>
+              <a:rPr lang="en-US" altLang="zh-CN" dirty="0" smtClean="0"/>
+              <a:t>M1</a:t>
+            </a:r>
+            <a:endParaRPr lang="zh-CN" altLang="en-US" dirty="0"/>
+          </a:p>
+        </p:txBody>
+      </p:sp>
+      <p:sp>
+        <p:nvSpPr>
+          <p:cNvPr id="91" name="矩形 90"/>
+          <p:cNvSpPr/>
+          <p:nvPr/>
+        </p:nvSpPr>
+        <p:spPr>
+          <a:xfrm>
+            <a:off x="7970294" y="3022517"/>
+            <a:ext cx="627796" cy="538666"/>
+          </a:xfrm>
+          <a:prstGeom prst="rect">
+            <a:avLst/>
+          </a:prstGeom>
+        </p:spPr>
+        <p:style>
+          <a:lnRef idx="2">
+            <a:schemeClr val="dk1"/>
+          </a:lnRef>
+          <a:fillRef idx="1">
+            <a:schemeClr val="lt1"/>
+          </a:fillRef>
+          <a:effectRef idx="0">
+            <a:schemeClr val="dk1"/>
+          </a:effectRef>
+          <a:fontRef idx="minor">
+            <a:schemeClr val="dk1"/>
+          </a:fontRef>
+        </p:style>
+        <p:txBody>
+          <a:bodyPr rtlCol="0" anchor="ctr"/>
+          <a:lstStyle/>
+          <a:p>
+            <a:pPr algn="ctr"/>
+            <a:r>
+              <a:rPr lang="en-US" altLang="zh-CN" dirty="0" smtClean="0"/>
+              <a:t>M8</a:t>
+            </a:r>
+            <a:endParaRPr lang="zh-CN" altLang="en-US" dirty="0"/>
+          </a:p>
+        </p:txBody>
+      </p:sp>
+      <p:sp>
+        <p:nvSpPr>
+          <p:cNvPr id="92" name="矩形 91"/>
+          <p:cNvSpPr/>
+          <p:nvPr/>
+        </p:nvSpPr>
+        <p:spPr>
+          <a:xfrm>
+            <a:off x="8707272" y="3022517"/>
+            <a:ext cx="627796" cy="538666"/>
+          </a:xfrm>
+          <a:prstGeom prst="rect">
+            <a:avLst/>
+          </a:prstGeom>
+        </p:spPr>
+        <p:style>
+          <a:lnRef idx="2">
+            <a:schemeClr val="dk1"/>
+          </a:lnRef>
+          <a:fillRef idx="1">
+            <a:schemeClr val="lt1"/>
+          </a:fillRef>
+          <a:effectRef idx="0">
+            <a:schemeClr val="dk1"/>
+          </a:effectRef>
+          <a:fontRef idx="minor">
+            <a:schemeClr val="dk1"/>
+          </a:fontRef>
+        </p:style>
+        <p:txBody>
+          <a:bodyPr rtlCol="0" anchor="ctr"/>
+          <a:lstStyle/>
+          <a:p>
+            <a:pPr algn="ctr"/>
+            <a:r>
+              <a:rPr lang="en-US" altLang="zh-CN" dirty="0" smtClean="0"/>
+              <a:t>M6</a:t>
+            </a:r>
+            <a:endParaRPr lang="zh-CN" altLang="en-US" dirty="0"/>
+          </a:p>
+        </p:txBody>
+      </p:sp>
+      <p:sp>
+        <p:nvSpPr>
+          <p:cNvPr id="93" name="矩形 92"/>
+          <p:cNvSpPr/>
+          <p:nvPr/>
+        </p:nvSpPr>
+        <p:spPr>
+          <a:xfrm>
+            <a:off x="9444250" y="3022517"/>
+            <a:ext cx="627796" cy="538666"/>
+          </a:xfrm>
+          <a:prstGeom prst="rect">
+            <a:avLst/>
+          </a:prstGeom>
+        </p:spPr>
+        <p:style>
+          <a:lnRef idx="2">
+            <a:schemeClr val="dk1"/>
+          </a:lnRef>
+          <a:fillRef idx="1">
+            <a:schemeClr val="lt1"/>
+          </a:fillRef>
+          <a:effectRef idx="0">
+            <a:schemeClr val="dk1"/>
+          </a:effectRef>
+          <a:fontRef idx="minor">
+            <a:schemeClr val="dk1"/>
+          </a:fontRef>
+        </p:style>
+        <p:txBody>
+          <a:bodyPr rtlCol="0" anchor="ctr"/>
+          <a:lstStyle/>
+          <a:p>
+            <a:pPr algn="ctr"/>
+            <a:r>
+              <a:rPr lang="en-US" altLang="zh-CN" dirty="0" smtClean="0"/>
+              <a:t>M4</a:t>
+            </a:r>
+            <a:endParaRPr lang="zh-CN" altLang="en-US" dirty="0"/>
+          </a:p>
+        </p:txBody>
+      </p:sp>
+      <p:sp>
+        <p:nvSpPr>
+          <p:cNvPr id="94" name="矩形 93"/>
+          <p:cNvSpPr/>
+          <p:nvPr/>
+        </p:nvSpPr>
+        <p:spPr>
+          <a:xfrm>
+            <a:off x="10181228" y="3022517"/>
+            <a:ext cx="627796" cy="520890"/>
+          </a:xfrm>
+          <a:prstGeom prst="rect">
+            <a:avLst/>
+          </a:prstGeom>
+        </p:spPr>
+        <p:style>
+          <a:lnRef idx="2">
+            <a:schemeClr val="dk1"/>
+          </a:lnRef>
+          <a:fillRef idx="1">
+            <a:schemeClr val="lt1"/>
+          </a:fillRef>
+          <a:effectRef idx="0">
+            <a:schemeClr val="dk1"/>
+          </a:effectRef>
+          <a:fontRef idx="minor">
+            <a:schemeClr val="dk1"/>
+          </a:fontRef>
+        </p:style>
+        <p:txBody>
+          <a:bodyPr rtlCol="0" anchor="ctr"/>
+          <a:lstStyle/>
+          <a:p>
+            <a:pPr algn="ctr"/>
+            <a:r>
+              <a:rPr lang="en-US" altLang="zh-CN" dirty="0" smtClean="0"/>
+              <a:t>M2</a:t>
+            </a:r>
+            <a:endParaRPr lang="zh-CN" altLang="en-US" dirty="0"/>
+          </a:p>
+        </p:txBody>
+      </p:sp>
+      <p:cxnSp>
+        <p:nvCxnSpPr>
+          <p:cNvPr id="95" name="直接箭头连接符 94"/>
+          <p:cNvCxnSpPr>
+            <a:endCxn id="85" idx="0"/>
+          </p:cNvCxnSpPr>
+          <p:nvPr/>
+        </p:nvCxnSpPr>
+        <p:spPr>
+          <a:xfrm>
+            <a:off x="9400568" y="1514901"/>
+            <a:ext cx="2740" cy="412761"/>
+          </a:xfrm>
+          <a:prstGeom prst="straightConnector1">
+            <a:avLst/>
+          </a:prstGeom>
+          <a:ln>
+            <a:tailEnd type="triangle"/>
+          </a:ln>
+        </p:spPr>
+        <p:style>
+          <a:lnRef idx="1">
+            <a:schemeClr val="dk1"/>
+          </a:lnRef>
+          <a:fillRef idx="0">
+            <a:schemeClr val="dk1"/>
+          </a:fillRef>
+          <a:effectRef idx="0">
+            <a:schemeClr val="dk1"/>
+          </a:effectRef>
+          <a:fontRef idx="minor">
+            <a:schemeClr val="tx1"/>
+          </a:fontRef>
+        </p:style>
+      </p:cxnSp>
+      <p:sp>
+        <p:nvSpPr>
+          <p:cNvPr id="96" name="文本框 95"/>
+          <p:cNvSpPr txBox="1"/>
+          <p:nvPr/>
+        </p:nvSpPr>
+        <p:spPr>
+          <a:xfrm>
+            <a:off x="7792886" y="1960771"/>
+            <a:ext cx="1555843" cy="369332"/>
+          </a:xfrm>
+          <a:prstGeom prst="rect">
+            <a:avLst/>
+          </a:prstGeom>
+          <a:noFill/>
+        </p:spPr>
+        <p:txBody>
+          <a:bodyPr wrap="square" rtlCol="0">
+            <a:spAutoFit/>
+          </a:bodyPr>
+          <a:lstStyle/>
+          <a:p>
+            <a:r>
+              <a:rPr lang="en-US" altLang="zh-CN" dirty="0" smtClean="0"/>
+              <a:t>JMS QueueB</a:t>
+            </a:r>
+            <a:endParaRPr lang="zh-CN" altLang="en-US" dirty="0"/>
+          </a:p>
+        </p:txBody>
+      </p:sp>
+      <p:sp>
+        <p:nvSpPr>
+          <p:cNvPr id="97" name="矩形 96"/>
+          <p:cNvSpPr/>
+          <p:nvPr/>
+        </p:nvSpPr>
+        <p:spPr>
+          <a:xfrm>
+            <a:off x="1020845" y="4891500"/>
+            <a:ext cx="3220871" cy="1811825"/>
+          </a:xfrm>
+          <a:prstGeom prst="rect">
+            <a:avLst/>
+          </a:prstGeom>
+        </p:spPr>
+        <p:style>
+          <a:lnRef idx="2">
+            <a:schemeClr val="dk1"/>
+          </a:lnRef>
+          <a:fillRef idx="1">
+            <a:schemeClr val="lt1"/>
+          </a:fillRef>
+          <a:effectRef idx="0">
+            <a:schemeClr val="dk1"/>
+          </a:effectRef>
+          <a:fontRef idx="minor">
+            <a:schemeClr val="dk1"/>
+          </a:fontRef>
+        </p:style>
+        <p:txBody>
+          <a:bodyPr rtlCol="0" anchor="ctr"/>
+          <a:lstStyle/>
+          <a:p>
+            <a:pPr algn="ctr"/>
+            <a:endParaRPr lang="zh-CN" altLang="en-US"/>
+          </a:p>
+        </p:txBody>
+      </p:sp>
+      <p:cxnSp>
+        <p:nvCxnSpPr>
+          <p:cNvPr id="98" name="直接箭头连接符 97"/>
+          <p:cNvCxnSpPr/>
+          <p:nvPr/>
+        </p:nvCxnSpPr>
+        <p:spPr>
+          <a:xfrm flipH="1">
+            <a:off x="1910687" y="3739487"/>
+            <a:ext cx="13650" cy="1815152"/>
+          </a:xfrm>
+          <a:prstGeom prst="straightConnector1">
+            <a:avLst/>
+          </a:prstGeom>
+          <a:ln>
+            <a:tailEnd type="triangle"/>
+          </a:ln>
+        </p:spPr>
+        <p:style>
+          <a:lnRef idx="1">
+            <a:schemeClr val="dk1"/>
+          </a:lnRef>
+          <a:fillRef idx="0">
+            <a:schemeClr val="dk1"/>
+          </a:fillRef>
+          <a:effectRef idx="0">
+            <a:schemeClr val="dk1"/>
+          </a:effectRef>
+          <a:fontRef idx="minor">
+            <a:schemeClr val="tx1"/>
+          </a:fontRef>
+        </p:style>
+      </p:cxnSp>
+      <p:sp>
+        <p:nvSpPr>
+          <p:cNvPr id="101" name="文本框 100"/>
+          <p:cNvSpPr txBox="1"/>
+          <p:nvPr/>
+        </p:nvSpPr>
+        <p:spPr>
+          <a:xfrm>
+            <a:off x="1201010" y="4951413"/>
+            <a:ext cx="1555843" cy="369332"/>
+          </a:xfrm>
+          <a:prstGeom prst="rect">
+            <a:avLst/>
+          </a:prstGeom>
+          <a:noFill/>
+        </p:spPr>
+        <p:txBody>
+          <a:bodyPr wrap="square" rtlCol="0">
+            <a:spAutoFit/>
+          </a:bodyPr>
+          <a:lstStyle/>
+          <a:p>
+            <a:r>
+              <a:rPr lang="zh-CN" altLang="en-US" dirty="0" smtClean="0"/>
+              <a:t>集群</a:t>
+            </a:r>
+            <a:r>
+              <a:rPr lang="en-US" altLang="zh-CN" dirty="0" smtClean="0"/>
+              <a:t>A</a:t>
+            </a:r>
+            <a:endParaRPr lang="zh-CN" altLang="en-US" dirty="0"/>
+          </a:p>
+        </p:txBody>
+      </p:sp>
+      <p:sp>
+        <p:nvSpPr>
+          <p:cNvPr id="103" name="矩形 102"/>
+          <p:cNvSpPr/>
+          <p:nvPr/>
+        </p:nvSpPr>
+        <p:spPr>
+          <a:xfrm>
+            <a:off x="1596789" y="5554639"/>
+            <a:ext cx="627796" cy="538666"/>
+          </a:xfrm>
+          <a:prstGeom prst="rect">
+            <a:avLst/>
+          </a:prstGeom>
+        </p:spPr>
+        <p:style>
+          <a:lnRef idx="2">
+            <a:schemeClr val="dk1"/>
+          </a:lnRef>
+          <a:fillRef idx="1">
+            <a:schemeClr val="lt1"/>
+          </a:fillRef>
+          <a:effectRef idx="0">
+            <a:schemeClr val="dk1"/>
+          </a:effectRef>
+          <a:fontRef idx="minor">
+            <a:schemeClr val="dk1"/>
+          </a:fontRef>
+        </p:style>
+        <p:txBody>
+          <a:bodyPr rtlCol="0" anchor="ctr"/>
+          <a:lstStyle/>
+          <a:p>
+            <a:pPr algn="ctr"/>
+            <a:r>
+              <a:rPr lang="en-US" altLang="zh-CN" dirty="0" smtClean="0"/>
+              <a:t>A1</a:t>
+            </a:r>
+            <a:endParaRPr lang="zh-CN" altLang="en-US" dirty="0"/>
+          </a:p>
+        </p:txBody>
+      </p:sp>
+      <p:cxnSp>
+        <p:nvCxnSpPr>
+          <p:cNvPr id="104" name="直接箭头连接符 103"/>
+          <p:cNvCxnSpPr>
+            <a:endCxn id="107" idx="0"/>
+          </p:cNvCxnSpPr>
+          <p:nvPr/>
+        </p:nvCxnSpPr>
+        <p:spPr>
+          <a:xfrm>
+            <a:off x="3370979" y="3739487"/>
+            <a:ext cx="0" cy="1815152"/>
+          </a:xfrm>
+          <a:prstGeom prst="straightConnector1">
+            <a:avLst/>
+          </a:prstGeom>
+          <a:ln>
+            <a:tailEnd type="triangle"/>
+          </a:ln>
+        </p:spPr>
+        <p:style>
+          <a:lnRef idx="1">
+            <a:schemeClr val="dk1"/>
+          </a:lnRef>
+          <a:fillRef idx="0">
+            <a:schemeClr val="dk1"/>
+          </a:fillRef>
+          <a:effectRef idx="0">
+            <a:schemeClr val="dk1"/>
+          </a:effectRef>
+          <a:fontRef idx="minor">
+            <a:schemeClr val="tx1"/>
+          </a:fontRef>
+        </p:style>
+      </p:cxnSp>
+      <p:sp>
+        <p:nvSpPr>
+          <p:cNvPr id="107" name="矩形 106"/>
+          <p:cNvSpPr/>
+          <p:nvPr/>
+        </p:nvSpPr>
+        <p:spPr>
+          <a:xfrm>
+            <a:off x="3057081" y="5554639"/>
+            <a:ext cx="627796" cy="538666"/>
+          </a:xfrm>
+          <a:prstGeom prst="rect">
+            <a:avLst/>
+          </a:prstGeom>
+        </p:spPr>
+        <p:style>
+          <a:lnRef idx="2">
+            <a:schemeClr val="dk1"/>
+          </a:lnRef>
+          <a:fillRef idx="1">
+            <a:schemeClr val="lt1"/>
+          </a:fillRef>
+          <a:effectRef idx="0">
+            <a:schemeClr val="dk1"/>
+          </a:effectRef>
+          <a:fontRef idx="minor">
+            <a:schemeClr val="dk1"/>
+          </a:fontRef>
+        </p:style>
+        <p:txBody>
+          <a:bodyPr rtlCol="0" anchor="ctr"/>
+          <a:lstStyle/>
+          <a:p>
+            <a:pPr algn="ctr"/>
+            <a:r>
+              <a:rPr lang="en-US" altLang="zh-CN" dirty="0" smtClean="0"/>
+              <a:t>A2</a:t>
+            </a:r>
+            <a:endParaRPr lang="zh-CN" altLang="en-US" dirty="0"/>
+          </a:p>
+        </p:txBody>
+      </p:sp>
+      <p:sp>
+        <p:nvSpPr>
+          <p:cNvPr id="111" name="矩形 110"/>
+          <p:cNvSpPr/>
+          <p:nvPr/>
+        </p:nvSpPr>
+        <p:spPr>
+          <a:xfrm>
+            <a:off x="1924337" y="3941803"/>
+            <a:ext cx="627796" cy="210445"/>
+          </a:xfrm>
+          <a:prstGeom prst="rect">
+            <a:avLst/>
+          </a:prstGeom>
+        </p:spPr>
+        <p:style>
+          <a:lnRef idx="2">
+            <a:schemeClr val="dk1"/>
+          </a:lnRef>
+          <a:fillRef idx="1">
+            <a:schemeClr val="lt1"/>
+          </a:fillRef>
+          <a:effectRef idx="0">
+            <a:schemeClr val="dk1"/>
+          </a:effectRef>
+          <a:fontRef idx="minor">
+            <a:schemeClr val="dk1"/>
+          </a:fontRef>
+        </p:style>
+        <p:txBody>
+          <a:bodyPr rtlCol="0" anchor="ctr"/>
+          <a:lstStyle/>
+          <a:p>
+            <a:pPr algn="ctr"/>
+            <a:r>
+              <a:rPr lang="en-US" altLang="zh-CN" dirty="0" smtClean="0"/>
+              <a:t>M7</a:t>
+            </a:r>
+            <a:endParaRPr lang="zh-CN" altLang="en-US" dirty="0"/>
+          </a:p>
+        </p:txBody>
+      </p:sp>
+      <p:sp>
+        <p:nvSpPr>
+          <p:cNvPr id="112" name="矩形 111"/>
+          <p:cNvSpPr/>
+          <p:nvPr/>
+        </p:nvSpPr>
+        <p:spPr>
+          <a:xfrm>
+            <a:off x="1924337" y="4140077"/>
+            <a:ext cx="627796" cy="210445"/>
+          </a:xfrm>
+          <a:prstGeom prst="rect">
+            <a:avLst/>
+          </a:prstGeom>
+        </p:spPr>
+        <p:style>
+          <a:lnRef idx="2">
+            <a:schemeClr val="dk1"/>
+          </a:lnRef>
+          <a:fillRef idx="1">
+            <a:schemeClr val="lt1"/>
+          </a:fillRef>
+          <a:effectRef idx="0">
+            <a:schemeClr val="dk1"/>
+          </a:effectRef>
+          <a:fontRef idx="minor">
+            <a:schemeClr val="dk1"/>
+          </a:fontRef>
+        </p:style>
+        <p:txBody>
+          <a:bodyPr rtlCol="0" anchor="ctr"/>
+          <a:lstStyle/>
+          <a:p>
+            <a:pPr algn="ctr"/>
+            <a:r>
+              <a:rPr lang="en-US" altLang="zh-CN" dirty="0" smtClean="0"/>
+              <a:t>M5</a:t>
+            </a:r>
+            <a:endParaRPr lang="zh-CN" altLang="en-US" dirty="0"/>
+          </a:p>
+        </p:txBody>
+      </p:sp>
+      <p:sp>
+        <p:nvSpPr>
+          <p:cNvPr id="113" name="矩形 112"/>
+          <p:cNvSpPr/>
+          <p:nvPr/>
+        </p:nvSpPr>
+        <p:spPr>
+          <a:xfrm>
+            <a:off x="1924337" y="4352833"/>
+            <a:ext cx="627796" cy="210445"/>
+          </a:xfrm>
+          <a:prstGeom prst="rect">
+            <a:avLst/>
+          </a:prstGeom>
+        </p:spPr>
+        <p:style>
+          <a:lnRef idx="2">
+            <a:schemeClr val="dk1"/>
+          </a:lnRef>
+          <a:fillRef idx="1">
+            <a:schemeClr val="lt1"/>
+          </a:fillRef>
+          <a:effectRef idx="0">
+            <a:schemeClr val="dk1"/>
+          </a:effectRef>
+          <a:fontRef idx="minor">
+            <a:schemeClr val="dk1"/>
+          </a:fontRef>
+        </p:style>
+        <p:txBody>
+          <a:bodyPr rtlCol="0" anchor="ctr"/>
+          <a:lstStyle/>
+          <a:p>
+            <a:pPr algn="ctr"/>
+            <a:r>
+              <a:rPr lang="en-US" altLang="zh-CN" dirty="0" smtClean="0"/>
+              <a:t>M3</a:t>
+            </a:r>
+            <a:endParaRPr lang="zh-CN" altLang="en-US" dirty="0"/>
+          </a:p>
+        </p:txBody>
+      </p:sp>
+      <p:sp>
+        <p:nvSpPr>
+          <p:cNvPr id="114" name="矩形 113"/>
+          <p:cNvSpPr/>
+          <p:nvPr/>
+        </p:nvSpPr>
+        <p:spPr>
+          <a:xfrm>
+            <a:off x="1924337" y="4563278"/>
+            <a:ext cx="627796" cy="210445"/>
+          </a:xfrm>
+          <a:prstGeom prst="rect">
+            <a:avLst/>
+          </a:prstGeom>
+        </p:spPr>
+        <p:style>
+          <a:lnRef idx="2">
+            <a:schemeClr val="dk1"/>
+          </a:lnRef>
+          <a:fillRef idx="1">
+            <a:schemeClr val="lt1"/>
+          </a:fillRef>
+          <a:effectRef idx="0">
+            <a:schemeClr val="dk1"/>
+          </a:effectRef>
+          <a:fontRef idx="minor">
+            <a:schemeClr val="dk1"/>
+          </a:fontRef>
+        </p:style>
+        <p:txBody>
+          <a:bodyPr rtlCol="0" anchor="ctr"/>
+          <a:lstStyle/>
+          <a:p>
+            <a:pPr algn="ctr"/>
+            <a:r>
+              <a:rPr lang="en-US" altLang="zh-CN" dirty="0" smtClean="0"/>
+              <a:t>M1</a:t>
+            </a:r>
+            <a:endParaRPr lang="zh-CN" altLang="en-US" dirty="0"/>
+          </a:p>
+        </p:txBody>
+      </p:sp>
+      <p:sp>
+        <p:nvSpPr>
+          <p:cNvPr id="120" name="矩形 119"/>
+          <p:cNvSpPr/>
+          <p:nvPr/>
+        </p:nvSpPr>
+        <p:spPr>
+          <a:xfrm>
+            <a:off x="3384629" y="3941803"/>
+            <a:ext cx="627796" cy="210445"/>
+          </a:xfrm>
+          <a:prstGeom prst="rect">
+            <a:avLst/>
+          </a:prstGeom>
+        </p:spPr>
+        <p:style>
+          <a:lnRef idx="2">
+            <a:schemeClr val="dk1"/>
+          </a:lnRef>
+          <a:fillRef idx="1">
+            <a:schemeClr val="lt1"/>
+          </a:fillRef>
+          <a:effectRef idx="0">
+            <a:schemeClr val="dk1"/>
+          </a:effectRef>
+          <a:fontRef idx="minor">
+            <a:schemeClr val="dk1"/>
+          </a:fontRef>
+        </p:style>
+        <p:txBody>
+          <a:bodyPr rtlCol="0" anchor="ctr"/>
+          <a:lstStyle/>
+          <a:p>
+            <a:pPr algn="ctr"/>
+            <a:r>
+              <a:rPr lang="en-US" altLang="zh-CN" dirty="0" smtClean="0"/>
+              <a:t>M8</a:t>
+            </a:r>
+            <a:endParaRPr lang="zh-CN" altLang="en-US" dirty="0"/>
+          </a:p>
+        </p:txBody>
+      </p:sp>
+      <p:sp>
+        <p:nvSpPr>
+          <p:cNvPr id="121" name="矩形 120"/>
+          <p:cNvSpPr/>
+          <p:nvPr/>
+        </p:nvSpPr>
+        <p:spPr>
+          <a:xfrm>
+            <a:off x="3384629" y="4140077"/>
+            <a:ext cx="627796" cy="210445"/>
+          </a:xfrm>
+          <a:prstGeom prst="rect">
+            <a:avLst/>
+          </a:prstGeom>
+        </p:spPr>
+        <p:style>
+          <a:lnRef idx="2">
+            <a:schemeClr val="dk1"/>
+          </a:lnRef>
+          <a:fillRef idx="1">
+            <a:schemeClr val="lt1"/>
+          </a:fillRef>
+          <a:effectRef idx="0">
+            <a:schemeClr val="dk1"/>
+          </a:effectRef>
+          <a:fontRef idx="minor">
+            <a:schemeClr val="dk1"/>
+          </a:fontRef>
+        </p:style>
+        <p:txBody>
+          <a:bodyPr rtlCol="0" anchor="ctr"/>
+          <a:lstStyle/>
+          <a:p>
+            <a:pPr algn="ctr"/>
+            <a:r>
+              <a:rPr lang="en-US" altLang="zh-CN" dirty="0" smtClean="0"/>
+              <a:t>M6</a:t>
+            </a:r>
+            <a:endParaRPr lang="zh-CN" altLang="en-US" dirty="0"/>
+          </a:p>
+        </p:txBody>
+      </p:sp>
+      <p:sp>
+        <p:nvSpPr>
+          <p:cNvPr id="122" name="矩形 121"/>
+          <p:cNvSpPr/>
+          <p:nvPr/>
+        </p:nvSpPr>
+        <p:spPr>
+          <a:xfrm>
+            <a:off x="3384629" y="4352833"/>
+            <a:ext cx="627796" cy="210445"/>
+          </a:xfrm>
+          <a:prstGeom prst="rect">
+            <a:avLst/>
+          </a:prstGeom>
+        </p:spPr>
+        <p:style>
+          <a:lnRef idx="2">
+            <a:schemeClr val="dk1"/>
+          </a:lnRef>
+          <a:fillRef idx="1">
+            <a:schemeClr val="lt1"/>
+          </a:fillRef>
+          <a:effectRef idx="0">
+            <a:schemeClr val="dk1"/>
+          </a:effectRef>
+          <a:fontRef idx="minor">
+            <a:schemeClr val="dk1"/>
+          </a:fontRef>
+        </p:style>
+        <p:txBody>
+          <a:bodyPr rtlCol="0" anchor="ctr"/>
+          <a:lstStyle/>
+          <a:p>
+            <a:pPr algn="ctr"/>
+            <a:r>
+              <a:rPr lang="en-US" altLang="zh-CN" dirty="0" smtClean="0"/>
+              <a:t>M4</a:t>
+            </a:r>
+            <a:endParaRPr lang="zh-CN" altLang="en-US" dirty="0"/>
+          </a:p>
+        </p:txBody>
+      </p:sp>
+      <p:sp>
+        <p:nvSpPr>
+          <p:cNvPr id="123" name="矩形 122"/>
+          <p:cNvSpPr/>
+          <p:nvPr/>
+        </p:nvSpPr>
+        <p:spPr>
+          <a:xfrm>
+            <a:off x="3384629" y="4563278"/>
+            <a:ext cx="627796" cy="210445"/>
+          </a:xfrm>
+          <a:prstGeom prst="rect">
+            <a:avLst/>
+          </a:prstGeom>
+        </p:spPr>
+        <p:style>
+          <a:lnRef idx="2">
+            <a:schemeClr val="dk1"/>
+          </a:lnRef>
+          <a:fillRef idx="1">
+            <a:schemeClr val="lt1"/>
+          </a:fillRef>
+          <a:effectRef idx="0">
+            <a:schemeClr val="dk1"/>
+          </a:effectRef>
+          <a:fontRef idx="minor">
+            <a:schemeClr val="dk1"/>
+          </a:fontRef>
+        </p:style>
+        <p:txBody>
+          <a:bodyPr rtlCol="0" anchor="ctr"/>
+          <a:lstStyle/>
+          <a:p>
+            <a:pPr algn="ctr"/>
+            <a:r>
+              <a:rPr lang="en-US" altLang="zh-CN" dirty="0" smtClean="0"/>
+              <a:t>M2</a:t>
+            </a:r>
+            <a:endParaRPr lang="zh-CN" altLang="en-US" dirty="0"/>
+          </a:p>
+        </p:txBody>
+      </p:sp>
+      <p:sp>
+        <p:nvSpPr>
+          <p:cNvPr id="124" name="矩形 123"/>
+          <p:cNvSpPr/>
+          <p:nvPr/>
+        </p:nvSpPr>
+        <p:spPr>
+          <a:xfrm>
+            <a:off x="7790132" y="4891500"/>
+            <a:ext cx="3220871" cy="1811825"/>
+          </a:xfrm>
+          <a:prstGeom prst="rect">
+            <a:avLst/>
+          </a:prstGeom>
+        </p:spPr>
+        <p:style>
+          <a:lnRef idx="2">
+            <a:schemeClr val="dk1"/>
+          </a:lnRef>
+          <a:fillRef idx="1">
+            <a:schemeClr val="lt1"/>
+          </a:fillRef>
+          <a:effectRef idx="0">
+            <a:schemeClr val="dk1"/>
+          </a:effectRef>
+          <a:fontRef idx="minor">
+            <a:schemeClr val="dk1"/>
+          </a:fontRef>
+        </p:style>
+        <p:txBody>
+          <a:bodyPr rtlCol="0" anchor="ctr"/>
+          <a:lstStyle/>
+          <a:p>
+            <a:pPr algn="ctr"/>
+            <a:endParaRPr lang="zh-CN" altLang="en-US"/>
+          </a:p>
+        </p:txBody>
+      </p:sp>
+      <p:cxnSp>
+        <p:nvCxnSpPr>
+          <p:cNvPr id="125" name="直接箭头连接符 124"/>
+          <p:cNvCxnSpPr/>
+          <p:nvPr/>
+        </p:nvCxnSpPr>
+        <p:spPr>
+          <a:xfrm flipH="1">
+            <a:off x="8679974" y="3739487"/>
+            <a:ext cx="13650" cy="1815152"/>
+          </a:xfrm>
+          <a:prstGeom prst="straightConnector1">
+            <a:avLst/>
+          </a:prstGeom>
+          <a:ln>
+            <a:tailEnd type="triangle"/>
+          </a:ln>
+        </p:spPr>
+        <p:style>
+          <a:lnRef idx="1">
+            <a:schemeClr val="dk1"/>
+          </a:lnRef>
+          <a:fillRef idx="0">
+            <a:schemeClr val="dk1"/>
+          </a:fillRef>
+          <a:effectRef idx="0">
+            <a:schemeClr val="dk1"/>
+          </a:effectRef>
+          <a:fontRef idx="minor">
+            <a:schemeClr val="tx1"/>
+          </a:fontRef>
+        </p:style>
+      </p:cxnSp>
+      <p:sp>
+        <p:nvSpPr>
+          <p:cNvPr id="126" name="文本框 125"/>
+          <p:cNvSpPr txBox="1"/>
+          <p:nvPr/>
+        </p:nvSpPr>
+        <p:spPr>
+          <a:xfrm>
+            <a:off x="7970297" y="4951413"/>
+            <a:ext cx="1555843" cy="369332"/>
+          </a:xfrm>
+          <a:prstGeom prst="rect">
+            <a:avLst/>
+          </a:prstGeom>
+          <a:noFill/>
+        </p:spPr>
+        <p:txBody>
+          <a:bodyPr wrap="square" rtlCol="0">
+            <a:spAutoFit/>
+          </a:bodyPr>
+          <a:lstStyle/>
+          <a:p>
+            <a:r>
+              <a:rPr lang="zh-CN" altLang="en-US" dirty="0" smtClean="0"/>
+              <a:t>集群</a:t>
+            </a:r>
+            <a:r>
+              <a:rPr lang="en-US" altLang="zh-CN" dirty="0" smtClean="0"/>
+              <a:t>B</a:t>
+            </a:r>
+            <a:endParaRPr lang="zh-CN" altLang="en-US" dirty="0"/>
+          </a:p>
+        </p:txBody>
+      </p:sp>
+      <p:sp>
+        <p:nvSpPr>
+          <p:cNvPr id="127" name="矩形 126"/>
+          <p:cNvSpPr/>
+          <p:nvPr/>
+        </p:nvSpPr>
+        <p:spPr>
+          <a:xfrm>
+            <a:off x="8366076" y="5554639"/>
+            <a:ext cx="627796" cy="538666"/>
+          </a:xfrm>
+          <a:prstGeom prst="rect">
+            <a:avLst/>
+          </a:prstGeom>
+        </p:spPr>
+        <p:style>
+          <a:lnRef idx="2">
+            <a:schemeClr val="dk1"/>
+          </a:lnRef>
+          <a:fillRef idx="1">
+            <a:schemeClr val="lt1"/>
+          </a:fillRef>
+          <a:effectRef idx="0">
+            <a:schemeClr val="dk1"/>
+          </a:effectRef>
+          <a:fontRef idx="minor">
+            <a:schemeClr val="dk1"/>
+          </a:fontRef>
+        </p:style>
+        <p:txBody>
+          <a:bodyPr rtlCol="0" anchor="ctr"/>
+          <a:lstStyle/>
+          <a:p>
+            <a:pPr algn="ctr"/>
+            <a:r>
+              <a:rPr lang="en-US" altLang="zh-CN" dirty="0" smtClean="0"/>
+              <a:t>B1</a:t>
+            </a:r>
+            <a:endParaRPr lang="zh-CN" altLang="en-US" dirty="0"/>
+          </a:p>
+        </p:txBody>
+      </p:sp>
+      <p:cxnSp>
+        <p:nvCxnSpPr>
+          <p:cNvPr id="128" name="直接箭头连接符 127"/>
+          <p:cNvCxnSpPr>
+            <a:endCxn id="129" idx="0"/>
+          </p:cNvCxnSpPr>
+          <p:nvPr/>
+        </p:nvCxnSpPr>
+        <p:spPr>
+          <a:xfrm>
+            <a:off x="10140266" y="3739487"/>
+            <a:ext cx="0" cy="1815152"/>
+          </a:xfrm>
+          <a:prstGeom prst="straightConnector1">
+            <a:avLst/>
+          </a:prstGeom>
+          <a:ln>
+            <a:tailEnd type="triangle"/>
+          </a:ln>
+        </p:spPr>
+        <p:style>
+          <a:lnRef idx="1">
+            <a:schemeClr val="dk1"/>
+          </a:lnRef>
+          <a:fillRef idx="0">
+            <a:schemeClr val="dk1"/>
+          </a:fillRef>
+          <a:effectRef idx="0">
+            <a:schemeClr val="dk1"/>
+          </a:effectRef>
+          <a:fontRef idx="minor">
+            <a:schemeClr val="tx1"/>
+          </a:fontRef>
+        </p:style>
+      </p:cxnSp>
+      <p:sp>
+        <p:nvSpPr>
+          <p:cNvPr id="129" name="矩形 128"/>
+          <p:cNvSpPr/>
+          <p:nvPr/>
+        </p:nvSpPr>
+        <p:spPr>
+          <a:xfrm>
+            <a:off x="9826368" y="5554639"/>
+            <a:ext cx="627796" cy="538666"/>
+          </a:xfrm>
+          <a:prstGeom prst="rect">
+            <a:avLst/>
+          </a:prstGeom>
+        </p:spPr>
+        <p:style>
+          <a:lnRef idx="2">
+            <a:schemeClr val="dk1"/>
+          </a:lnRef>
+          <a:fillRef idx="1">
+            <a:schemeClr val="lt1"/>
+          </a:fillRef>
+          <a:effectRef idx="0">
+            <a:schemeClr val="dk1"/>
+          </a:effectRef>
+          <a:fontRef idx="minor">
+            <a:schemeClr val="dk1"/>
+          </a:fontRef>
+        </p:style>
+        <p:txBody>
+          <a:bodyPr rtlCol="0" anchor="ctr"/>
+          <a:lstStyle/>
+          <a:p>
+            <a:pPr algn="ctr"/>
+            <a:r>
+              <a:rPr lang="en-US" altLang="zh-CN" dirty="0" smtClean="0"/>
+              <a:t>B2</a:t>
+            </a:r>
+            <a:endParaRPr lang="zh-CN" altLang="en-US" dirty="0"/>
+          </a:p>
+        </p:txBody>
+      </p:sp>
+      <p:sp>
+        <p:nvSpPr>
+          <p:cNvPr id="130" name="矩形 129"/>
+          <p:cNvSpPr/>
+          <p:nvPr/>
+        </p:nvSpPr>
+        <p:spPr>
+          <a:xfrm>
+            <a:off x="8693624" y="3941803"/>
+            <a:ext cx="627796" cy="210445"/>
+          </a:xfrm>
+          <a:prstGeom prst="rect">
+            <a:avLst/>
+          </a:prstGeom>
+        </p:spPr>
+        <p:style>
+          <a:lnRef idx="2">
+            <a:schemeClr val="dk1"/>
+          </a:lnRef>
+          <a:fillRef idx="1">
+            <a:schemeClr val="lt1"/>
+          </a:fillRef>
+          <a:effectRef idx="0">
+            <a:schemeClr val="dk1"/>
+          </a:effectRef>
+          <a:fontRef idx="minor">
+            <a:schemeClr val="dk1"/>
+          </a:fontRef>
+        </p:style>
+        <p:txBody>
+          <a:bodyPr rtlCol="0" anchor="ctr"/>
+          <a:lstStyle/>
+          <a:p>
+            <a:pPr algn="ctr"/>
+            <a:r>
+              <a:rPr lang="en-US" altLang="zh-CN" dirty="0" smtClean="0"/>
+              <a:t>M7</a:t>
+            </a:r>
+            <a:endParaRPr lang="zh-CN" altLang="en-US" dirty="0"/>
+          </a:p>
+        </p:txBody>
+      </p:sp>
+      <p:sp>
+        <p:nvSpPr>
+          <p:cNvPr id="131" name="矩形 130"/>
+          <p:cNvSpPr/>
+          <p:nvPr/>
+        </p:nvSpPr>
+        <p:spPr>
+          <a:xfrm>
+            <a:off x="8693624" y="4140077"/>
+            <a:ext cx="627796" cy="210445"/>
+          </a:xfrm>
+          <a:prstGeom prst="rect">
+            <a:avLst/>
+          </a:prstGeom>
+        </p:spPr>
+        <p:style>
+          <a:lnRef idx="2">
+            <a:schemeClr val="dk1"/>
+          </a:lnRef>
+          <a:fillRef idx="1">
+            <a:schemeClr val="lt1"/>
+          </a:fillRef>
+          <a:effectRef idx="0">
+            <a:schemeClr val="dk1"/>
+          </a:effectRef>
+          <a:fontRef idx="minor">
+            <a:schemeClr val="dk1"/>
+          </a:fontRef>
+        </p:style>
+        <p:txBody>
+          <a:bodyPr rtlCol="0" anchor="ctr"/>
+          <a:lstStyle/>
+          <a:p>
+            <a:pPr algn="ctr"/>
+            <a:r>
+              <a:rPr lang="en-US" altLang="zh-CN" dirty="0" smtClean="0"/>
+              <a:t>M5</a:t>
+            </a:r>
+            <a:endParaRPr lang="zh-CN" altLang="en-US" dirty="0"/>
+          </a:p>
+        </p:txBody>
+      </p:sp>
+      <p:sp>
+        <p:nvSpPr>
+          <p:cNvPr id="132" name="矩形 131"/>
+          <p:cNvSpPr/>
+          <p:nvPr/>
+        </p:nvSpPr>
+        <p:spPr>
+          <a:xfrm>
+            <a:off x="8693624" y="4352833"/>
+            <a:ext cx="627796" cy="210445"/>
+          </a:xfrm>
+          <a:prstGeom prst="rect">
+            <a:avLst/>
+          </a:prstGeom>
+        </p:spPr>
+        <p:style>
+          <a:lnRef idx="2">
+            <a:schemeClr val="dk1"/>
+          </a:lnRef>
+          <a:fillRef idx="1">
+            <a:schemeClr val="lt1"/>
+          </a:fillRef>
+          <a:effectRef idx="0">
+            <a:schemeClr val="dk1"/>
+          </a:effectRef>
+          <a:fontRef idx="minor">
+            <a:schemeClr val="dk1"/>
+          </a:fontRef>
+        </p:style>
+        <p:txBody>
+          <a:bodyPr rtlCol="0" anchor="ctr"/>
+          <a:lstStyle/>
+          <a:p>
+            <a:pPr algn="ctr"/>
+            <a:r>
+              <a:rPr lang="en-US" altLang="zh-CN" dirty="0" smtClean="0"/>
+              <a:t>M3</a:t>
+            </a:r>
+            <a:endParaRPr lang="zh-CN" altLang="en-US" dirty="0"/>
+          </a:p>
+        </p:txBody>
+      </p:sp>
+      <p:sp>
+        <p:nvSpPr>
+          <p:cNvPr id="133" name="矩形 132"/>
+          <p:cNvSpPr/>
+          <p:nvPr/>
+        </p:nvSpPr>
+        <p:spPr>
+          <a:xfrm>
+            <a:off x="8693624" y="4563278"/>
+            <a:ext cx="627796" cy="210445"/>
+          </a:xfrm>
+          <a:prstGeom prst="rect">
+            <a:avLst/>
+          </a:prstGeom>
+        </p:spPr>
+        <p:style>
+          <a:lnRef idx="2">
+            <a:schemeClr val="dk1"/>
+          </a:lnRef>
+          <a:fillRef idx="1">
+            <a:schemeClr val="lt1"/>
+          </a:fillRef>
+          <a:effectRef idx="0">
+            <a:schemeClr val="dk1"/>
+          </a:effectRef>
+          <a:fontRef idx="minor">
+            <a:schemeClr val="dk1"/>
+          </a:fontRef>
+        </p:style>
+        <p:txBody>
+          <a:bodyPr rtlCol="0" anchor="ctr"/>
+          <a:lstStyle/>
+          <a:p>
+            <a:pPr algn="ctr"/>
+            <a:r>
+              <a:rPr lang="en-US" altLang="zh-CN" dirty="0" smtClean="0"/>
+              <a:t>M1</a:t>
+            </a:r>
+            <a:endParaRPr lang="zh-CN" altLang="en-US" dirty="0"/>
+          </a:p>
+        </p:txBody>
+      </p:sp>
+      <p:sp>
+        <p:nvSpPr>
+          <p:cNvPr id="134" name="矩形 133"/>
+          <p:cNvSpPr/>
+          <p:nvPr/>
+        </p:nvSpPr>
+        <p:spPr>
+          <a:xfrm>
+            <a:off x="10153916" y="3941803"/>
+            <a:ext cx="627796" cy="210445"/>
+          </a:xfrm>
+          <a:prstGeom prst="rect">
+            <a:avLst/>
+          </a:prstGeom>
+        </p:spPr>
+        <p:style>
+          <a:lnRef idx="2">
+            <a:schemeClr val="dk1"/>
+          </a:lnRef>
+          <a:fillRef idx="1">
+            <a:schemeClr val="lt1"/>
+          </a:fillRef>
+          <a:effectRef idx="0">
+            <a:schemeClr val="dk1"/>
+          </a:effectRef>
+          <a:fontRef idx="minor">
+            <a:schemeClr val="dk1"/>
+          </a:fontRef>
+        </p:style>
+        <p:txBody>
+          <a:bodyPr rtlCol="0" anchor="ctr"/>
+          <a:lstStyle/>
+          <a:p>
+            <a:pPr algn="ctr"/>
+            <a:r>
+              <a:rPr lang="en-US" altLang="zh-CN" dirty="0" smtClean="0"/>
+              <a:t>M8</a:t>
+            </a:r>
+            <a:endParaRPr lang="zh-CN" altLang="en-US" dirty="0"/>
+          </a:p>
+        </p:txBody>
+      </p:sp>
+      <p:sp>
+        <p:nvSpPr>
+          <p:cNvPr id="135" name="矩形 134"/>
+          <p:cNvSpPr/>
+          <p:nvPr/>
+        </p:nvSpPr>
+        <p:spPr>
+          <a:xfrm>
+            <a:off x="10153916" y="4140077"/>
+            <a:ext cx="627796" cy="210445"/>
+          </a:xfrm>
+          <a:prstGeom prst="rect">
+            <a:avLst/>
+          </a:prstGeom>
+        </p:spPr>
+        <p:style>
+          <a:lnRef idx="2">
+            <a:schemeClr val="dk1"/>
+          </a:lnRef>
+          <a:fillRef idx="1">
+            <a:schemeClr val="lt1"/>
+          </a:fillRef>
+          <a:effectRef idx="0">
+            <a:schemeClr val="dk1"/>
+          </a:effectRef>
+          <a:fontRef idx="minor">
+            <a:schemeClr val="dk1"/>
+          </a:fontRef>
+        </p:style>
+        <p:txBody>
+          <a:bodyPr rtlCol="0" anchor="ctr"/>
+          <a:lstStyle/>
+          <a:p>
+            <a:pPr algn="ctr"/>
+            <a:r>
+              <a:rPr lang="en-US" altLang="zh-CN" dirty="0" smtClean="0"/>
+              <a:t>M6</a:t>
+            </a:r>
+            <a:endParaRPr lang="zh-CN" altLang="en-US" dirty="0"/>
+          </a:p>
+        </p:txBody>
+      </p:sp>
+      <p:sp>
+        <p:nvSpPr>
+          <p:cNvPr id="136" name="矩形 135"/>
+          <p:cNvSpPr/>
+          <p:nvPr/>
+        </p:nvSpPr>
+        <p:spPr>
+          <a:xfrm>
+            <a:off x="10153916" y="4352833"/>
+            <a:ext cx="627796" cy="210445"/>
+          </a:xfrm>
+          <a:prstGeom prst="rect">
+            <a:avLst/>
+          </a:prstGeom>
+        </p:spPr>
+        <p:style>
+          <a:lnRef idx="2">
+            <a:schemeClr val="dk1"/>
+          </a:lnRef>
+          <a:fillRef idx="1">
+            <a:schemeClr val="lt1"/>
+          </a:fillRef>
+          <a:effectRef idx="0">
+            <a:schemeClr val="dk1"/>
+          </a:effectRef>
+          <a:fontRef idx="minor">
+            <a:schemeClr val="dk1"/>
+          </a:fontRef>
+        </p:style>
+        <p:txBody>
+          <a:bodyPr rtlCol="0" anchor="ctr"/>
+          <a:lstStyle/>
+          <a:p>
+            <a:pPr algn="ctr"/>
+            <a:r>
+              <a:rPr lang="en-US" altLang="zh-CN" dirty="0" smtClean="0"/>
+              <a:t>M4</a:t>
+            </a:r>
+            <a:endParaRPr lang="zh-CN" altLang="en-US" dirty="0"/>
+          </a:p>
+        </p:txBody>
+      </p:sp>
+      <p:sp>
+        <p:nvSpPr>
+          <p:cNvPr id="137" name="矩形 136"/>
+          <p:cNvSpPr/>
+          <p:nvPr/>
+        </p:nvSpPr>
+        <p:spPr>
+          <a:xfrm>
+            <a:off x="10153916" y="4563278"/>
+            <a:ext cx="627796" cy="210445"/>
+          </a:xfrm>
+          <a:prstGeom prst="rect">
+            <a:avLst/>
+          </a:prstGeom>
+        </p:spPr>
+        <p:style>
+          <a:lnRef idx="2">
+            <a:schemeClr val="dk1"/>
+          </a:lnRef>
+          <a:fillRef idx="1">
+            <a:schemeClr val="lt1"/>
+          </a:fillRef>
+          <a:effectRef idx="0">
+            <a:schemeClr val="dk1"/>
+          </a:effectRef>
+          <a:fontRef idx="minor">
+            <a:schemeClr val="dk1"/>
+          </a:fontRef>
+        </p:style>
+        <p:txBody>
+          <a:bodyPr rtlCol="0" anchor="ctr"/>
+          <a:lstStyle/>
+          <a:p>
+            <a:pPr algn="ctr"/>
+            <a:r>
+              <a:rPr lang="en-US" altLang="zh-CN" dirty="0" smtClean="0"/>
+              <a:t>M2</a:t>
+            </a:r>
+            <a:endParaRPr lang="zh-CN" altLang="en-US" dirty="0"/>
+          </a:p>
+        </p:txBody>
+      </p:sp>
+    </p:spTree>
+    <p:extLst>
+      <p:ext uri="{BB962C8B-B14F-4D97-AF65-F5344CB8AC3E}">
+        <p14:creationId xmlns:p14="http://schemas.microsoft.com/office/powerpoint/2010/main" val="2634503879"/>
+      </p:ext>
+    </p:extLst>
+  </p:cSld>
+  <p:clrMapOvr>
+    <a:masterClrMapping/>
+  </p:clrMapOvr>
+</p:sld>
+</file>
+
+<file path=ppt/slides/slide12.xml><?xml version="1.0" encoding="utf-8"?>
+<p:sld xmlns:a="http://schemas.openxmlformats.org/drawingml/2006/main" xmlns:r="http://schemas.openxmlformats.org/officeDocument/2006/relationships" xmlns:p="http://schemas.openxmlformats.org/presentationml/2006/main">
+  <p:cSld>
+    <p:spTree>
+      <p:nvGrpSpPr>
+        <p:cNvPr id="1" name=""/>
+        <p:cNvGrpSpPr/>
+        <p:nvPr/>
+      </p:nvGrpSpPr>
+      <p:grpSpPr>
+        <a:xfrm>
+          <a:off x="0" y="0"/>
+          <a:ext cx="0" cy="0"/>
+          <a:chOff x="0" y="0"/>
+          <a:chExt cx="0" cy="0"/>
+        </a:xfrm>
+      </p:grpSpPr>
+      <p:cxnSp>
+        <p:nvCxnSpPr>
+          <p:cNvPr id="3" name="直接箭头连接符 2"/>
+          <p:cNvCxnSpPr/>
+          <p:nvPr/>
+        </p:nvCxnSpPr>
+        <p:spPr>
+          <a:xfrm>
+            <a:off x="1333500" y="512231"/>
+            <a:ext cx="0" cy="2522220"/>
+          </a:xfrm>
+          <a:prstGeom prst="straightConnector1">
+            <a:avLst/>
+          </a:prstGeom>
+          <a:ln>
+            <a:tailEnd type="triangle"/>
+          </a:ln>
+        </p:spPr>
+        <p:style>
+          <a:lnRef idx="1">
+            <a:schemeClr val="dk1"/>
+          </a:lnRef>
+          <a:fillRef idx="0">
+            <a:schemeClr val="dk1"/>
+          </a:fillRef>
+          <a:effectRef idx="0">
+            <a:schemeClr val="dk1"/>
+          </a:effectRef>
+          <a:fontRef idx="minor">
+            <a:schemeClr val="tx1"/>
+          </a:fontRef>
+        </p:style>
+      </p:cxnSp>
+      <p:sp>
+        <p:nvSpPr>
+          <p:cNvPr id="4" name="矩形 3"/>
+          <p:cNvSpPr/>
+          <p:nvPr/>
+        </p:nvSpPr>
+        <p:spPr>
+          <a:xfrm>
+            <a:off x="1333500" y="923006"/>
+            <a:ext cx="627796" cy="210445"/>
+          </a:xfrm>
+          <a:prstGeom prst="rect">
+            <a:avLst/>
+          </a:prstGeom>
+        </p:spPr>
+        <p:style>
+          <a:lnRef idx="2">
+            <a:schemeClr val="dk1"/>
+          </a:lnRef>
+          <a:fillRef idx="1">
+            <a:schemeClr val="lt1"/>
+          </a:fillRef>
+          <a:effectRef idx="0">
+            <a:schemeClr val="dk1"/>
+          </a:effectRef>
+          <a:fontRef idx="minor">
+            <a:schemeClr val="dk1"/>
+          </a:fontRef>
+        </p:style>
+        <p:txBody>
+          <a:bodyPr rtlCol="0" anchor="ctr"/>
+          <a:lstStyle/>
+          <a:p>
+            <a:pPr algn="ctr"/>
+            <a:r>
+              <a:rPr lang="en-US" altLang="zh-CN" dirty="0" smtClean="0"/>
+              <a:t>M8</a:t>
+            </a:r>
+            <a:endParaRPr lang="zh-CN" altLang="en-US" dirty="0"/>
+          </a:p>
+        </p:txBody>
+      </p:sp>
+      <p:sp>
+        <p:nvSpPr>
+          <p:cNvPr id="5" name="矩形 4"/>
+          <p:cNvSpPr/>
+          <p:nvPr/>
+        </p:nvSpPr>
+        <p:spPr>
+          <a:xfrm>
+            <a:off x="1333500" y="1136573"/>
+            <a:ext cx="627796" cy="210445"/>
+          </a:xfrm>
+          <a:prstGeom prst="rect">
+            <a:avLst/>
+          </a:prstGeom>
+        </p:spPr>
+        <p:style>
+          <a:lnRef idx="2">
+            <a:schemeClr val="dk1"/>
+          </a:lnRef>
+          <a:fillRef idx="1">
+            <a:schemeClr val="lt1"/>
+          </a:fillRef>
+          <a:effectRef idx="0">
+            <a:schemeClr val="dk1"/>
+          </a:effectRef>
+          <a:fontRef idx="minor">
+            <a:schemeClr val="dk1"/>
+          </a:fontRef>
+        </p:style>
+        <p:txBody>
+          <a:bodyPr rtlCol="0" anchor="ctr"/>
+          <a:lstStyle/>
+          <a:p>
+            <a:pPr algn="ctr"/>
+            <a:r>
+              <a:rPr lang="en-US" altLang="zh-CN" dirty="0" smtClean="0"/>
+              <a:t>M7</a:t>
+            </a:r>
+            <a:endParaRPr lang="zh-CN" altLang="en-US" dirty="0"/>
+          </a:p>
+        </p:txBody>
+      </p:sp>
+      <p:sp>
+        <p:nvSpPr>
+          <p:cNvPr id="6" name="矩形 5"/>
+          <p:cNvSpPr/>
+          <p:nvPr/>
+        </p:nvSpPr>
+        <p:spPr>
+          <a:xfrm>
+            <a:off x="1333500" y="1349329"/>
+            <a:ext cx="627796" cy="210445"/>
+          </a:xfrm>
+          <a:prstGeom prst="rect">
+            <a:avLst/>
+          </a:prstGeom>
+        </p:spPr>
+        <p:style>
+          <a:lnRef idx="2">
+            <a:schemeClr val="dk1"/>
+          </a:lnRef>
+          <a:fillRef idx="1">
+            <a:schemeClr val="lt1"/>
+          </a:fillRef>
+          <a:effectRef idx="0">
+            <a:schemeClr val="dk1"/>
+          </a:effectRef>
+          <a:fontRef idx="minor">
+            <a:schemeClr val="dk1"/>
+          </a:fontRef>
+        </p:style>
+        <p:txBody>
+          <a:bodyPr rtlCol="0" anchor="ctr"/>
+          <a:lstStyle/>
+          <a:p>
+            <a:pPr algn="ctr"/>
+            <a:r>
+              <a:rPr lang="en-US" altLang="zh-CN" dirty="0" smtClean="0"/>
+              <a:t>M6</a:t>
+            </a:r>
+            <a:endParaRPr lang="zh-CN" altLang="en-US" dirty="0"/>
+          </a:p>
+        </p:txBody>
+      </p:sp>
+      <p:sp>
+        <p:nvSpPr>
+          <p:cNvPr id="7" name="矩形 6"/>
+          <p:cNvSpPr/>
+          <p:nvPr/>
+        </p:nvSpPr>
+        <p:spPr>
+          <a:xfrm>
+            <a:off x="1333500" y="1562896"/>
+            <a:ext cx="627796" cy="210445"/>
+          </a:xfrm>
+          <a:prstGeom prst="rect">
+            <a:avLst/>
+          </a:prstGeom>
+        </p:spPr>
+        <p:style>
+          <a:lnRef idx="2">
+            <a:schemeClr val="dk1"/>
+          </a:lnRef>
+          <a:fillRef idx="1">
+            <a:schemeClr val="lt1"/>
+          </a:fillRef>
+          <a:effectRef idx="0">
+            <a:schemeClr val="dk1"/>
+          </a:effectRef>
+          <a:fontRef idx="minor">
+            <a:schemeClr val="dk1"/>
+          </a:fontRef>
+        </p:style>
+        <p:txBody>
+          <a:bodyPr rtlCol="0" anchor="ctr"/>
+          <a:lstStyle/>
+          <a:p>
+            <a:pPr algn="ctr"/>
+            <a:r>
+              <a:rPr lang="en-US" altLang="zh-CN" dirty="0" smtClean="0"/>
+              <a:t>M5</a:t>
+            </a:r>
+            <a:endParaRPr lang="zh-CN" altLang="en-US" dirty="0"/>
+          </a:p>
+        </p:txBody>
+      </p:sp>
+      <p:sp>
+        <p:nvSpPr>
+          <p:cNvPr id="8" name="矩形 7"/>
+          <p:cNvSpPr/>
+          <p:nvPr/>
+        </p:nvSpPr>
+        <p:spPr>
+          <a:xfrm>
+            <a:off x="1333500" y="1773341"/>
+            <a:ext cx="627796" cy="210445"/>
+          </a:xfrm>
+          <a:prstGeom prst="rect">
+            <a:avLst/>
+          </a:prstGeom>
+        </p:spPr>
+        <p:style>
+          <a:lnRef idx="2">
+            <a:schemeClr val="dk1"/>
+          </a:lnRef>
+          <a:fillRef idx="1">
+            <a:schemeClr val="lt1"/>
+          </a:fillRef>
+          <a:effectRef idx="0">
+            <a:schemeClr val="dk1"/>
+          </a:effectRef>
+          <a:fontRef idx="minor">
+            <a:schemeClr val="dk1"/>
+          </a:fontRef>
+        </p:style>
+        <p:txBody>
+          <a:bodyPr rtlCol="0" anchor="ctr"/>
+          <a:lstStyle/>
+          <a:p>
+            <a:pPr algn="ctr"/>
+            <a:r>
+              <a:rPr lang="en-US" altLang="zh-CN" dirty="0" smtClean="0"/>
+              <a:t>M4</a:t>
+            </a:r>
+            <a:endParaRPr lang="zh-CN" altLang="en-US" dirty="0"/>
+          </a:p>
+        </p:txBody>
+      </p:sp>
+      <p:sp>
+        <p:nvSpPr>
+          <p:cNvPr id="9" name="矩形 8"/>
+          <p:cNvSpPr/>
+          <p:nvPr/>
+        </p:nvSpPr>
+        <p:spPr>
+          <a:xfrm>
+            <a:off x="1333500" y="1971615"/>
+            <a:ext cx="627796" cy="210445"/>
+          </a:xfrm>
+          <a:prstGeom prst="rect">
+            <a:avLst/>
+          </a:prstGeom>
+        </p:spPr>
+        <p:style>
+          <a:lnRef idx="2">
+            <a:schemeClr val="dk1"/>
+          </a:lnRef>
+          <a:fillRef idx="1">
+            <a:schemeClr val="lt1"/>
+          </a:fillRef>
+          <a:effectRef idx="0">
+            <a:schemeClr val="dk1"/>
+          </a:effectRef>
+          <a:fontRef idx="minor">
+            <a:schemeClr val="dk1"/>
+          </a:fontRef>
+        </p:style>
+        <p:txBody>
+          <a:bodyPr rtlCol="0" anchor="ctr"/>
+          <a:lstStyle/>
+          <a:p>
+            <a:pPr algn="ctr"/>
+            <a:r>
+              <a:rPr lang="en-US" altLang="zh-CN" dirty="0" smtClean="0"/>
+              <a:t>M3</a:t>
+            </a:r>
+            <a:endParaRPr lang="zh-CN" altLang="en-US" dirty="0"/>
+          </a:p>
+        </p:txBody>
+      </p:sp>
+      <p:sp>
+        <p:nvSpPr>
+          <p:cNvPr id="10" name="矩形 9"/>
+          <p:cNvSpPr/>
+          <p:nvPr/>
+        </p:nvSpPr>
+        <p:spPr>
+          <a:xfrm>
+            <a:off x="1333500" y="2184371"/>
+            <a:ext cx="627796" cy="210445"/>
+          </a:xfrm>
+          <a:prstGeom prst="rect">
+            <a:avLst/>
+          </a:prstGeom>
+        </p:spPr>
+        <p:style>
+          <a:lnRef idx="2">
+            <a:schemeClr val="dk1"/>
+          </a:lnRef>
+          <a:fillRef idx="1">
+            <a:schemeClr val="lt1"/>
+          </a:fillRef>
+          <a:effectRef idx="0">
+            <a:schemeClr val="dk1"/>
+          </a:effectRef>
+          <a:fontRef idx="minor">
+            <a:schemeClr val="dk1"/>
+          </a:fontRef>
+        </p:style>
+        <p:txBody>
+          <a:bodyPr rtlCol="0" anchor="ctr"/>
+          <a:lstStyle/>
+          <a:p>
+            <a:pPr algn="ctr"/>
+            <a:r>
+              <a:rPr lang="en-US" altLang="zh-CN" dirty="0" smtClean="0"/>
+              <a:t>M2</a:t>
+            </a:r>
+            <a:endParaRPr lang="zh-CN" altLang="en-US" dirty="0"/>
+          </a:p>
+        </p:txBody>
+      </p:sp>
+      <p:sp>
+        <p:nvSpPr>
+          <p:cNvPr id="11" name="矩形 10"/>
+          <p:cNvSpPr/>
+          <p:nvPr/>
+        </p:nvSpPr>
+        <p:spPr>
+          <a:xfrm>
+            <a:off x="1333500" y="2394816"/>
+            <a:ext cx="627796" cy="210445"/>
+          </a:xfrm>
+          <a:prstGeom prst="rect">
+            <a:avLst/>
+          </a:prstGeom>
+        </p:spPr>
+        <p:style>
+          <a:lnRef idx="2">
+            <a:schemeClr val="dk1"/>
+          </a:lnRef>
+          <a:fillRef idx="1">
+            <a:schemeClr val="lt1"/>
+          </a:fillRef>
+          <a:effectRef idx="0">
+            <a:schemeClr val="dk1"/>
+          </a:effectRef>
+          <a:fontRef idx="minor">
+            <a:schemeClr val="dk1"/>
+          </a:fontRef>
+        </p:style>
+        <p:txBody>
+          <a:bodyPr rtlCol="0" anchor="ctr"/>
+          <a:lstStyle/>
+          <a:p>
+            <a:pPr algn="ctr"/>
+            <a:r>
+              <a:rPr lang="en-US" altLang="zh-CN" dirty="0" smtClean="0"/>
+              <a:t>M1</a:t>
+            </a:r>
+            <a:endParaRPr lang="zh-CN" altLang="en-US" dirty="0"/>
+          </a:p>
+        </p:txBody>
+      </p:sp>
+      <p:cxnSp>
+        <p:nvCxnSpPr>
+          <p:cNvPr id="19" name="直接箭头连接符 18"/>
+          <p:cNvCxnSpPr>
+            <a:stCxn id="4" idx="3"/>
+          </p:cNvCxnSpPr>
+          <p:nvPr/>
+        </p:nvCxnSpPr>
+        <p:spPr>
+          <a:xfrm flipV="1">
+            <a:off x="1961296" y="1028228"/>
+            <a:ext cx="705704" cy="1"/>
+          </a:xfrm>
+          <a:prstGeom prst="straightConnector1">
+            <a:avLst/>
+          </a:prstGeom>
+          <a:ln>
+            <a:tailEnd type="triangle"/>
+          </a:ln>
+        </p:spPr>
+        <p:style>
+          <a:lnRef idx="1">
+            <a:schemeClr val="dk1"/>
+          </a:lnRef>
+          <a:fillRef idx="0">
+            <a:schemeClr val="dk1"/>
+          </a:fillRef>
+          <a:effectRef idx="0">
+            <a:schemeClr val="dk1"/>
+          </a:effectRef>
+          <a:fontRef idx="minor">
+            <a:schemeClr val="tx1"/>
+          </a:fontRef>
+        </p:style>
+      </p:cxnSp>
+      <p:cxnSp>
+        <p:nvCxnSpPr>
+          <p:cNvPr id="21" name="直接箭头连接符 20"/>
+          <p:cNvCxnSpPr>
+            <a:stCxn id="5" idx="3"/>
+          </p:cNvCxnSpPr>
+          <p:nvPr/>
+        </p:nvCxnSpPr>
+        <p:spPr>
+          <a:xfrm flipV="1">
+            <a:off x="1961296" y="1241795"/>
+            <a:ext cx="705704" cy="1"/>
+          </a:xfrm>
+          <a:prstGeom prst="straightConnector1">
+            <a:avLst/>
+          </a:prstGeom>
+          <a:ln>
+            <a:tailEnd type="triangle"/>
+          </a:ln>
+        </p:spPr>
+        <p:style>
+          <a:lnRef idx="1">
+            <a:schemeClr val="dk1"/>
+          </a:lnRef>
+          <a:fillRef idx="0">
+            <a:schemeClr val="dk1"/>
+          </a:fillRef>
+          <a:effectRef idx="0">
+            <a:schemeClr val="dk1"/>
+          </a:effectRef>
+          <a:fontRef idx="minor">
+            <a:schemeClr val="tx1"/>
+          </a:fontRef>
+        </p:style>
+      </p:cxnSp>
+      <p:cxnSp>
+        <p:nvCxnSpPr>
+          <p:cNvPr id="23" name="直接箭头连接符 22"/>
+          <p:cNvCxnSpPr>
+            <a:stCxn id="6" idx="3"/>
+          </p:cNvCxnSpPr>
+          <p:nvPr/>
+        </p:nvCxnSpPr>
+        <p:spPr>
+          <a:xfrm flipV="1">
+            <a:off x="1961296" y="1454551"/>
+            <a:ext cx="705704" cy="1"/>
+          </a:xfrm>
+          <a:prstGeom prst="straightConnector1">
+            <a:avLst/>
+          </a:prstGeom>
+          <a:ln>
+            <a:tailEnd type="triangle"/>
+          </a:ln>
+        </p:spPr>
+        <p:style>
+          <a:lnRef idx="1">
+            <a:schemeClr val="dk1"/>
+          </a:lnRef>
+          <a:fillRef idx="0">
+            <a:schemeClr val="dk1"/>
+          </a:fillRef>
+          <a:effectRef idx="0">
+            <a:schemeClr val="dk1"/>
+          </a:effectRef>
+          <a:fontRef idx="minor">
+            <a:schemeClr val="tx1"/>
+          </a:fontRef>
+        </p:style>
+      </p:cxnSp>
+      <p:cxnSp>
+        <p:nvCxnSpPr>
+          <p:cNvPr id="25" name="直接箭头连接符 24"/>
+          <p:cNvCxnSpPr>
+            <a:stCxn id="9" idx="3"/>
+          </p:cNvCxnSpPr>
+          <p:nvPr/>
+        </p:nvCxnSpPr>
+        <p:spPr>
+          <a:xfrm flipV="1">
+            <a:off x="1961296" y="2076837"/>
+            <a:ext cx="705704" cy="1"/>
+          </a:xfrm>
+          <a:prstGeom prst="straightConnector1">
+            <a:avLst/>
+          </a:prstGeom>
+          <a:ln>
+            <a:tailEnd type="triangle"/>
+          </a:ln>
+        </p:spPr>
+        <p:style>
+          <a:lnRef idx="1">
+            <a:schemeClr val="dk1"/>
+          </a:lnRef>
+          <a:fillRef idx="0">
+            <a:schemeClr val="dk1"/>
+          </a:fillRef>
+          <a:effectRef idx="0">
+            <a:schemeClr val="dk1"/>
+          </a:effectRef>
+          <a:fontRef idx="minor">
+            <a:schemeClr val="tx1"/>
+          </a:fontRef>
+        </p:style>
+      </p:cxnSp>
+      <p:cxnSp>
+        <p:nvCxnSpPr>
+          <p:cNvPr id="27" name="直接箭头连接符 26"/>
+          <p:cNvCxnSpPr>
+            <a:stCxn id="10" idx="3"/>
+          </p:cNvCxnSpPr>
+          <p:nvPr/>
+        </p:nvCxnSpPr>
+        <p:spPr>
+          <a:xfrm flipV="1">
+            <a:off x="1961296" y="2287282"/>
+            <a:ext cx="705704" cy="2312"/>
+          </a:xfrm>
+          <a:prstGeom prst="straightConnector1">
+            <a:avLst/>
+          </a:prstGeom>
+          <a:ln>
+            <a:tailEnd type="triangle"/>
+          </a:ln>
+        </p:spPr>
+        <p:style>
+          <a:lnRef idx="1">
+            <a:schemeClr val="dk1"/>
+          </a:lnRef>
+          <a:fillRef idx="0">
+            <a:schemeClr val="dk1"/>
+          </a:fillRef>
+          <a:effectRef idx="0">
+            <a:schemeClr val="dk1"/>
+          </a:effectRef>
+          <a:fontRef idx="minor">
+            <a:schemeClr val="tx1"/>
+          </a:fontRef>
+        </p:style>
+      </p:cxnSp>
+      <p:cxnSp>
+        <p:nvCxnSpPr>
+          <p:cNvPr id="29" name="直接箭头连接符 28"/>
+          <p:cNvCxnSpPr>
+            <a:stCxn id="11" idx="3"/>
+          </p:cNvCxnSpPr>
+          <p:nvPr/>
+        </p:nvCxnSpPr>
+        <p:spPr>
+          <a:xfrm flipV="1">
+            <a:off x="1961296" y="2498882"/>
+            <a:ext cx="705704" cy="1157"/>
+          </a:xfrm>
+          <a:prstGeom prst="straightConnector1">
+            <a:avLst/>
+          </a:prstGeom>
+          <a:ln>
+            <a:tailEnd type="triangle"/>
+          </a:ln>
+        </p:spPr>
+        <p:style>
+          <a:lnRef idx="1">
+            <a:schemeClr val="dk1"/>
+          </a:lnRef>
+          <a:fillRef idx="0">
+            <a:schemeClr val="dk1"/>
+          </a:fillRef>
+          <a:effectRef idx="0">
+            <a:schemeClr val="dk1"/>
+          </a:effectRef>
+          <a:fontRef idx="minor">
+            <a:schemeClr val="tx1"/>
+          </a:fontRef>
+        </p:style>
+      </p:cxnSp>
+      <p:sp>
+        <p:nvSpPr>
+          <p:cNvPr id="30" name="矩形 29"/>
+          <p:cNvSpPr/>
+          <p:nvPr/>
+        </p:nvSpPr>
+        <p:spPr>
+          <a:xfrm>
+            <a:off x="2667000" y="923006"/>
+            <a:ext cx="1352550" cy="636768"/>
+          </a:xfrm>
+          <a:prstGeom prst="rect">
+            <a:avLst/>
+          </a:prstGeom>
+        </p:spPr>
+        <p:style>
+          <a:lnRef idx="2">
+            <a:schemeClr val="dk1"/>
+          </a:lnRef>
+          <a:fillRef idx="1">
+            <a:schemeClr val="lt1"/>
+          </a:fillRef>
+          <a:effectRef idx="0">
+            <a:schemeClr val="dk1"/>
+          </a:effectRef>
+          <a:fontRef idx="minor">
+            <a:schemeClr val="dk1"/>
+          </a:fontRef>
+        </p:style>
+        <p:txBody>
+          <a:bodyPr rtlCol="0" anchor="ctr"/>
+          <a:lstStyle/>
+          <a:p>
+            <a:pPr algn="ctr"/>
+            <a:r>
+              <a:rPr lang="zh-CN" altLang="en-US" dirty="0" smtClean="0"/>
+              <a:t>消息接收者</a:t>
+            </a:r>
+            <a:endParaRPr lang="en-US" altLang="zh-CN" dirty="0" smtClean="0"/>
+          </a:p>
+          <a:p>
+            <a:pPr algn="ctr"/>
+            <a:r>
+              <a:rPr lang="en-US" altLang="zh-CN" dirty="0" smtClean="0"/>
+              <a:t>alive</a:t>
+            </a:r>
+            <a:endParaRPr lang="zh-CN" altLang="en-US" dirty="0"/>
+          </a:p>
+        </p:txBody>
+      </p:sp>
+      <p:sp>
+        <p:nvSpPr>
+          <p:cNvPr id="31" name="矩形 30"/>
+          <p:cNvSpPr/>
+          <p:nvPr/>
+        </p:nvSpPr>
+        <p:spPr>
+          <a:xfrm>
+            <a:off x="2667000" y="1971615"/>
+            <a:ext cx="1352550" cy="636768"/>
+          </a:xfrm>
+          <a:prstGeom prst="rect">
+            <a:avLst/>
+          </a:prstGeom>
+        </p:spPr>
+        <p:style>
+          <a:lnRef idx="2">
+            <a:schemeClr val="dk1"/>
+          </a:lnRef>
+          <a:fillRef idx="1">
+            <a:schemeClr val="lt1"/>
+          </a:fillRef>
+          <a:effectRef idx="0">
+            <a:schemeClr val="dk1"/>
+          </a:effectRef>
+          <a:fontRef idx="minor">
+            <a:schemeClr val="dk1"/>
+          </a:fontRef>
+        </p:style>
+        <p:txBody>
+          <a:bodyPr rtlCol="0" anchor="ctr"/>
+          <a:lstStyle/>
+          <a:p>
+            <a:pPr algn="ctr"/>
+            <a:r>
+              <a:rPr lang="zh-CN" altLang="en-US" dirty="0" smtClean="0"/>
+              <a:t>消息接收者</a:t>
+            </a:r>
+            <a:endParaRPr lang="en-US" altLang="zh-CN" dirty="0" smtClean="0"/>
+          </a:p>
+          <a:p>
+            <a:pPr algn="ctr"/>
+            <a:r>
+              <a:rPr lang="en-US" altLang="zh-CN" dirty="0" smtClean="0"/>
+              <a:t>alive</a:t>
+            </a:r>
+            <a:endParaRPr lang="zh-CN" altLang="en-US" dirty="0"/>
+          </a:p>
+        </p:txBody>
+      </p:sp>
+      <p:cxnSp>
+        <p:nvCxnSpPr>
+          <p:cNvPr id="32" name="直接箭头连接符 31"/>
+          <p:cNvCxnSpPr/>
+          <p:nvPr/>
+        </p:nvCxnSpPr>
+        <p:spPr>
+          <a:xfrm>
+            <a:off x="5353049" y="522179"/>
+            <a:ext cx="0" cy="2522220"/>
+          </a:xfrm>
+          <a:prstGeom prst="straightConnector1">
+            <a:avLst/>
+          </a:prstGeom>
+          <a:ln>
+            <a:tailEnd type="triangle"/>
+          </a:ln>
+        </p:spPr>
+        <p:style>
+          <a:lnRef idx="1">
+            <a:schemeClr val="dk1"/>
+          </a:lnRef>
+          <a:fillRef idx="0">
+            <a:schemeClr val="dk1"/>
+          </a:fillRef>
+          <a:effectRef idx="0">
+            <a:schemeClr val="dk1"/>
+          </a:effectRef>
+          <a:fontRef idx="minor">
+            <a:schemeClr val="tx1"/>
+          </a:fontRef>
+        </p:style>
+      </p:cxnSp>
+      <p:sp>
+        <p:nvSpPr>
+          <p:cNvPr id="33" name="矩形 32"/>
+          <p:cNvSpPr/>
+          <p:nvPr/>
+        </p:nvSpPr>
+        <p:spPr>
+          <a:xfrm>
+            <a:off x="5353049" y="932954"/>
+            <a:ext cx="627796" cy="210445"/>
+          </a:xfrm>
+          <a:prstGeom prst="rect">
+            <a:avLst/>
+          </a:prstGeom>
+        </p:spPr>
+        <p:style>
+          <a:lnRef idx="2">
+            <a:schemeClr val="dk1"/>
+          </a:lnRef>
+          <a:fillRef idx="1">
+            <a:schemeClr val="lt1"/>
+          </a:fillRef>
+          <a:effectRef idx="0">
+            <a:schemeClr val="dk1"/>
+          </a:effectRef>
+          <a:fontRef idx="minor">
+            <a:schemeClr val="dk1"/>
+          </a:fontRef>
+        </p:style>
+        <p:txBody>
+          <a:bodyPr rtlCol="0" anchor="ctr"/>
+          <a:lstStyle/>
+          <a:p>
+            <a:pPr algn="ctr"/>
+            <a:r>
+              <a:rPr lang="en-US" altLang="zh-CN" dirty="0" smtClean="0"/>
+              <a:t>M8</a:t>
+            </a:r>
+            <a:endParaRPr lang="zh-CN" altLang="en-US" dirty="0"/>
+          </a:p>
+        </p:txBody>
+      </p:sp>
+      <p:sp>
+        <p:nvSpPr>
+          <p:cNvPr id="34" name="矩形 33"/>
+          <p:cNvSpPr/>
+          <p:nvPr/>
+        </p:nvSpPr>
+        <p:spPr>
+          <a:xfrm>
+            <a:off x="5353049" y="1146521"/>
+            <a:ext cx="627796" cy="210445"/>
+          </a:xfrm>
+          <a:prstGeom prst="rect">
+            <a:avLst/>
+          </a:prstGeom>
+        </p:spPr>
+        <p:style>
+          <a:lnRef idx="2">
+            <a:schemeClr val="dk1"/>
+          </a:lnRef>
+          <a:fillRef idx="1">
+            <a:schemeClr val="lt1"/>
+          </a:fillRef>
+          <a:effectRef idx="0">
+            <a:schemeClr val="dk1"/>
+          </a:effectRef>
+          <a:fontRef idx="minor">
+            <a:schemeClr val="dk1"/>
+          </a:fontRef>
+        </p:style>
+        <p:txBody>
+          <a:bodyPr rtlCol="0" anchor="ctr"/>
+          <a:lstStyle/>
+          <a:p>
+            <a:pPr algn="ctr"/>
+            <a:r>
+              <a:rPr lang="en-US" altLang="zh-CN" dirty="0" smtClean="0"/>
+              <a:t>M7</a:t>
+            </a:r>
+            <a:endParaRPr lang="zh-CN" altLang="en-US" dirty="0"/>
+          </a:p>
+        </p:txBody>
+      </p:sp>
+      <p:sp>
+        <p:nvSpPr>
+          <p:cNvPr id="35" name="矩形 34"/>
+          <p:cNvSpPr/>
+          <p:nvPr/>
+        </p:nvSpPr>
+        <p:spPr>
+          <a:xfrm>
+            <a:off x="5353049" y="1359277"/>
+            <a:ext cx="627796" cy="210445"/>
+          </a:xfrm>
+          <a:prstGeom prst="rect">
+            <a:avLst/>
+          </a:prstGeom>
+        </p:spPr>
+        <p:style>
+          <a:lnRef idx="2">
+            <a:schemeClr val="dk1"/>
+          </a:lnRef>
+          <a:fillRef idx="1">
+            <a:schemeClr val="lt1"/>
+          </a:fillRef>
+          <a:effectRef idx="0">
+            <a:schemeClr val="dk1"/>
+          </a:effectRef>
+          <a:fontRef idx="minor">
+            <a:schemeClr val="dk1"/>
+          </a:fontRef>
+        </p:style>
+        <p:txBody>
+          <a:bodyPr rtlCol="0" anchor="ctr"/>
+          <a:lstStyle/>
+          <a:p>
+            <a:pPr algn="ctr"/>
+            <a:r>
+              <a:rPr lang="en-US" altLang="zh-CN" dirty="0" smtClean="0"/>
+              <a:t>M6</a:t>
+            </a:r>
+            <a:endParaRPr lang="zh-CN" altLang="en-US" dirty="0"/>
+          </a:p>
+        </p:txBody>
+      </p:sp>
+      <p:sp>
+        <p:nvSpPr>
+          <p:cNvPr id="36" name="矩形 35"/>
+          <p:cNvSpPr/>
+          <p:nvPr/>
+        </p:nvSpPr>
+        <p:spPr>
+          <a:xfrm>
+            <a:off x="5353049" y="1572844"/>
+            <a:ext cx="627796" cy="210445"/>
+          </a:xfrm>
+          <a:prstGeom prst="rect">
+            <a:avLst/>
+          </a:prstGeom>
+        </p:spPr>
+        <p:style>
+          <a:lnRef idx="2">
+            <a:schemeClr val="dk1"/>
+          </a:lnRef>
+          <a:fillRef idx="1">
+            <a:schemeClr val="lt1"/>
+          </a:fillRef>
+          <a:effectRef idx="0">
+            <a:schemeClr val="dk1"/>
+          </a:effectRef>
+          <a:fontRef idx="minor">
+            <a:schemeClr val="dk1"/>
+          </a:fontRef>
+        </p:style>
+        <p:txBody>
+          <a:bodyPr rtlCol="0" anchor="ctr"/>
+          <a:lstStyle/>
+          <a:p>
+            <a:pPr algn="ctr"/>
+            <a:r>
+              <a:rPr lang="en-US" altLang="zh-CN" dirty="0" smtClean="0"/>
+              <a:t>M5</a:t>
+            </a:r>
+            <a:endParaRPr lang="zh-CN" altLang="en-US" dirty="0"/>
+          </a:p>
+        </p:txBody>
+      </p:sp>
+      <p:sp>
+        <p:nvSpPr>
+          <p:cNvPr id="37" name="矩形 36"/>
+          <p:cNvSpPr/>
+          <p:nvPr/>
+        </p:nvSpPr>
+        <p:spPr>
+          <a:xfrm>
+            <a:off x="5353049" y="1783289"/>
+            <a:ext cx="627796" cy="210445"/>
+          </a:xfrm>
+          <a:prstGeom prst="rect">
+            <a:avLst/>
+          </a:prstGeom>
+        </p:spPr>
+        <p:style>
+          <a:lnRef idx="2">
+            <a:schemeClr val="dk1"/>
+          </a:lnRef>
+          <a:fillRef idx="1">
+            <a:schemeClr val="lt1"/>
+          </a:fillRef>
+          <a:effectRef idx="0">
+            <a:schemeClr val="dk1"/>
+          </a:effectRef>
+          <a:fontRef idx="minor">
+            <a:schemeClr val="dk1"/>
+          </a:fontRef>
+        </p:style>
+        <p:txBody>
+          <a:bodyPr rtlCol="0" anchor="ctr"/>
+          <a:lstStyle/>
+          <a:p>
+            <a:pPr algn="ctr"/>
+            <a:r>
+              <a:rPr lang="en-US" altLang="zh-CN" dirty="0" smtClean="0"/>
+              <a:t>M4</a:t>
+            </a:r>
+            <a:endParaRPr lang="zh-CN" altLang="en-US" dirty="0"/>
+          </a:p>
+        </p:txBody>
+      </p:sp>
+      <p:sp>
+        <p:nvSpPr>
+          <p:cNvPr id="38" name="矩形 37"/>
+          <p:cNvSpPr/>
+          <p:nvPr/>
+        </p:nvSpPr>
+        <p:spPr>
+          <a:xfrm>
+            <a:off x="5353049" y="1981563"/>
+            <a:ext cx="627796" cy="210445"/>
+          </a:xfrm>
+          <a:prstGeom prst="rect">
+            <a:avLst/>
+          </a:prstGeom>
+        </p:spPr>
+        <p:style>
+          <a:lnRef idx="2">
+            <a:schemeClr val="dk1"/>
+          </a:lnRef>
+          <a:fillRef idx="1">
+            <a:schemeClr val="lt1"/>
+          </a:fillRef>
+          <a:effectRef idx="0">
+            <a:schemeClr val="dk1"/>
+          </a:effectRef>
+          <a:fontRef idx="minor">
+            <a:schemeClr val="dk1"/>
+          </a:fontRef>
+        </p:style>
+        <p:txBody>
+          <a:bodyPr rtlCol="0" anchor="ctr"/>
+          <a:lstStyle/>
+          <a:p>
+            <a:pPr algn="ctr"/>
+            <a:r>
+              <a:rPr lang="en-US" altLang="zh-CN" dirty="0" smtClean="0"/>
+              <a:t>M3</a:t>
+            </a:r>
+            <a:endParaRPr lang="zh-CN" altLang="en-US" dirty="0"/>
+          </a:p>
+        </p:txBody>
+      </p:sp>
+      <p:sp>
+        <p:nvSpPr>
+          <p:cNvPr id="39" name="矩形 38"/>
+          <p:cNvSpPr/>
+          <p:nvPr/>
+        </p:nvSpPr>
+        <p:spPr>
+          <a:xfrm>
+            <a:off x="5353049" y="2194319"/>
+            <a:ext cx="627796" cy="210445"/>
+          </a:xfrm>
+          <a:prstGeom prst="rect">
+            <a:avLst/>
+          </a:prstGeom>
+        </p:spPr>
+        <p:style>
+          <a:lnRef idx="2">
+            <a:schemeClr val="dk1"/>
+          </a:lnRef>
+          <a:fillRef idx="1">
+            <a:schemeClr val="lt1"/>
+          </a:fillRef>
+          <a:effectRef idx="0">
+            <a:schemeClr val="dk1"/>
+          </a:effectRef>
+          <a:fontRef idx="minor">
+            <a:schemeClr val="dk1"/>
+          </a:fontRef>
+        </p:style>
+        <p:txBody>
+          <a:bodyPr rtlCol="0" anchor="ctr"/>
+          <a:lstStyle/>
+          <a:p>
+            <a:pPr algn="ctr"/>
+            <a:r>
+              <a:rPr lang="en-US" altLang="zh-CN" dirty="0" smtClean="0"/>
+              <a:t>M2</a:t>
+            </a:r>
+            <a:endParaRPr lang="zh-CN" altLang="en-US" dirty="0"/>
+          </a:p>
+        </p:txBody>
+      </p:sp>
+      <p:sp>
+        <p:nvSpPr>
+          <p:cNvPr id="40" name="矩形 39"/>
+          <p:cNvSpPr/>
+          <p:nvPr/>
+        </p:nvSpPr>
+        <p:spPr>
+          <a:xfrm>
+            <a:off x="5353049" y="2404764"/>
+            <a:ext cx="627796" cy="210445"/>
+          </a:xfrm>
+          <a:prstGeom prst="rect">
+            <a:avLst/>
+          </a:prstGeom>
+        </p:spPr>
+        <p:style>
+          <a:lnRef idx="2">
+            <a:schemeClr val="dk1"/>
+          </a:lnRef>
+          <a:fillRef idx="1">
+            <a:schemeClr val="lt1"/>
+          </a:fillRef>
+          <a:effectRef idx="0">
+            <a:schemeClr val="dk1"/>
+          </a:effectRef>
+          <a:fontRef idx="minor">
+            <a:schemeClr val="dk1"/>
+          </a:fontRef>
+        </p:style>
+        <p:txBody>
+          <a:bodyPr rtlCol="0" anchor="ctr"/>
+          <a:lstStyle/>
+          <a:p>
+            <a:pPr algn="ctr"/>
+            <a:r>
+              <a:rPr lang="en-US" altLang="zh-CN" dirty="0" smtClean="0"/>
+              <a:t>M1</a:t>
+            </a:r>
+            <a:endParaRPr lang="zh-CN" altLang="en-US" dirty="0"/>
+          </a:p>
+        </p:txBody>
+      </p:sp>
+      <p:cxnSp>
+        <p:nvCxnSpPr>
+          <p:cNvPr id="41" name="直接箭头连接符 40"/>
+          <p:cNvCxnSpPr>
+            <a:stCxn id="33" idx="3"/>
+          </p:cNvCxnSpPr>
+          <p:nvPr/>
+        </p:nvCxnSpPr>
+        <p:spPr>
+          <a:xfrm flipV="1">
+            <a:off x="5980845" y="1038176"/>
+            <a:ext cx="705704" cy="1"/>
+          </a:xfrm>
+          <a:prstGeom prst="straightConnector1">
+            <a:avLst/>
+          </a:prstGeom>
+          <a:ln>
+            <a:tailEnd type="triangle"/>
+          </a:ln>
+        </p:spPr>
+        <p:style>
+          <a:lnRef idx="1">
+            <a:schemeClr val="dk1"/>
+          </a:lnRef>
+          <a:fillRef idx="0">
+            <a:schemeClr val="dk1"/>
+          </a:fillRef>
+          <a:effectRef idx="0">
+            <a:schemeClr val="dk1"/>
+          </a:effectRef>
+          <a:fontRef idx="minor">
+            <a:schemeClr val="tx1"/>
+          </a:fontRef>
+        </p:style>
+      </p:cxnSp>
+      <p:cxnSp>
+        <p:nvCxnSpPr>
+          <p:cNvPr id="42" name="直接箭头连接符 41"/>
+          <p:cNvCxnSpPr>
+            <a:stCxn id="34" idx="3"/>
+          </p:cNvCxnSpPr>
+          <p:nvPr/>
+        </p:nvCxnSpPr>
+        <p:spPr>
+          <a:xfrm flipV="1">
+            <a:off x="5980845" y="1251743"/>
+            <a:ext cx="705704" cy="1"/>
+          </a:xfrm>
+          <a:prstGeom prst="straightConnector1">
+            <a:avLst/>
+          </a:prstGeom>
+          <a:ln>
+            <a:tailEnd type="triangle"/>
+          </a:ln>
+        </p:spPr>
+        <p:style>
+          <a:lnRef idx="1">
+            <a:schemeClr val="dk1"/>
+          </a:lnRef>
+          <a:fillRef idx="0">
+            <a:schemeClr val="dk1"/>
+          </a:fillRef>
+          <a:effectRef idx="0">
+            <a:schemeClr val="dk1"/>
+          </a:effectRef>
+          <a:fontRef idx="minor">
+            <a:schemeClr val="tx1"/>
+          </a:fontRef>
+        </p:style>
+      </p:cxnSp>
+      <p:cxnSp>
+        <p:nvCxnSpPr>
+          <p:cNvPr id="43" name="直接箭头连接符 42"/>
+          <p:cNvCxnSpPr>
+            <a:stCxn id="35" idx="3"/>
+          </p:cNvCxnSpPr>
+          <p:nvPr/>
+        </p:nvCxnSpPr>
+        <p:spPr>
+          <a:xfrm flipV="1">
+            <a:off x="5980845" y="1464499"/>
+            <a:ext cx="705704" cy="1"/>
+          </a:xfrm>
+          <a:prstGeom prst="straightConnector1">
+            <a:avLst/>
+          </a:prstGeom>
+          <a:ln>
+            <a:tailEnd type="triangle"/>
+          </a:ln>
+        </p:spPr>
+        <p:style>
+          <a:lnRef idx="1">
+            <a:schemeClr val="dk1"/>
+          </a:lnRef>
+          <a:fillRef idx="0">
+            <a:schemeClr val="dk1"/>
+          </a:fillRef>
+          <a:effectRef idx="0">
+            <a:schemeClr val="dk1"/>
+          </a:effectRef>
+          <a:fontRef idx="minor">
+            <a:schemeClr val="tx1"/>
+          </a:fontRef>
+        </p:style>
+      </p:cxnSp>
+      <p:cxnSp>
+        <p:nvCxnSpPr>
+          <p:cNvPr id="44" name="直接箭头连接符 43"/>
+          <p:cNvCxnSpPr>
+            <a:stCxn id="38" idx="3"/>
+          </p:cNvCxnSpPr>
+          <p:nvPr/>
+        </p:nvCxnSpPr>
+        <p:spPr>
+          <a:xfrm flipV="1">
+            <a:off x="5980845" y="2086785"/>
+            <a:ext cx="705704" cy="1"/>
+          </a:xfrm>
+          <a:prstGeom prst="straightConnector1">
+            <a:avLst/>
+          </a:prstGeom>
+          <a:ln>
+            <a:tailEnd type="triangle"/>
+          </a:ln>
+        </p:spPr>
+        <p:style>
+          <a:lnRef idx="1">
+            <a:schemeClr val="dk1"/>
+          </a:lnRef>
+          <a:fillRef idx="0">
+            <a:schemeClr val="dk1"/>
+          </a:fillRef>
+          <a:effectRef idx="0">
+            <a:schemeClr val="dk1"/>
+          </a:effectRef>
+          <a:fontRef idx="minor">
+            <a:schemeClr val="tx1"/>
+          </a:fontRef>
+        </p:style>
+      </p:cxnSp>
+      <p:cxnSp>
+        <p:nvCxnSpPr>
+          <p:cNvPr id="45" name="直接箭头连接符 44"/>
+          <p:cNvCxnSpPr>
+            <a:stCxn id="39" idx="3"/>
+          </p:cNvCxnSpPr>
+          <p:nvPr/>
+        </p:nvCxnSpPr>
+        <p:spPr>
+          <a:xfrm flipV="1">
+            <a:off x="5980845" y="2297230"/>
+            <a:ext cx="705704" cy="2312"/>
+          </a:xfrm>
+          <a:prstGeom prst="straightConnector1">
+            <a:avLst/>
+          </a:prstGeom>
+          <a:ln>
+            <a:tailEnd type="triangle"/>
+          </a:ln>
+        </p:spPr>
+        <p:style>
+          <a:lnRef idx="1">
+            <a:schemeClr val="dk1"/>
+          </a:lnRef>
+          <a:fillRef idx="0">
+            <a:schemeClr val="dk1"/>
+          </a:fillRef>
+          <a:effectRef idx="0">
+            <a:schemeClr val="dk1"/>
+          </a:effectRef>
+          <a:fontRef idx="minor">
+            <a:schemeClr val="tx1"/>
+          </a:fontRef>
+        </p:style>
+      </p:cxnSp>
+      <p:cxnSp>
+        <p:nvCxnSpPr>
+          <p:cNvPr id="46" name="直接箭头连接符 45"/>
+          <p:cNvCxnSpPr>
+            <a:stCxn id="40" idx="3"/>
+          </p:cNvCxnSpPr>
+          <p:nvPr/>
+        </p:nvCxnSpPr>
+        <p:spPr>
+          <a:xfrm flipV="1">
+            <a:off x="5980845" y="2508830"/>
+            <a:ext cx="705704" cy="1157"/>
+          </a:xfrm>
+          <a:prstGeom prst="straightConnector1">
+            <a:avLst/>
+          </a:prstGeom>
+          <a:ln>
+            <a:tailEnd type="triangle"/>
+          </a:ln>
+        </p:spPr>
+        <p:style>
+          <a:lnRef idx="1">
+            <a:schemeClr val="dk1"/>
+          </a:lnRef>
+          <a:fillRef idx="0">
+            <a:schemeClr val="dk1"/>
+          </a:fillRef>
+          <a:effectRef idx="0">
+            <a:schemeClr val="dk1"/>
+          </a:effectRef>
+          <a:fontRef idx="minor">
+            <a:schemeClr val="tx1"/>
+          </a:fontRef>
+        </p:style>
+      </p:cxnSp>
+      <p:sp>
+        <p:nvSpPr>
+          <p:cNvPr id="47" name="矩形 46"/>
+          <p:cNvSpPr/>
+          <p:nvPr/>
+        </p:nvSpPr>
+        <p:spPr>
+          <a:xfrm>
+            <a:off x="6686549" y="932954"/>
+            <a:ext cx="1352550" cy="636768"/>
+          </a:xfrm>
+          <a:prstGeom prst="rect">
+            <a:avLst/>
+          </a:prstGeom>
+        </p:spPr>
+        <p:style>
+          <a:lnRef idx="2">
+            <a:schemeClr val="dk1"/>
+          </a:lnRef>
+          <a:fillRef idx="1">
+            <a:schemeClr val="lt1"/>
+          </a:fillRef>
+          <a:effectRef idx="0">
+            <a:schemeClr val="dk1"/>
+          </a:effectRef>
+          <a:fontRef idx="minor">
+            <a:schemeClr val="dk1"/>
+          </a:fontRef>
+        </p:style>
+        <p:txBody>
+          <a:bodyPr rtlCol="0" anchor="ctr"/>
+          <a:lstStyle/>
+          <a:p>
+            <a:pPr algn="ctr"/>
+            <a:r>
+              <a:rPr lang="zh-CN" altLang="en-US" dirty="0" smtClean="0"/>
+              <a:t>消息接收者</a:t>
+            </a:r>
+            <a:endParaRPr lang="en-US" altLang="zh-CN" dirty="0" smtClean="0"/>
+          </a:p>
+          <a:p>
+            <a:pPr algn="ctr"/>
+            <a:r>
+              <a:rPr lang="en-US" altLang="zh-CN" dirty="0" smtClean="0"/>
+              <a:t>alive</a:t>
+            </a:r>
+            <a:endParaRPr lang="zh-CN" altLang="en-US" dirty="0"/>
+          </a:p>
+        </p:txBody>
+      </p:sp>
+      <p:sp>
+        <p:nvSpPr>
+          <p:cNvPr id="48" name="矩形 47"/>
+          <p:cNvSpPr/>
+          <p:nvPr/>
+        </p:nvSpPr>
+        <p:spPr>
+          <a:xfrm>
+            <a:off x="6686549" y="1981563"/>
+            <a:ext cx="1352550" cy="636768"/>
+          </a:xfrm>
+          <a:prstGeom prst="rect">
+            <a:avLst/>
+          </a:prstGeom>
+        </p:spPr>
+        <p:style>
+          <a:lnRef idx="2">
+            <a:schemeClr val="dk1"/>
+          </a:lnRef>
+          <a:fillRef idx="1">
+            <a:schemeClr val="lt1"/>
+          </a:fillRef>
+          <a:effectRef idx="0">
+            <a:schemeClr val="dk1"/>
+          </a:effectRef>
+          <a:fontRef idx="minor">
+            <a:schemeClr val="dk1"/>
+          </a:fontRef>
+        </p:style>
+        <p:txBody>
+          <a:bodyPr rtlCol="0" anchor="ctr"/>
+          <a:lstStyle/>
+          <a:p>
+            <a:pPr algn="ctr"/>
+            <a:r>
+              <a:rPr lang="zh-CN" altLang="en-US" dirty="0" smtClean="0"/>
+              <a:t>消息接收者</a:t>
+            </a:r>
+            <a:endParaRPr lang="en-US" altLang="zh-CN" dirty="0" smtClean="0"/>
+          </a:p>
+          <a:p>
+            <a:pPr algn="ctr"/>
+            <a:r>
+              <a:rPr lang="en-US" altLang="zh-CN" dirty="0" smtClean="0"/>
+              <a:t>alive</a:t>
+            </a:r>
+            <a:endParaRPr lang="zh-CN" altLang="en-US" dirty="0"/>
+          </a:p>
+        </p:txBody>
+      </p:sp>
+      <p:cxnSp>
+        <p:nvCxnSpPr>
+          <p:cNvPr id="50" name="直接箭头连接符 49"/>
+          <p:cNvCxnSpPr>
+            <a:stCxn id="36" idx="3"/>
+          </p:cNvCxnSpPr>
+          <p:nvPr/>
+        </p:nvCxnSpPr>
+        <p:spPr>
+          <a:xfrm flipV="1">
+            <a:off x="5980845" y="1464499"/>
+            <a:ext cx="705704" cy="213568"/>
+          </a:xfrm>
+          <a:prstGeom prst="straightConnector1">
+            <a:avLst/>
+          </a:prstGeom>
+          <a:ln>
+            <a:tailEnd type="triangle"/>
+          </a:ln>
+        </p:spPr>
+        <p:style>
+          <a:lnRef idx="1">
+            <a:schemeClr val="dk1"/>
+          </a:lnRef>
+          <a:fillRef idx="0">
+            <a:schemeClr val="dk1"/>
+          </a:fillRef>
+          <a:effectRef idx="0">
+            <a:schemeClr val="dk1"/>
+          </a:effectRef>
+          <a:fontRef idx="minor">
+            <a:schemeClr val="tx1"/>
+          </a:fontRef>
+        </p:style>
+      </p:cxnSp>
+      <p:cxnSp>
+        <p:nvCxnSpPr>
+          <p:cNvPr id="52" name="直接箭头连接符 51"/>
+          <p:cNvCxnSpPr>
+            <a:stCxn id="37" idx="3"/>
+          </p:cNvCxnSpPr>
+          <p:nvPr/>
+        </p:nvCxnSpPr>
+        <p:spPr>
+          <a:xfrm flipV="1">
+            <a:off x="5980845" y="1467622"/>
+            <a:ext cx="705704" cy="420890"/>
+          </a:xfrm>
+          <a:prstGeom prst="straightConnector1">
+            <a:avLst/>
+          </a:prstGeom>
+          <a:ln>
+            <a:tailEnd type="triangle"/>
+          </a:ln>
+        </p:spPr>
+        <p:style>
+          <a:lnRef idx="1">
+            <a:schemeClr val="dk1"/>
+          </a:lnRef>
+          <a:fillRef idx="0">
+            <a:schemeClr val="dk1"/>
+          </a:fillRef>
+          <a:effectRef idx="0">
+            <a:schemeClr val="dk1"/>
+          </a:effectRef>
+          <a:fontRef idx="minor">
+            <a:schemeClr val="tx1"/>
+          </a:fontRef>
+        </p:style>
+      </p:cxnSp>
+      <p:sp>
+        <p:nvSpPr>
+          <p:cNvPr id="53" name="文本框 52"/>
+          <p:cNvSpPr txBox="1"/>
+          <p:nvPr/>
+        </p:nvSpPr>
+        <p:spPr>
+          <a:xfrm>
+            <a:off x="1647398" y="3246120"/>
+            <a:ext cx="1338828" cy="369332"/>
+          </a:xfrm>
+          <a:prstGeom prst="rect">
+            <a:avLst/>
+          </a:prstGeom>
+          <a:noFill/>
+        </p:spPr>
+        <p:txBody>
+          <a:bodyPr wrap="none" rtlCol="0">
+            <a:spAutoFit/>
+          </a:bodyPr>
+          <a:lstStyle/>
+          <a:p>
+            <a:r>
+              <a:rPr lang="zh-CN" altLang="en-US" dirty="0" smtClean="0"/>
+              <a:t>非持久订阅</a:t>
+            </a:r>
+            <a:endParaRPr lang="zh-CN" altLang="en-US" dirty="0"/>
+          </a:p>
+        </p:txBody>
+      </p:sp>
+      <p:sp>
+        <p:nvSpPr>
+          <p:cNvPr id="54" name="文本框 53"/>
+          <p:cNvSpPr txBox="1"/>
+          <p:nvPr/>
+        </p:nvSpPr>
+        <p:spPr>
+          <a:xfrm>
+            <a:off x="5602178" y="3246120"/>
+            <a:ext cx="1107996" cy="369332"/>
+          </a:xfrm>
+          <a:prstGeom prst="rect">
+            <a:avLst/>
+          </a:prstGeom>
+          <a:noFill/>
+        </p:spPr>
+        <p:txBody>
+          <a:bodyPr wrap="none" rtlCol="0">
+            <a:spAutoFit/>
+          </a:bodyPr>
+          <a:lstStyle/>
+          <a:p>
+            <a:r>
+              <a:rPr lang="zh-CN" altLang="en-US" dirty="0" smtClean="0"/>
+              <a:t>持久订阅</a:t>
+            </a:r>
+            <a:endParaRPr lang="zh-CN" altLang="en-US" dirty="0"/>
+          </a:p>
+        </p:txBody>
+      </p:sp>
+      <p:sp>
+        <p:nvSpPr>
+          <p:cNvPr id="55" name="矩形 54"/>
+          <p:cNvSpPr/>
+          <p:nvPr/>
+        </p:nvSpPr>
+        <p:spPr>
+          <a:xfrm>
+            <a:off x="708830" y="4253189"/>
+            <a:ext cx="1885950" cy="2248611"/>
+          </a:xfrm>
+          <a:prstGeom prst="rect">
+            <a:avLst/>
+          </a:prstGeom>
+        </p:spPr>
+        <p:style>
+          <a:lnRef idx="2">
+            <a:schemeClr val="dk1"/>
+          </a:lnRef>
+          <a:fillRef idx="1">
+            <a:schemeClr val="lt1"/>
+          </a:fillRef>
+          <a:effectRef idx="0">
+            <a:schemeClr val="dk1"/>
+          </a:effectRef>
+          <a:fontRef idx="minor">
+            <a:schemeClr val="dk1"/>
+          </a:fontRef>
+        </p:style>
+        <p:txBody>
+          <a:bodyPr rtlCol="0" anchor="ctr"/>
+          <a:lstStyle/>
+          <a:p>
+            <a:pPr algn="ctr"/>
+            <a:endParaRPr lang="zh-CN" altLang="en-US" dirty="0"/>
+          </a:p>
+        </p:txBody>
+      </p:sp>
+      <p:sp>
+        <p:nvSpPr>
+          <p:cNvPr id="56" name="文本框 55"/>
+          <p:cNvSpPr txBox="1"/>
+          <p:nvPr/>
+        </p:nvSpPr>
+        <p:spPr>
+          <a:xfrm>
+            <a:off x="744488" y="4342761"/>
+            <a:ext cx="1569660" cy="369332"/>
+          </a:xfrm>
+          <a:prstGeom prst="rect">
+            <a:avLst/>
+          </a:prstGeom>
+          <a:noFill/>
+        </p:spPr>
+        <p:txBody>
+          <a:bodyPr wrap="none" rtlCol="0">
+            <a:spAutoFit/>
+          </a:bodyPr>
+          <a:lstStyle/>
+          <a:p>
+            <a:r>
+              <a:rPr lang="zh-CN" altLang="en-US" dirty="0" smtClean="0"/>
+              <a:t>消息发送应用</a:t>
+            </a:r>
+            <a:endParaRPr lang="zh-CN" altLang="en-US" dirty="0"/>
+          </a:p>
+        </p:txBody>
+      </p:sp>
+      <p:sp>
+        <p:nvSpPr>
+          <p:cNvPr id="57" name="矩形 56"/>
+          <p:cNvSpPr/>
+          <p:nvPr/>
+        </p:nvSpPr>
+        <p:spPr>
+          <a:xfrm>
+            <a:off x="4015569" y="4253189"/>
+            <a:ext cx="4623464" cy="2248611"/>
+          </a:xfrm>
+          <a:prstGeom prst="rect">
+            <a:avLst/>
+          </a:prstGeom>
+        </p:spPr>
+        <p:style>
+          <a:lnRef idx="2">
+            <a:schemeClr val="dk1"/>
+          </a:lnRef>
+          <a:fillRef idx="1">
+            <a:schemeClr val="lt1"/>
+          </a:fillRef>
+          <a:effectRef idx="0">
+            <a:schemeClr val="dk1"/>
+          </a:effectRef>
+          <a:fontRef idx="minor">
+            <a:schemeClr val="dk1"/>
+          </a:fontRef>
+        </p:style>
+        <p:txBody>
+          <a:bodyPr rtlCol="0" anchor="ctr"/>
+          <a:lstStyle/>
+          <a:p>
+            <a:pPr algn="ctr"/>
+            <a:endParaRPr lang="zh-CN" altLang="en-US" dirty="0"/>
+          </a:p>
+        </p:txBody>
+      </p:sp>
+      <p:sp>
+        <p:nvSpPr>
+          <p:cNvPr id="58" name="文本框 57"/>
+          <p:cNvSpPr txBox="1"/>
+          <p:nvPr/>
+        </p:nvSpPr>
+        <p:spPr>
+          <a:xfrm>
+            <a:off x="4051227" y="4342761"/>
+            <a:ext cx="1800493" cy="369332"/>
+          </a:xfrm>
+          <a:prstGeom prst="rect">
+            <a:avLst/>
+          </a:prstGeom>
+          <a:noFill/>
+        </p:spPr>
+        <p:txBody>
+          <a:bodyPr wrap="none" rtlCol="0">
+            <a:spAutoFit/>
+          </a:bodyPr>
+          <a:lstStyle/>
+          <a:p>
+            <a:r>
+              <a:rPr lang="zh-CN" altLang="en-US" dirty="0" smtClean="0"/>
+              <a:t>消息中间件系统</a:t>
+            </a:r>
+            <a:endParaRPr lang="zh-CN" altLang="en-US" dirty="0"/>
+          </a:p>
+        </p:txBody>
+      </p:sp>
+      <p:sp>
+        <p:nvSpPr>
+          <p:cNvPr id="59" name="矩形 58"/>
+          <p:cNvSpPr/>
+          <p:nvPr/>
+        </p:nvSpPr>
+        <p:spPr>
+          <a:xfrm>
+            <a:off x="10024164" y="4253189"/>
+            <a:ext cx="1885950" cy="2248611"/>
+          </a:xfrm>
+          <a:prstGeom prst="rect">
+            <a:avLst/>
+          </a:prstGeom>
+        </p:spPr>
+        <p:style>
+          <a:lnRef idx="2">
+            <a:schemeClr val="dk1"/>
+          </a:lnRef>
+          <a:fillRef idx="1">
+            <a:schemeClr val="lt1"/>
+          </a:fillRef>
+          <a:effectRef idx="0">
+            <a:schemeClr val="dk1"/>
+          </a:effectRef>
+          <a:fontRef idx="minor">
+            <a:schemeClr val="dk1"/>
+          </a:fontRef>
+        </p:style>
+        <p:txBody>
+          <a:bodyPr rtlCol="0" anchor="ctr"/>
+          <a:lstStyle/>
+          <a:p>
+            <a:pPr algn="ctr"/>
+            <a:endParaRPr lang="zh-CN" altLang="en-US" dirty="0"/>
+          </a:p>
+        </p:txBody>
+      </p:sp>
+      <p:sp>
+        <p:nvSpPr>
+          <p:cNvPr id="60" name="文本框 59"/>
+          <p:cNvSpPr txBox="1"/>
+          <p:nvPr/>
+        </p:nvSpPr>
+        <p:spPr>
+          <a:xfrm>
+            <a:off x="10059822" y="4342761"/>
+            <a:ext cx="1569660" cy="369332"/>
+          </a:xfrm>
+          <a:prstGeom prst="rect">
+            <a:avLst/>
+          </a:prstGeom>
+          <a:noFill/>
+        </p:spPr>
+        <p:txBody>
+          <a:bodyPr wrap="none" rtlCol="0">
+            <a:spAutoFit/>
+          </a:bodyPr>
+          <a:lstStyle/>
+          <a:p>
+            <a:r>
+              <a:rPr lang="zh-CN" altLang="en-US" dirty="0" smtClean="0"/>
+              <a:t>消息接收应用</a:t>
+            </a:r>
+            <a:endParaRPr lang="zh-CN" altLang="en-US" dirty="0"/>
+          </a:p>
+        </p:txBody>
+      </p:sp>
+      <p:sp>
+        <p:nvSpPr>
+          <p:cNvPr id="61" name="矩形 60"/>
+          <p:cNvSpPr/>
+          <p:nvPr/>
+        </p:nvSpPr>
+        <p:spPr>
+          <a:xfrm>
+            <a:off x="944538" y="4776119"/>
+            <a:ext cx="1405720" cy="477672"/>
+          </a:xfrm>
+          <a:prstGeom prst="rect">
+            <a:avLst/>
+          </a:prstGeom>
+        </p:spPr>
+        <p:style>
+          <a:lnRef idx="2">
+            <a:schemeClr val="dk1"/>
+          </a:lnRef>
+          <a:fillRef idx="1">
+            <a:schemeClr val="lt1"/>
+          </a:fillRef>
+          <a:effectRef idx="0">
+            <a:schemeClr val="dk1"/>
+          </a:effectRef>
+          <a:fontRef idx="minor">
+            <a:schemeClr val="dk1"/>
+          </a:fontRef>
+        </p:style>
+        <p:txBody>
+          <a:bodyPr rtlCol="0" anchor="ctr"/>
+          <a:lstStyle/>
+          <a:p>
+            <a:pPr algn="ctr"/>
+            <a:r>
+              <a:rPr lang="zh-CN" altLang="en-US" dirty="0" smtClean="0"/>
+              <a:t>消息发送者</a:t>
+            </a:r>
+            <a:endParaRPr lang="zh-CN" altLang="en-US" dirty="0"/>
+          </a:p>
+        </p:txBody>
+      </p:sp>
+      <p:sp>
+        <p:nvSpPr>
+          <p:cNvPr id="62" name="矩形 61"/>
+          <p:cNvSpPr/>
+          <p:nvPr/>
+        </p:nvSpPr>
+        <p:spPr>
+          <a:xfrm>
+            <a:off x="944538" y="5776721"/>
+            <a:ext cx="1405720" cy="477672"/>
+          </a:xfrm>
+          <a:prstGeom prst="rect">
+            <a:avLst/>
+          </a:prstGeom>
+        </p:spPr>
+        <p:style>
+          <a:lnRef idx="2">
+            <a:schemeClr val="dk1"/>
+          </a:lnRef>
+          <a:fillRef idx="1">
+            <a:schemeClr val="lt1"/>
+          </a:fillRef>
+          <a:effectRef idx="0">
+            <a:schemeClr val="dk1"/>
+          </a:effectRef>
+          <a:fontRef idx="minor">
+            <a:schemeClr val="dk1"/>
+          </a:fontRef>
+        </p:style>
+        <p:txBody>
+          <a:bodyPr rtlCol="0" anchor="ctr"/>
+          <a:lstStyle/>
+          <a:p>
+            <a:pPr algn="ctr"/>
+            <a:r>
+              <a:rPr lang="zh-CN" altLang="en-US" dirty="0" smtClean="0"/>
+              <a:t>消息发送者</a:t>
+            </a:r>
+            <a:endParaRPr lang="zh-CN" altLang="en-US" dirty="0"/>
+          </a:p>
+        </p:txBody>
+      </p:sp>
+      <p:sp>
+        <p:nvSpPr>
+          <p:cNvPr id="63" name="矩形 62"/>
+          <p:cNvSpPr/>
+          <p:nvPr/>
+        </p:nvSpPr>
+        <p:spPr>
+          <a:xfrm>
+            <a:off x="4248348" y="4776119"/>
+            <a:ext cx="1405720" cy="477672"/>
+          </a:xfrm>
+          <a:prstGeom prst="rect">
+            <a:avLst/>
+          </a:prstGeom>
+        </p:spPr>
+        <p:style>
+          <a:lnRef idx="2">
+            <a:schemeClr val="dk1"/>
+          </a:lnRef>
+          <a:fillRef idx="1">
+            <a:schemeClr val="lt1"/>
+          </a:fillRef>
+          <a:effectRef idx="0">
+            <a:schemeClr val="dk1"/>
+          </a:effectRef>
+          <a:fontRef idx="minor">
+            <a:schemeClr val="dk1"/>
+          </a:fontRef>
+        </p:style>
+        <p:txBody>
+          <a:bodyPr rtlCol="0" anchor="ctr"/>
+          <a:lstStyle/>
+          <a:p>
+            <a:pPr algn="ctr"/>
+            <a:r>
+              <a:rPr lang="zh-CN" altLang="en-US" dirty="0" smtClean="0"/>
+              <a:t>消息中间件</a:t>
+            </a:r>
+            <a:endParaRPr lang="zh-CN" altLang="en-US" dirty="0"/>
+          </a:p>
+        </p:txBody>
+      </p:sp>
+      <p:sp>
+        <p:nvSpPr>
+          <p:cNvPr id="64" name="矩形 63"/>
+          <p:cNvSpPr/>
+          <p:nvPr/>
+        </p:nvSpPr>
+        <p:spPr>
+          <a:xfrm>
+            <a:off x="4248348" y="5776721"/>
+            <a:ext cx="1405720" cy="477672"/>
+          </a:xfrm>
+          <a:prstGeom prst="rect">
+            <a:avLst/>
+          </a:prstGeom>
+        </p:spPr>
+        <p:style>
+          <a:lnRef idx="2">
+            <a:schemeClr val="dk1"/>
+          </a:lnRef>
+          <a:fillRef idx="1">
+            <a:schemeClr val="lt1"/>
+          </a:fillRef>
+          <a:effectRef idx="0">
+            <a:schemeClr val="dk1"/>
+          </a:effectRef>
+          <a:fontRef idx="minor">
+            <a:schemeClr val="dk1"/>
+          </a:fontRef>
+        </p:style>
+        <p:txBody>
+          <a:bodyPr rtlCol="0" anchor="ctr"/>
+          <a:lstStyle/>
+          <a:p>
+            <a:pPr algn="ctr"/>
+            <a:r>
+              <a:rPr lang="zh-CN" altLang="en-US" dirty="0" smtClean="0"/>
+              <a:t>消息中间件</a:t>
+            </a:r>
+            <a:endParaRPr lang="zh-CN" altLang="en-US" dirty="0"/>
+          </a:p>
+        </p:txBody>
+      </p:sp>
+      <p:sp>
+        <p:nvSpPr>
+          <p:cNvPr id="65" name="矩形 64"/>
+          <p:cNvSpPr/>
+          <p:nvPr/>
+        </p:nvSpPr>
+        <p:spPr>
+          <a:xfrm>
+            <a:off x="6633379" y="4776119"/>
+            <a:ext cx="1405720" cy="477672"/>
+          </a:xfrm>
+          <a:prstGeom prst="rect">
+            <a:avLst/>
+          </a:prstGeom>
+        </p:spPr>
+        <p:style>
+          <a:lnRef idx="2">
+            <a:schemeClr val="dk1"/>
+          </a:lnRef>
+          <a:fillRef idx="1">
+            <a:schemeClr val="lt1"/>
+          </a:fillRef>
+          <a:effectRef idx="0">
+            <a:schemeClr val="dk1"/>
+          </a:effectRef>
+          <a:fontRef idx="minor">
+            <a:schemeClr val="dk1"/>
+          </a:fontRef>
+        </p:style>
+        <p:txBody>
+          <a:bodyPr rtlCol="0" anchor="ctr"/>
+          <a:lstStyle/>
+          <a:p>
+            <a:pPr algn="ctr"/>
+            <a:r>
+              <a:rPr lang="zh-CN" altLang="en-US" dirty="0" smtClean="0"/>
+              <a:t>消息存储</a:t>
+            </a:r>
+            <a:endParaRPr lang="zh-CN" altLang="en-US" dirty="0"/>
+          </a:p>
+        </p:txBody>
+      </p:sp>
+      <p:sp>
+        <p:nvSpPr>
+          <p:cNvPr id="66" name="矩形 65"/>
+          <p:cNvSpPr/>
+          <p:nvPr/>
+        </p:nvSpPr>
+        <p:spPr>
+          <a:xfrm>
+            <a:off x="6633379" y="5776721"/>
+            <a:ext cx="1405720" cy="477672"/>
+          </a:xfrm>
+          <a:prstGeom prst="rect">
+            <a:avLst/>
+          </a:prstGeom>
+        </p:spPr>
+        <p:style>
+          <a:lnRef idx="2">
+            <a:schemeClr val="dk1"/>
+          </a:lnRef>
+          <a:fillRef idx="1">
+            <a:schemeClr val="lt1"/>
+          </a:fillRef>
+          <a:effectRef idx="0">
+            <a:schemeClr val="dk1"/>
+          </a:effectRef>
+          <a:fontRef idx="minor">
+            <a:schemeClr val="dk1"/>
+          </a:fontRef>
+        </p:style>
+        <p:txBody>
+          <a:bodyPr rtlCol="0" anchor="ctr"/>
+          <a:lstStyle/>
+          <a:p>
+            <a:pPr algn="ctr"/>
+            <a:r>
+              <a:rPr lang="zh-CN" altLang="en-US" dirty="0" smtClean="0"/>
+              <a:t>消息存储</a:t>
+            </a:r>
+            <a:endParaRPr lang="zh-CN" altLang="en-US" dirty="0"/>
+          </a:p>
+        </p:txBody>
+      </p:sp>
+      <p:sp>
+        <p:nvSpPr>
+          <p:cNvPr id="67" name="矩形 66"/>
+          <p:cNvSpPr/>
+          <p:nvPr/>
+        </p:nvSpPr>
+        <p:spPr>
+          <a:xfrm>
+            <a:off x="10264279" y="4776119"/>
+            <a:ext cx="1405720" cy="477672"/>
+          </a:xfrm>
+          <a:prstGeom prst="rect">
+            <a:avLst/>
+          </a:prstGeom>
+        </p:spPr>
+        <p:style>
+          <a:lnRef idx="2">
+            <a:schemeClr val="dk1"/>
+          </a:lnRef>
+          <a:fillRef idx="1">
+            <a:schemeClr val="lt1"/>
+          </a:fillRef>
+          <a:effectRef idx="0">
+            <a:schemeClr val="dk1"/>
+          </a:effectRef>
+          <a:fontRef idx="minor">
+            <a:schemeClr val="dk1"/>
+          </a:fontRef>
+        </p:style>
+        <p:txBody>
+          <a:bodyPr rtlCol="0" anchor="ctr"/>
+          <a:lstStyle/>
+          <a:p>
+            <a:pPr algn="ctr"/>
+            <a:r>
+              <a:rPr lang="zh-CN" altLang="en-US" dirty="0" smtClean="0"/>
+              <a:t>消息接收者</a:t>
+            </a:r>
+            <a:endParaRPr lang="zh-CN" altLang="en-US" dirty="0"/>
+          </a:p>
+        </p:txBody>
+      </p:sp>
+      <p:sp>
+        <p:nvSpPr>
+          <p:cNvPr id="68" name="矩形 67"/>
+          <p:cNvSpPr/>
+          <p:nvPr/>
+        </p:nvSpPr>
+        <p:spPr>
+          <a:xfrm>
+            <a:off x="10264279" y="5776721"/>
+            <a:ext cx="1405720" cy="477672"/>
+          </a:xfrm>
+          <a:prstGeom prst="rect">
+            <a:avLst/>
+          </a:prstGeom>
+        </p:spPr>
+        <p:style>
+          <a:lnRef idx="2">
+            <a:schemeClr val="dk1"/>
+          </a:lnRef>
+          <a:fillRef idx="1">
+            <a:schemeClr val="lt1"/>
+          </a:fillRef>
+          <a:effectRef idx="0">
+            <a:schemeClr val="dk1"/>
+          </a:effectRef>
+          <a:fontRef idx="minor">
+            <a:schemeClr val="dk1"/>
+          </a:fontRef>
+        </p:style>
+        <p:txBody>
+          <a:bodyPr rtlCol="0" anchor="ctr"/>
+          <a:lstStyle/>
+          <a:p>
+            <a:pPr algn="ctr"/>
+            <a:r>
+              <a:rPr lang="zh-CN" altLang="en-US" dirty="0" smtClean="0"/>
+              <a:t>消息接收者</a:t>
+            </a:r>
+            <a:endParaRPr lang="zh-CN" altLang="en-US" dirty="0"/>
+          </a:p>
+        </p:txBody>
+      </p:sp>
+      <p:cxnSp>
+        <p:nvCxnSpPr>
+          <p:cNvPr id="70" name="直接箭头连接符 69"/>
+          <p:cNvCxnSpPr>
+            <a:stCxn id="55" idx="3"/>
+            <a:endCxn id="57" idx="1"/>
+          </p:cNvCxnSpPr>
+          <p:nvPr/>
+        </p:nvCxnSpPr>
+        <p:spPr>
+          <a:xfrm>
+            <a:off x="2594780" y="5377495"/>
+            <a:ext cx="1420789" cy="0"/>
+          </a:xfrm>
+          <a:prstGeom prst="straightConnector1">
+            <a:avLst/>
+          </a:prstGeom>
+          <a:ln>
+            <a:tailEnd type="triangle"/>
+          </a:ln>
+        </p:spPr>
+        <p:style>
+          <a:lnRef idx="1">
+            <a:schemeClr val="dk1"/>
+          </a:lnRef>
+          <a:fillRef idx="0">
+            <a:schemeClr val="dk1"/>
+          </a:fillRef>
+          <a:effectRef idx="0">
+            <a:schemeClr val="dk1"/>
+          </a:effectRef>
+          <a:fontRef idx="minor">
+            <a:schemeClr val="tx1"/>
+          </a:fontRef>
+        </p:style>
+      </p:cxnSp>
+      <p:cxnSp>
+        <p:nvCxnSpPr>
+          <p:cNvPr id="72" name="直接箭头连接符 71"/>
+          <p:cNvCxnSpPr>
+            <a:stCxn id="57" idx="3"/>
+            <a:endCxn id="59" idx="1"/>
+          </p:cNvCxnSpPr>
+          <p:nvPr/>
+        </p:nvCxnSpPr>
+        <p:spPr>
+          <a:xfrm>
+            <a:off x="8639033" y="5377495"/>
+            <a:ext cx="1385131" cy="0"/>
+          </a:xfrm>
+          <a:prstGeom prst="straightConnector1">
+            <a:avLst/>
+          </a:prstGeom>
+          <a:ln>
+            <a:tailEnd type="triangle"/>
+          </a:ln>
+        </p:spPr>
+        <p:style>
+          <a:lnRef idx="1">
+            <a:schemeClr val="dk1"/>
+          </a:lnRef>
+          <a:fillRef idx="0">
+            <a:schemeClr val="dk1"/>
+          </a:fillRef>
+          <a:effectRef idx="0">
+            <a:schemeClr val="dk1"/>
+          </a:effectRef>
+          <a:fontRef idx="minor">
+            <a:schemeClr val="tx1"/>
+          </a:fontRef>
+        </p:style>
+      </p:cxnSp>
+      <p:cxnSp>
+        <p:nvCxnSpPr>
+          <p:cNvPr id="74" name="直接箭头连接符 73"/>
+          <p:cNvCxnSpPr>
+            <a:stCxn id="63" idx="3"/>
+          </p:cNvCxnSpPr>
+          <p:nvPr/>
+        </p:nvCxnSpPr>
+        <p:spPr>
+          <a:xfrm>
+            <a:off x="5654068" y="5014955"/>
+            <a:ext cx="979311" cy="0"/>
+          </a:xfrm>
+          <a:prstGeom prst="straightConnector1">
+            <a:avLst/>
+          </a:prstGeom>
+          <a:ln>
+            <a:tailEnd type="triangle"/>
+          </a:ln>
+        </p:spPr>
+        <p:style>
+          <a:lnRef idx="1">
+            <a:schemeClr val="dk1"/>
+          </a:lnRef>
+          <a:fillRef idx="0">
+            <a:schemeClr val="dk1"/>
+          </a:fillRef>
+          <a:effectRef idx="0">
+            <a:schemeClr val="dk1"/>
+          </a:effectRef>
+          <a:fontRef idx="minor">
+            <a:schemeClr val="tx1"/>
+          </a:fontRef>
+        </p:style>
+      </p:cxnSp>
+      <p:cxnSp>
+        <p:nvCxnSpPr>
+          <p:cNvPr id="76" name="直接箭头连接符 75"/>
+          <p:cNvCxnSpPr>
+            <a:stCxn id="63" idx="3"/>
+          </p:cNvCxnSpPr>
+          <p:nvPr/>
+        </p:nvCxnSpPr>
+        <p:spPr>
+          <a:xfrm>
+            <a:off x="5654068" y="5014955"/>
+            <a:ext cx="979311" cy="1000602"/>
+          </a:xfrm>
+          <a:prstGeom prst="straightConnector1">
+            <a:avLst/>
+          </a:prstGeom>
+          <a:ln>
+            <a:tailEnd type="triangle"/>
+          </a:ln>
+        </p:spPr>
+        <p:style>
+          <a:lnRef idx="1">
+            <a:schemeClr val="dk1"/>
+          </a:lnRef>
+          <a:fillRef idx="0">
+            <a:schemeClr val="dk1"/>
+          </a:fillRef>
+          <a:effectRef idx="0">
+            <a:schemeClr val="dk1"/>
+          </a:effectRef>
+          <a:fontRef idx="minor">
+            <a:schemeClr val="tx1"/>
+          </a:fontRef>
+        </p:style>
+      </p:cxnSp>
+      <p:cxnSp>
+        <p:nvCxnSpPr>
+          <p:cNvPr id="78" name="直接箭头连接符 77"/>
+          <p:cNvCxnSpPr>
+            <a:stCxn id="64" idx="3"/>
+          </p:cNvCxnSpPr>
+          <p:nvPr/>
+        </p:nvCxnSpPr>
+        <p:spPr>
+          <a:xfrm flipV="1">
+            <a:off x="5654068" y="5014955"/>
+            <a:ext cx="979311" cy="1000602"/>
+          </a:xfrm>
+          <a:prstGeom prst="straightConnector1">
+            <a:avLst/>
+          </a:prstGeom>
+          <a:ln>
+            <a:tailEnd type="triangle"/>
+          </a:ln>
+        </p:spPr>
+        <p:style>
+          <a:lnRef idx="1">
+            <a:schemeClr val="dk1"/>
+          </a:lnRef>
+          <a:fillRef idx="0">
+            <a:schemeClr val="dk1"/>
+          </a:fillRef>
+          <a:effectRef idx="0">
+            <a:schemeClr val="dk1"/>
+          </a:effectRef>
+          <a:fontRef idx="minor">
+            <a:schemeClr val="tx1"/>
+          </a:fontRef>
+        </p:style>
+      </p:cxnSp>
+      <p:cxnSp>
+        <p:nvCxnSpPr>
+          <p:cNvPr id="80" name="直接箭头连接符 79"/>
+          <p:cNvCxnSpPr>
+            <a:stCxn id="64" idx="3"/>
+            <a:endCxn id="66" idx="1"/>
+          </p:cNvCxnSpPr>
+          <p:nvPr/>
+        </p:nvCxnSpPr>
+        <p:spPr>
+          <a:xfrm>
+            <a:off x="5654068" y="6015557"/>
+            <a:ext cx="979311" cy="0"/>
+          </a:xfrm>
+          <a:prstGeom prst="straightConnector1">
+            <a:avLst/>
+          </a:prstGeom>
+          <a:ln>
+            <a:tailEnd type="triangle"/>
+          </a:ln>
+        </p:spPr>
+        <p:style>
+          <a:lnRef idx="1">
+            <a:schemeClr val="dk1"/>
+          </a:lnRef>
+          <a:fillRef idx="0">
+            <a:schemeClr val="dk1"/>
+          </a:fillRef>
+          <a:effectRef idx="0">
+            <a:schemeClr val="dk1"/>
+          </a:effectRef>
+          <a:fontRef idx="minor">
+            <a:schemeClr val="tx1"/>
+          </a:fontRef>
+        </p:style>
+      </p:cxnSp>
+    </p:spTree>
+    <p:extLst>
+      <p:ext uri="{BB962C8B-B14F-4D97-AF65-F5344CB8AC3E}">
+        <p14:creationId xmlns:p14="http://schemas.microsoft.com/office/powerpoint/2010/main" val="3517134077"/>
+      </p:ext>
+    </p:extLst>
+  </p:cSld>
+  <p:clrMapOvr>
+    <a:masterClrMapping/>
+  </p:clrMapOvr>
+</p:sld>
+</file>
+
+<file path=ppt/slides/slide13.xml><?xml version="1.0" encoding="utf-8"?>
+<p:sld xmlns:a="http://schemas.openxmlformats.org/drawingml/2006/main" xmlns:r="http://schemas.openxmlformats.org/officeDocument/2006/relationships" xmlns:p="http://schemas.openxmlformats.org/presentationml/2006/main">
+  <p:cSld>
+    <p:spTree>
+      <p:nvGrpSpPr>
+        <p:cNvPr id="1" name=""/>
+        <p:cNvGrpSpPr/>
+        <p:nvPr/>
+      </p:nvGrpSpPr>
+      <p:grpSpPr>
+        <a:xfrm>
+          <a:off x="0" y="0"/>
+          <a:ext cx="0" cy="0"/>
+          <a:chOff x="0" y="0"/>
+          <a:chExt cx="0" cy="0"/>
+        </a:xfrm>
+      </p:grpSpPr>
+    </p:spTree>
+    <p:extLst>
+      <p:ext uri="{BB962C8B-B14F-4D97-AF65-F5344CB8AC3E}">
+        <p14:creationId xmlns:p14="http://schemas.microsoft.com/office/powerpoint/2010/main" val="799000434"/>
+      </p:ext>
+    </p:extLst>
+  </p:cSld>
+  <p:clrMapOvr>
+    <a:masterClrMapping/>
+  </p:clrMapOvr>
+</p:sld>
+</file>
+
 <file path=ppt/slides/slide2.xml><?xml version="1.0" encoding="utf-8"?>
 <p:sld xmlns:a="http://schemas.openxmlformats.org/drawingml/2006/main" xmlns:r="http://schemas.openxmlformats.org/officeDocument/2006/relationships" xmlns:p="http://schemas.openxmlformats.org/presentationml/2006/main">
   <p:cSld>
